--- a/borrador_Laboratorio_Retail_Tecno_v1.pptx
+++ b/borrador_Laboratorio_Retail_Tecno_v1.pptx
@@ -5,11 +5,10 @@
     <p:sldMasterId id="2147483648" r:id="rId1"/>
   </p:sldMasterIdLst>
   <p:notesMasterIdLst>
-    <p:notesMasterId r:id="rId4"/>
+    <p:notesMasterId r:id="rId3"/>
   </p:notesMasterIdLst>
   <p:sldIdLst>
-    <p:sldId id="256" r:id="rId2"/>
-    <p:sldId id="257" r:id="rId3"/>
+    <p:sldId id="257" r:id="rId2"/>
   </p:sldIdLst>
   <p:sldSz cx="12192000" cy="6858000"/>
   <p:notesSz cx="9928225" cy="14357350"/>
@@ -330,7 +329,7 @@
           <a:p>
             <a:fld id="{1A80B76D-1161-4778-B19E-AAB3F3A256F5}" type="datetimeFigureOut">
               <a:rPr lang="en-US" smtClean="0"/>
-              <a:t>3/23/2022</a:t>
+              <a:t>3/3/2023</a:t>
             </a:fld>
             <a:endParaRPr lang="en-US"/>
           </a:p>
@@ -747,7 +746,7 @@
           <a:p>
             <a:fld id="{06E888E9-86D4-4562-A172-8F3AC75E7124}" type="datetimeFigureOut">
               <a:rPr lang="en-US" smtClean="0"/>
-              <a:t>3/23/2022</a:t>
+              <a:t>3/3/2023</a:t>
             </a:fld>
             <a:endParaRPr lang="en-US"/>
           </a:p>
@@ -947,7 +946,7 @@
           <a:p>
             <a:fld id="{06E888E9-86D4-4562-A172-8F3AC75E7124}" type="datetimeFigureOut">
               <a:rPr lang="en-US" smtClean="0"/>
-              <a:t>3/23/2022</a:t>
+              <a:t>3/3/2023</a:t>
             </a:fld>
             <a:endParaRPr lang="en-US"/>
           </a:p>
@@ -1157,7 +1156,7 @@
           <a:p>
             <a:fld id="{06E888E9-86D4-4562-A172-8F3AC75E7124}" type="datetimeFigureOut">
               <a:rPr lang="en-US" smtClean="0"/>
-              <a:t>3/23/2022</a:t>
+              <a:t>3/3/2023</a:t>
             </a:fld>
             <a:endParaRPr lang="en-US"/>
           </a:p>
@@ -1357,7 +1356,7 @@
           <a:p>
             <a:fld id="{06E888E9-86D4-4562-A172-8F3AC75E7124}" type="datetimeFigureOut">
               <a:rPr lang="en-US" smtClean="0"/>
-              <a:t>3/23/2022</a:t>
+              <a:t>3/3/2023</a:t>
             </a:fld>
             <a:endParaRPr lang="en-US"/>
           </a:p>
@@ -1633,7 +1632,7 @@
           <a:p>
             <a:fld id="{06E888E9-86D4-4562-A172-8F3AC75E7124}" type="datetimeFigureOut">
               <a:rPr lang="en-US" smtClean="0"/>
-              <a:t>3/23/2022</a:t>
+              <a:t>3/3/2023</a:t>
             </a:fld>
             <a:endParaRPr lang="en-US"/>
           </a:p>
@@ -1901,7 +1900,7 @@
           <a:p>
             <a:fld id="{06E888E9-86D4-4562-A172-8F3AC75E7124}" type="datetimeFigureOut">
               <a:rPr lang="en-US" smtClean="0"/>
-              <a:t>3/23/2022</a:t>
+              <a:t>3/3/2023</a:t>
             </a:fld>
             <a:endParaRPr lang="en-US"/>
           </a:p>
@@ -2316,7 +2315,7 @@
           <a:p>
             <a:fld id="{06E888E9-86D4-4562-A172-8F3AC75E7124}" type="datetimeFigureOut">
               <a:rPr lang="en-US" smtClean="0"/>
-              <a:t>3/23/2022</a:t>
+              <a:t>3/3/2023</a:t>
             </a:fld>
             <a:endParaRPr lang="en-US"/>
           </a:p>
@@ -2458,7 +2457,7 @@
           <a:p>
             <a:fld id="{06E888E9-86D4-4562-A172-8F3AC75E7124}" type="datetimeFigureOut">
               <a:rPr lang="en-US" smtClean="0"/>
-              <a:t>3/23/2022</a:t>
+              <a:t>3/3/2023</a:t>
             </a:fld>
             <a:endParaRPr lang="en-US"/>
           </a:p>
@@ -2571,7 +2570,7 @@
           <a:p>
             <a:fld id="{06E888E9-86D4-4562-A172-8F3AC75E7124}" type="datetimeFigureOut">
               <a:rPr lang="en-US" smtClean="0"/>
-              <a:t>3/23/2022</a:t>
+              <a:t>3/3/2023</a:t>
             </a:fld>
             <a:endParaRPr lang="en-US"/>
           </a:p>
@@ -2884,7 +2883,7 @@
           <a:p>
             <a:fld id="{06E888E9-86D4-4562-A172-8F3AC75E7124}" type="datetimeFigureOut">
               <a:rPr lang="en-US" smtClean="0"/>
-              <a:t>3/23/2022</a:t>
+              <a:t>3/3/2023</a:t>
             </a:fld>
             <a:endParaRPr lang="en-US"/>
           </a:p>
@@ -3173,7 +3172,7 @@
           <a:p>
             <a:fld id="{06E888E9-86D4-4562-A172-8F3AC75E7124}" type="datetimeFigureOut">
               <a:rPr lang="en-US" smtClean="0"/>
-              <a:t>3/23/2022</a:t>
+              <a:t>3/3/2023</a:t>
             </a:fld>
             <a:endParaRPr lang="en-US"/>
           </a:p>
@@ -3416,7 +3415,7 @@
           <a:p>
             <a:fld id="{06E888E9-86D4-4562-A172-8F3AC75E7124}" type="datetimeFigureOut">
               <a:rPr lang="en-US" smtClean="0"/>
-              <a:t>3/23/2022</a:t>
+              <a:t>3/3/2023</a:t>
             </a:fld>
             <a:endParaRPr lang="en-US"/>
           </a:p>
@@ -10428,6734 +10427,6 @@
       </p:grpSp>
       <p:sp>
         <p:nvSpPr>
-          <p:cNvPr id="115" name="CuadroTexto 114">
-            <a:extLst>
-              <a:ext uri="{FF2B5EF4-FFF2-40B4-BE49-F238E27FC236}">
-                <a16:creationId xmlns:a16="http://schemas.microsoft.com/office/drawing/2014/main" id="{644B7639-18E4-4656-B7CE-14DEE514B6FA}"/>
-              </a:ext>
-            </a:extLst>
-          </p:cNvPr>
-          <p:cNvSpPr txBox="1"/>
-          <p:nvPr/>
-        </p:nvSpPr>
-        <p:spPr>
-          <a:xfrm>
-            <a:off x="9980938" y="5367634"/>
-            <a:ext cx="1562992" cy="369332"/>
-          </a:xfrm>
-          <a:prstGeom prst="rect">
-            <a:avLst/>
-          </a:prstGeom>
-          <a:noFill/>
-        </p:spPr>
-        <p:txBody>
-          <a:bodyPr wrap="none" rtlCol="0">
-            <a:spAutoFit/>
-          </a:bodyPr>
-          <a:lstStyle/>
-          <a:p>
-            <a:r>
-              <a:rPr lang="en-US" b="1" dirty="0"/>
-              <a:t>(Version 2021)</a:t>
-            </a:r>
-          </a:p>
-        </p:txBody>
-      </p:sp>
-      <p:sp>
-        <p:nvSpPr>
-          <p:cNvPr id="116" name="CuadroTexto 115">
-            <a:extLst>
-              <a:ext uri="{FF2B5EF4-FFF2-40B4-BE49-F238E27FC236}">
-                <a16:creationId xmlns:a16="http://schemas.microsoft.com/office/drawing/2014/main" id="{70669F0A-373D-436B-A4BF-0C6D21456449}"/>
-              </a:ext>
-            </a:extLst>
-          </p:cNvPr>
-          <p:cNvSpPr txBox="1"/>
-          <p:nvPr/>
-        </p:nvSpPr>
-        <p:spPr>
-          <a:xfrm>
-            <a:off x="10026162" y="-6868"/>
-            <a:ext cx="848181" cy="369332"/>
-          </a:xfrm>
-          <a:prstGeom prst="rect">
-            <a:avLst/>
-          </a:prstGeom>
-          <a:noFill/>
-        </p:spPr>
-        <p:txBody>
-          <a:bodyPr wrap="none" rtlCol="0">
-            <a:spAutoFit/>
-          </a:bodyPr>
-          <a:lstStyle/>
-          <a:p>
-            <a:r>
-              <a:rPr lang="en-US" dirty="0"/>
-              <a:t>metros</a:t>
-            </a:r>
-          </a:p>
-        </p:txBody>
-      </p:sp>
-      <p:sp>
-        <p:nvSpPr>
-          <p:cNvPr id="117" name="CuadroTexto 116">
-            <a:extLst>
-              <a:ext uri="{FF2B5EF4-FFF2-40B4-BE49-F238E27FC236}">
-                <a16:creationId xmlns:a16="http://schemas.microsoft.com/office/drawing/2014/main" id="{27FE1A3A-CEA9-4B6F-A234-55B76AF95049}"/>
-              </a:ext>
-            </a:extLst>
-          </p:cNvPr>
-          <p:cNvSpPr txBox="1"/>
-          <p:nvPr/>
-        </p:nvSpPr>
-        <p:spPr>
-          <a:xfrm>
-            <a:off x="-41115" y="27815"/>
-            <a:ext cx="848181" cy="369332"/>
-          </a:xfrm>
-          <a:prstGeom prst="rect">
-            <a:avLst/>
-          </a:prstGeom>
-          <a:noFill/>
-        </p:spPr>
-        <p:txBody>
-          <a:bodyPr wrap="none" rtlCol="0">
-            <a:spAutoFit/>
-          </a:bodyPr>
-          <a:lstStyle/>
-          <a:p>
-            <a:r>
-              <a:rPr lang="en-US" dirty="0"/>
-              <a:t>metros</a:t>
-            </a:r>
-          </a:p>
-        </p:txBody>
-      </p:sp>
-    </p:spTree>
-    <p:extLst>
-      <p:ext uri="{BB962C8B-B14F-4D97-AF65-F5344CB8AC3E}">
-        <p14:creationId xmlns:p14="http://schemas.microsoft.com/office/powerpoint/2010/main" val="2870352534"/>
-      </p:ext>
-    </p:extLst>
-  </p:cSld>
-  <p:clrMapOvr>
-    <a:masterClrMapping/>
-  </p:clrMapOvr>
-</p:sld>
-</file>
-
-<file path=ppt/slides/slide2.xml><?xml version="1.0" encoding="utf-8"?>
-<p:sld xmlns:a="http://schemas.openxmlformats.org/drawingml/2006/main" xmlns:r="http://schemas.openxmlformats.org/officeDocument/2006/relationships" xmlns:p="http://schemas.openxmlformats.org/presentationml/2006/main">
-  <p:cSld>
-    <p:spTree>
-      <p:nvGrpSpPr>
-        <p:cNvPr id="1" name=""/>
-        <p:cNvGrpSpPr/>
-        <p:nvPr/>
-      </p:nvGrpSpPr>
-      <p:grpSpPr>
-        <a:xfrm>
-          <a:off x="0" y="0"/>
-          <a:ext cx="0" cy="0"/>
-          <a:chOff x="0" y="0"/>
-          <a:chExt cx="0" cy="0"/>
-        </a:xfrm>
-      </p:grpSpPr>
-      <p:cxnSp>
-        <p:nvCxnSpPr>
-          <p:cNvPr id="5" name="Conector recto 4">
-            <a:extLst>
-              <a:ext uri="{FF2B5EF4-FFF2-40B4-BE49-F238E27FC236}">
-                <a16:creationId xmlns:a16="http://schemas.microsoft.com/office/drawing/2014/main" id="{26FAA6AE-F34A-4AC6-8884-6989FB7D54ED}"/>
-              </a:ext>
-            </a:extLst>
-          </p:cNvPr>
-          <p:cNvCxnSpPr>
-            <a:cxnSpLocks/>
-          </p:cNvCxnSpPr>
-          <p:nvPr/>
-        </p:nvCxnSpPr>
-        <p:spPr>
-          <a:xfrm>
-            <a:off x="1065229" y="427042"/>
-            <a:ext cx="10777583" cy="0"/>
-          </a:xfrm>
-          <a:prstGeom prst="line">
-            <a:avLst/>
-          </a:prstGeom>
-          <a:ln>
-            <a:headEnd type="arrow" w="med" len="med"/>
-            <a:tailEnd type="arrow" w="med" len="med"/>
-          </a:ln>
-        </p:spPr>
-        <p:style>
-          <a:lnRef idx="1">
-            <a:schemeClr val="accent1"/>
-          </a:lnRef>
-          <a:fillRef idx="0">
-            <a:schemeClr val="accent1"/>
-          </a:fillRef>
-          <a:effectRef idx="0">
-            <a:schemeClr val="accent1"/>
-          </a:effectRef>
-          <a:fontRef idx="minor">
-            <a:schemeClr val="tx1"/>
-          </a:fontRef>
-        </p:style>
-      </p:cxnSp>
-      <p:cxnSp>
-        <p:nvCxnSpPr>
-          <p:cNvPr id="7" name="Conector recto 6">
-            <a:extLst>
-              <a:ext uri="{FF2B5EF4-FFF2-40B4-BE49-F238E27FC236}">
-                <a16:creationId xmlns:a16="http://schemas.microsoft.com/office/drawing/2014/main" id="{82CB95B1-D700-40C5-A0F6-75F02E3DABEC}"/>
-              </a:ext>
-            </a:extLst>
-          </p:cNvPr>
-          <p:cNvCxnSpPr>
-            <a:cxnSpLocks/>
-          </p:cNvCxnSpPr>
-          <p:nvPr/>
-        </p:nvCxnSpPr>
-        <p:spPr>
-          <a:xfrm>
-            <a:off x="648070" y="585926"/>
-            <a:ext cx="0" cy="5734975"/>
-          </a:xfrm>
-          <a:prstGeom prst="line">
-            <a:avLst/>
-          </a:prstGeom>
-          <a:ln>
-            <a:headEnd type="arrow" w="med" len="med"/>
-            <a:tailEnd type="arrow" w="med" len="med"/>
-          </a:ln>
-        </p:spPr>
-        <p:style>
-          <a:lnRef idx="1">
-            <a:schemeClr val="accent1"/>
-          </a:lnRef>
-          <a:fillRef idx="0">
-            <a:schemeClr val="accent1"/>
-          </a:fillRef>
-          <a:effectRef idx="0">
-            <a:schemeClr val="accent1"/>
-          </a:effectRef>
-          <a:fontRef idx="minor">
-            <a:schemeClr val="tx1"/>
-          </a:fontRef>
-        </p:style>
-      </p:cxnSp>
-      <p:sp>
-        <p:nvSpPr>
-          <p:cNvPr id="12" name="CuadroTexto 11">
-            <a:extLst>
-              <a:ext uri="{FF2B5EF4-FFF2-40B4-BE49-F238E27FC236}">
-                <a16:creationId xmlns:a16="http://schemas.microsoft.com/office/drawing/2014/main" id="{28BD2307-2711-45BE-813A-3045295409A3}"/>
-              </a:ext>
-            </a:extLst>
-          </p:cNvPr>
-          <p:cNvSpPr txBox="1"/>
-          <p:nvPr/>
-        </p:nvSpPr>
-        <p:spPr>
-          <a:xfrm>
-            <a:off x="197963" y="5363852"/>
-            <a:ext cx="354584" cy="369332"/>
-          </a:xfrm>
-          <a:prstGeom prst="rect">
-            <a:avLst/>
-          </a:prstGeom>
-          <a:noFill/>
-        </p:spPr>
-        <p:txBody>
-          <a:bodyPr wrap="none" rtlCol="0">
-            <a:spAutoFit/>
-          </a:bodyPr>
-          <a:lstStyle/>
-          <a:p>
-            <a:r>
-              <a:rPr lang="en-US" dirty="0"/>
-              <a:t>1 </a:t>
-            </a:r>
-          </a:p>
-        </p:txBody>
-      </p:sp>
-      <p:sp>
-        <p:nvSpPr>
-          <p:cNvPr id="13" name="CuadroTexto 12">
-            <a:extLst>
-              <a:ext uri="{FF2B5EF4-FFF2-40B4-BE49-F238E27FC236}">
-                <a16:creationId xmlns:a16="http://schemas.microsoft.com/office/drawing/2014/main" id="{7DA19508-7F3C-4091-B8AE-74B6A9F38911}"/>
-              </a:ext>
-            </a:extLst>
-          </p:cNvPr>
-          <p:cNvSpPr txBox="1"/>
-          <p:nvPr/>
-        </p:nvSpPr>
-        <p:spPr>
-          <a:xfrm>
-            <a:off x="226404" y="6044152"/>
-            <a:ext cx="297701" cy="369332"/>
-          </a:xfrm>
-          <a:prstGeom prst="rect">
-            <a:avLst/>
-          </a:prstGeom>
-          <a:noFill/>
-        </p:spPr>
-        <p:txBody>
-          <a:bodyPr wrap="square" rtlCol="0">
-            <a:spAutoFit/>
-          </a:bodyPr>
-          <a:lstStyle/>
-          <a:p>
-            <a:r>
-              <a:rPr lang="en-US" dirty="0"/>
-              <a:t>0 </a:t>
-            </a:r>
-          </a:p>
-        </p:txBody>
-      </p:sp>
-      <p:sp>
-        <p:nvSpPr>
-          <p:cNvPr id="14" name="CuadroTexto 13">
-            <a:extLst>
-              <a:ext uri="{FF2B5EF4-FFF2-40B4-BE49-F238E27FC236}">
-                <a16:creationId xmlns:a16="http://schemas.microsoft.com/office/drawing/2014/main" id="{08091AD5-0308-4DD9-A476-03C50C07A9A8}"/>
-              </a:ext>
-            </a:extLst>
-          </p:cNvPr>
-          <p:cNvSpPr txBox="1"/>
-          <p:nvPr/>
-        </p:nvSpPr>
-        <p:spPr>
-          <a:xfrm>
-            <a:off x="187508" y="4654370"/>
-            <a:ext cx="354584" cy="369332"/>
-          </a:xfrm>
-          <a:prstGeom prst="rect">
-            <a:avLst/>
-          </a:prstGeom>
-          <a:noFill/>
-        </p:spPr>
-        <p:txBody>
-          <a:bodyPr wrap="none" rtlCol="0">
-            <a:spAutoFit/>
-          </a:bodyPr>
-          <a:lstStyle/>
-          <a:p>
-            <a:r>
-              <a:rPr lang="en-US" dirty="0"/>
-              <a:t>2 </a:t>
-            </a:r>
-          </a:p>
-        </p:txBody>
-      </p:sp>
-      <p:sp>
-        <p:nvSpPr>
-          <p:cNvPr id="15" name="CuadroTexto 14">
-            <a:extLst>
-              <a:ext uri="{FF2B5EF4-FFF2-40B4-BE49-F238E27FC236}">
-                <a16:creationId xmlns:a16="http://schemas.microsoft.com/office/drawing/2014/main" id="{0E2355D0-D49D-4C26-97DC-48AC4CE73746}"/>
-              </a:ext>
-            </a:extLst>
-          </p:cNvPr>
-          <p:cNvSpPr txBox="1"/>
-          <p:nvPr/>
-        </p:nvSpPr>
-        <p:spPr>
-          <a:xfrm>
-            <a:off x="196934" y="3953530"/>
-            <a:ext cx="354584" cy="369332"/>
-          </a:xfrm>
-          <a:prstGeom prst="rect">
-            <a:avLst/>
-          </a:prstGeom>
-          <a:noFill/>
-        </p:spPr>
-        <p:txBody>
-          <a:bodyPr wrap="none" rtlCol="0">
-            <a:spAutoFit/>
-          </a:bodyPr>
-          <a:lstStyle/>
-          <a:p>
-            <a:r>
-              <a:rPr lang="en-US" dirty="0"/>
-              <a:t>3 </a:t>
-            </a:r>
-          </a:p>
-        </p:txBody>
-      </p:sp>
-      <p:sp>
-        <p:nvSpPr>
-          <p:cNvPr id="16" name="CuadroTexto 15">
-            <a:extLst>
-              <a:ext uri="{FF2B5EF4-FFF2-40B4-BE49-F238E27FC236}">
-                <a16:creationId xmlns:a16="http://schemas.microsoft.com/office/drawing/2014/main" id="{233A883A-C0F3-49C6-A87A-A49DB0B2AFE8}"/>
-              </a:ext>
-            </a:extLst>
-          </p:cNvPr>
-          <p:cNvSpPr txBox="1"/>
-          <p:nvPr/>
-        </p:nvSpPr>
-        <p:spPr>
-          <a:xfrm>
-            <a:off x="196934" y="3240007"/>
-            <a:ext cx="354584" cy="369332"/>
-          </a:xfrm>
-          <a:prstGeom prst="rect">
-            <a:avLst/>
-          </a:prstGeom>
-          <a:noFill/>
-        </p:spPr>
-        <p:txBody>
-          <a:bodyPr wrap="none" rtlCol="0">
-            <a:spAutoFit/>
-          </a:bodyPr>
-          <a:lstStyle/>
-          <a:p>
-            <a:r>
-              <a:rPr lang="en-US" dirty="0"/>
-              <a:t>4 </a:t>
-            </a:r>
-          </a:p>
-        </p:txBody>
-      </p:sp>
-      <p:sp>
-        <p:nvSpPr>
-          <p:cNvPr id="17" name="CuadroTexto 16">
-            <a:extLst>
-              <a:ext uri="{FF2B5EF4-FFF2-40B4-BE49-F238E27FC236}">
-                <a16:creationId xmlns:a16="http://schemas.microsoft.com/office/drawing/2014/main" id="{60F85EFA-4E4D-4592-AAA8-680C26A88802}"/>
-              </a:ext>
-            </a:extLst>
-          </p:cNvPr>
-          <p:cNvSpPr txBox="1"/>
-          <p:nvPr/>
-        </p:nvSpPr>
-        <p:spPr>
-          <a:xfrm>
-            <a:off x="212859" y="2513914"/>
-            <a:ext cx="354584" cy="369332"/>
-          </a:xfrm>
-          <a:prstGeom prst="rect">
-            <a:avLst/>
-          </a:prstGeom>
-          <a:noFill/>
-        </p:spPr>
-        <p:txBody>
-          <a:bodyPr wrap="none" rtlCol="0">
-            <a:spAutoFit/>
-          </a:bodyPr>
-          <a:lstStyle/>
-          <a:p>
-            <a:r>
-              <a:rPr lang="en-US" dirty="0"/>
-              <a:t>5 </a:t>
-            </a:r>
-          </a:p>
-        </p:txBody>
-      </p:sp>
-      <p:sp>
-        <p:nvSpPr>
-          <p:cNvPr id="18" name="CuadroTexto 17">
-            <a:extLst>
-              <a:ext uri="{FF2B5EF4-FFF2-40B4-BE49-F238E27FC236}">
-                <a16:creationId xmlns:a16="http://schemas.microsoft.com/office/drawing/2014/main" id="{022B46E4-2DD5-4D35-9A9A-9AB2DA07B8B5}"/>
-              </a:ext>
-            </a:extLst>
-          </p:cNvPr>
-          <p:cNvSpPr txBox="1"/>
-          <p:nvPr/>
-        </p:nvSpPr>
-        <p:spPr>
-          <a:xfrm>
-            <a:off x="196934" y="1816987"/>
-            <a:ext cx="301686" cy="369332"/>
-          </a:xfrm>
-          <a:prstGeom prst="rect">
-            <a:avLst/>
-          </a:prstGeom>
-          <a:noFill/>
-        </p:spPr>
-        <p:txBody>
-          <a:bodyPr wrap="none" rtlCol="0">
-            <a:spAutoFit/>
-          </a:bodyPr>
-          <a:lstStyle/>
-          <a:p>
-            <a:r>
-              <a:rPr lang="en-US" dirty="0"/>
-              <a:t>6</a:t>
-            </a:r>
-          </a:p>
-        </p:txBody>
-      </p:sp>
-      <p:sp>
-        <p:nvSpPr>
-          <p:cNvPr id="19" name="CuadroTexto 18">
-            <a:extLst>
-              <a:ext uri="{FF2B5EF4-FFF2-40B4-BE49-F238E27FC236}">
-                <a16:creationId xmlns:a16="http://schemas.microsoft.com/office/drawing/2014/main" id="{6C08DC98-61AB-4F8D-B94E-5DAD7F8BFFC6}"/>
-              </a:ext>
-            </a:extLst>
-          </p:cNvPr>
-          <p:cNvSpPr txBox="1"/>
-          <p:nvPr/>
-        </p:nvSpPr>
-        <p:spPr>
-          <a:xfrm>
-            <a:off x="207538" y="1074298"/>
-            <a:ext cx="301686" cy="369332"/>
-          </a:xfrm>
-          <a:prstGeom prst="rect">
-            <a:avLst/>
-          </a:prstGeom>
-          <a:noFill/>
-        </p:spPr>
-        <p:txBody>
-          <a:bodyPr wrap="none" rtlCol="0">
-            <a:spAutoFit/>
-          </a:bodyPr>
-          <a:lstStyle/>
-          <a:p>
-            <a:r>
-              <a:rPr lang="en-US" dirty="0"/>
-              <a:t>7</a:t>
-            </a:r>
-          </a:p>
-        </p:txBody>
-      </p:sp>
-      <p:sp>
-        <p:nvSpPr>
-          <p:cNvPr id="20" name="CuadroTexto 19">
-            <a:extLst>
-              <a:ext uri="{FF2B5EF4-FFF2-40B4-BE49-F238E27FC236}">
-                <a16:creationId xmlns:a16="http://schemas.microsoft.com/office/drawing/2014/main" id="{60E36441-2B2C-4E40-8658-48510A3C7773}"/>
-              </a:ext>
-            </a:extLst>
-          </p:cNvPr>
-          <p:cNvSpPr txBox="1"/>
-          <p:nvPr/>
-        </p:nvSpPr>
-        <p:spPr>
-          <a:xfrm>
-            <a:off x="226404" y="394231"/>
-            <a:ext cx="301686" cy="369332"/>
-          </a:xfrm>
-          <a:prstGeom prst="rect">
-            <a:avLst/>
-          </a:prstGeom>
-          <a:noFill/>
-        </p:spPr>
-        <p:txBody>
-          <a:bodyPr wrap="none" rtlCol="0">
-            <a:spAutoFit/>
-          </a:bodyPr>
-          <a:lstStyle/>
-          <a:p>
-            <a:r>
-              <a:rPr lang="en-US" dirty="0"/>
-              <a:t>8</a:t>
-            </a:r>
-          </a:p>
-        </p:txBody>
-      </p:sp>
-      <p:sp>
-        <p:nvSpPr>
-          <p:cNvPr id="21" name="CuadroTexto 20">
-            <a:extLst>
-              <a:ext uri="{FF2B5EF4-FFF2-40B4-BE49-F238E27FC236}">
-                <a16:creationId xmlns:a16="http://schemas.microsoft.com/office/drawing/2014/main" id="{6C9431E3-E344-490C-8837-77D927999D48}"/>
-              </a:ext>
-            </a:extLst>
-          </p:cNvPr>
-          <p:cNvSpPr txBox="1"/>
-          <p:nvPr/>
-        </p:nvSpPr>
-        <p:spPr>
-          <a:xfrm>
-            <a:off x="914386" y="-382"/>
-            <a:ext cx="301686" cy="369332"/>
-          </a:xfrm>
-          <a:prstGeom prst="rect">
-            <a:avLst/>
-          </a:prstGeom>
-          <a:noFill/>
-        </p:spPr>
-        <p:txBody>
-          <a:bodyPr wrap="none" rtlCol="0">
-            <a:spAutoFit/>
-          </a:bodyPr>
-          <a:lstStyle/>
-          <a:p>
-            <a:r>
-              <a:rPr lang="en-US" dirty="0"/>
-              <a:t>0</a:t>
-            </a:r>
-          </a:p>
-        </p:txBody>
-      </p:sp>
-      <p:sp>
-        <p:nvSpPr>
-          <p:cNvPr id="22" name="CuadroTexto 21">
-            <a:extLst>
-              <a:ext uri="{FF2B5EF4-FFF2-40B4-BE49-F238E27FC236}">
-                <a16:creationId xmlns:a16="http://schemas.microsoft.com/office/drawing/2014/main" id="{B57EBD26-0C7F-41D5-81FC-117858C36F05}"/>
-              </a:ext>
-            </a:extLst>
-          </p:cNvPr>
-          <p:cNvSpPr txBox="1"/>
-          <p:nvPr/>
-        </p:nvSpPr>
-        <p:spPr>
-          <a:xfrm>
-            <a:off x="1621396" y="-6868"/>
-            <a:ext cx="301686" cy="369332"/>
-          </a:xfrm>
-          <a:prstGeom prst="rect">
-            <a:avLst/>
-          </a:prstGeom>
-          <a:noFill/>
-        </p:spPr>
-        <p:txBody>
-          <a:bodyPr wrap="none" rtlCol="0">
-            <a:spAutoFit/>
-          </a:bodyPr>
-          <a:lstStyle/>
-          <a:p>
-            <a:r>
-              <a:rPr lang="en-US" dirty="0"/>
-              <a:t>1</a:t>
-            </a:r>
-          </a:p>
-        </p:txBody>
-      </p:sp>
-      <p:sp>
-        <p:nvSpPr>
-          <p:cNvPr id="23" name="CuadroTexto 22">
-            <a:extLst>
-              <a:ext uri="{FF2B5EF4-FFF2-40B4-BE49-F238E27FC236}">
-                <a16:creationId xmlns:a16="http://schemas.microsoft.com/office/drawing/2014/main" id="{24A1647B-B593-4E89-B573-970D5BE9E146}"/>
-              </a:ext>
-            </a:extLst>
-          </p:cNvPr>
-          <p:cNvSpPr txBox="1"/>
-          <p:nvPr/>
-        </p:nvSpPr>
-        <p:spPr>
-          <a:xfrm>
-            <a:off x="2328406" y="0"/>
-            <a:ext cx="301686" cy="369332"/>
-          </a:xfrm>
-          <a:prstGeom prst="rect">
-            <a:avLst/>
-          </a:prstGeom>
-          <a:noFill/>
-        </p:spPr>
-        <p:txBody>
-          <a:bodyPr wrap="none" rtlCol="0">
-            <a:spAutoFit/>
-          </a:bodyPr>
-          <a:lstStyle/>
-          <a:p>
-            <a:r>
-              <a:rPr lang="en-US" dirty="0"/>
-              <a:t>2</a:t>
-            </a:r>
-          </a:p>
-        </p:txBody>
-      </p:sp>
-      <p:sp>
-        <p:nvSpPr>
-          <p:cNvPr id="24" name="CuadroTexto 23">
-            <a:extLst>
-              <a:ext uri="{FF2B5EF4-FFF2-40B4-BE49-F238E27FC236}">
-                <a16:creationId xmlns:a16="http://schemas.microsoft.com/office/drawing/2014/main" id="{0E6912FE-DE1C-4307-91B3-4C3EFBC15749}"/>
-              </a:ext>
-            </a:extLst>
-          </p:cNvPr>
-          <p:cNvSpPr txBox="1"/>
-          <p:nvPr/>
-        </p:nvSpPr>
-        <p:spPr>
-          <a:xfrm>
-            <a:off x="3063710" y="0"/>
-            <a:ext cx="301686" cy="369332"/>
-          </a:xfrm>
-          <a:prstGeom prst="rect">
-            <a:avLst/>
-          </a:prstGeom>
-          <a:noFill/>
-        </p:spPr>
-        <p:txBody>
-          <a:bodyPr wrap="none" rtlCol="0">
-            <a:spAutoFit/>
-          </a:bodyPr>
-          <a:lstStyle/>
-          <a:p>
-            <a:r>
-              <a:rPr lang="en-US" dirty="0"/>
-              <a:t>3</a:t>
-            </a:r>
-          </a:p>
-        </p:txBody>
-      </p:sp>
-      <p:sp>
-        <p:nvSpPr>
-          <p:cNvPr id="25" name="CuadroTexto 24">
-            <a:extLst>
-              <a:ext uri="{FF2B5EF4-FFF2-40B4-BE49-F238E27FC236}">
-                <a16:creationId xmlns:a16="http://schemas.microsoft.com/office/drawing/2014/main" id="{C217F026-95D7-476E-82ED-8F4448A15FD8}"/>
-              </a:ext>
-            </a:extLst>
-          </p:cNvPr>
-          <p:cNvSpPr txBox="1"/>
-          <p:nvPr/>
-        </p:nvSpPr>
-        <p:spPr>
-          <a:xfrm>
-            <a:off x="3799014" y="-6868"/>
-            <a:ext cx="301686" cy="369332"/>
-          </a:xfrm>
-          <a:prstGeom prst="rect">
-            <a:avLst/>
-          </a:prstGeom>
-          <a:noFill/>
-        </p:spPr>
-        <p:txBody>
-          <a:bodyPr wrap="none" rtlCol="0">
-            <a:spAutoFit/>
-          </a:bodyPr>
-          <a:lstStyle/>
-          <a:p>
-            <a:r>
-              <a:rPr lang="en-US" dirty="0"/>
-              <a:t>4</a:t>
-            </a:r>
-          </a:p>
-        </p:txBody>
-      </p:sp>
-      <p:sp>
-        <p:nvSpPr>
-          <p:cNvPr id="26" name="CuadroTexto 25">
-            <a:extLst>
-              <a:ext uri="{FF2B5EF4-FFF2-40B4-BE49-F238E27FC236}">
-                <a16:creationId xmlns:a16="http://schemas.microsoft.com/office/drawing/2014/main" id="{A0F19D57-70D6-41FA-8289-7356B67B1A74}"/>
-              </a:ext>
-            </a:extLst>
-          </p:cNvPr>
-          <p:cNvSpPr txBox="1"/>
-          <p:nvPr/>
-        </p:nvSpPr>
-        <p:spPr>
-          <a:xfrm>
-            <a:off x="4534318" y="-18372"/>
-            <a:ext cx="301686" cy="369332"/>
-          </a:xfrm>
-          <a:prstGeom prst="rect">
-            <a:avLst/>
-          </a:prstGeom>
-          <a:noFill/>
-        </p:spPr>
-        <p:txBody>
-          <a:bodyPr wrap="none" rtlCol="0">
-            <a:spAutoFit/>
-          </a:bodyPr>
-          <a:lstStyle/>
-          <a:p>
-            <a:r>
-              <a:rPr lang="en-US" dirty="0"/>
-              <a:t>5</a:t>
-            </a:r>
-          </a:p>
-        </p:txBody>
-      </p:sp>
-      <p:sp>
-        <p:nvSpPr>
-          <p:cNvPr id="27" name="CuadroTexto 26">
-            <a:extLst>
-              <a:ext uri="{FF2B5EF4-FFF2-40B4-BE49-F238E27FC236}">
-                <a16:creationId xmlns:a16="http://schemas.microsoft.com/office/drawing/2014/main" id="{217F9B80-F472-49A4-9C02-2E703B8AFB4F}"/>
-              </a:ext>
-            </a:extLst>
-          </p:cNvPr>
-          <p:cNvSpPr txBox="1"/>
-          <p:nvPr/>
-        </p:nvSpPr>
-        <p:spPr>
-          <a:xfrm>
-            <a:off x="5241328" y="-24858"/>
-            <a:ext cx="301686" cy="369332"/>
-          </a:xfrm>
-          <a:prstGeom prst="rect">
-            <a:avLst/>
-          </a:prstGeom>
-          <a:noFill/>
-        </p:spPr>
-        <p:txBody>
-          <a:bodyPr wrap="none" rtlCol="0">
-            <a:spAutoFit/>
-          </a:bodyPr>
-          <a:lstStyle/>
-          <a:p>
-            <a:r>
-              <a:rPr lang="en-US" dirty="0"/>
-              <a:t>6</a:t>
-            </a:r>
-          </a:p>
-        </p:txBody>
-      </p:sp>
-      <p:sp>
-        <p:nvSpPr>
-          <p:cNvPr id="28" name="CuadroTexto 27">
-            <a:extLst>
-              <a:ext uri="{FF2B5EF4-FFF2-40B4-BE49-F238E27FC236}">
-                <a16:creationId xmlns:a16="http://schemas.microsoft.com/office/drawing/2014/main" id="{BC8EFD03-FEB3-4908-BBB9-CD8012BEBB7F}"/>
-              </a:ext>
-            </a:extLst>
-          </p:cNvPr>
-          <p:cNvSpPr txBox="1"/>
-          <p:nvPr/>
-        </p:nvSpPr>
-        <p:spPr>
-          <a:xfrm>
-            <a:off x="5948338" y="-17990"/>
-            <a:ext cx="301686" cy="369332"/>
-          </a:xfrm>
-          <a:prstGeom prst="rect">
-            <a:avLst/>
-          </a:prstGeom>
-          <a:noFill/>
-        </p:spPr>
-        <p:txBody>
-          <a:bodyPr wrap="none" rtlCol="0">
-            <a:spAutoFit/>
-          </a:bodyPr>
-          <a:lstStyle/>
-          <a:p>
-            <a:r>
-              <a:rPr lang="en-US" dirty="0"/>
-              <a:t>7</a:t>
-            </a:r>
-          </a:p>
-        </p:txBody>
-      </p:sp>
-      <p:sp>
-        <p:nvSpPr>
-          <p:cNvPr id="29" name="CuadroTexto 28">
-            <a:extLst>
-              <a:ext uri="{FF2B5EF4-FFF2-40B4-BE49-F238E27FC236}">
-                <a16:creationId xmlns:a16="http://schemas.microsoft.com/office/drawing/2014/main" id="{6BAA979B-8BD2-4BF3-B8E9-D99BA072D7C7}"/>
-              </a:ext>
-            </a:extLst>
-          </p:cNvPr>
-          <p:cNvSpPr txBox="1"/>
-          <p:nvPr/>
-        </p:nvSpPr>
-        <p:spPr>
-          <a:xfrm>
-            <a:off x="6683642" y="-17990"/>
-            <a:ext cx="301686" cy="369332"/>
-          </a:xfrm>
-          <a:prstGeom prst="rect">
-            <a:avLst/>
-          </a:prstGeom>
-          <a:noFill/>
-        </p:spPr>
-        <p:txBody>
-          <a:bodyPr wrap="none" rtlCol="0">
-            <a:spAutoFit/>
-          </a:bodyPr>
-          <a:lstStyle/>
-          <a:p>
-            <a:r>
-              <a:rPr lang="en-US" dirty="0"/>
-              <a:t>8</a:t>
-            </a:r>
-          </a:p>
-        </p:txBody>
-      </p:sp>
-      <p:sp>
-        <p:nvSpPr>
-          <p:cNvPr id="30" name="CuadroTexto 29">
-            <a:extLst>
-              <a:ext uri="{FF2B5EF4-FFF2-40B4-BE49-F238E27FC236}">
-                <a16:creationId xmlns:a16="http://schemas.microsoft.com/office/drawing/2014/main" id="{00275471-A5CD-4004-9D2B-4B0FDDC0EB88}"/>
-              </a:ext>
-            </a:extLst>
-          </p:cNvPr>
-          <p:cNvSpPr txBox="1"/>
-          <p:nvPr/>
-        </p:nvSpPr>
-        <p:spPr>
-          <a:xfrm>
-            <a:off x="7418946" y="-24858"/>
-            <a:ext cx="301686" cy="369332"/>
-          </a:xfrm>
-          <a:prstGeom prst="rect">
-            <a:avLst/>
-          </a:prstGeom>
-          <a:noFill/>
-        </p:spPr>
-        <p:txBody>
-          <a:bodyPr wrap="none" rtlCol="0">
-            <a:spAutoFit/>
-          </a:bodyPr>
-          <a:lstStyle/>
-          <a:p>
-            <a:r>
-              <a:rPr lang="en-US" dirty="0"/>
-              <a:t>9</a:t>
-            </a:r>
-          </a:p>
-        </p:txBody>
-      </p:sp>
-      <p:sp>
-        <p:nvSpPr>
-          <p:cNvPr id="31" name="CuadroTexto 30">
-            <a:extLst>
-              <a:ext uri="{FF2B5EF4-FFF2-40B4-BE49-F238E27FC236}">
-                <a16:creationId xmlns:a16="http://schemas.microsoft.com/office/drawing/2014/main" id="{77698C98-FC0B-4898-A751-F086A1E582D3}"/>
-              </a:ext>
-            </a:extLst>
-          </p:cNvPr>
-          <p:cNvSpPr txBox="1"/>
-          <p:nvPr/>
-        </p:nvSpPr>
-        <p:spPr>
-          <a:xfrm>
-            <a:off x="8012834" y="-24858"/>
-            <a:ext cx="418704" cy="369332"/>
-          </a:xfrm>
-          <a:prstGeom prst="rect">
-            <a:avLst/>
-          </a:prstGeom>
-          <a:noFill/>
-        </p:spPr>
-        <p:txBody>
-          <a:bodyPr wrap="none" rtlCol="0">
-            <a:spAutoFit/>
-          </a:bodyPr>
-          <a:lstStyle/>
-          <a:p>
-            <a:r>
-              <a:rPr lang="en-US" dirty="0"/>
-              <a:t>10</a:t>
-            </a:r>
-          </a:p>
-        </p:txBody>
-      </p:sp>
-      <p:sp>
-        <p:nvSpPr>
-          <p:cNvPr id="32" name="CuadroTexto 31">
-            <a:extLst>
-              <a:ext uri="{FF2B5EF4-FFF2-40B4-BE49-F238E27FC236}">
-                <a16:creationId xmlns:a16="http://schemas.microsoft.com/office/drawing/2014/main" id="{ACE634A4-B669-4485-80EB-3B9280D85074}"/>
-              </a:ext>
-            </a:extLst>
-          </p:cNvPr>
-          <p:cNvSpPr txBox="1"/>
-          <p:nvPr/>
-        </p:nvSpPr>
-        <p:spPr>
-          <a:xfrm>
-            <a:off x="8723740" y="-18372"/>
-            <a:ext cx="418704" cy="369332"/>
-          </a:xfrm>
-          <a:prstGeom prst="rect">
-            <a:avLst/>
-          </a:prstGeom>
-          <a:noFill/>
-        </p:spPr>
-        <p:txBody>
-          <a:bodyPr wrap="none" rtlCol="0">
-            <a:spAutoFit/>
-          </a:bodyPr>
-          <a:lstStyle/>
-          <a:p>
-            <a:r>
-              <a:rPr lang="en-US" dirty="0"/>
-              <a:t>11</a:t>
-            </a:r>
-          </a:p>
-        </p:txBody>
-      </p:sp>
-      <p:sp>
-        <p:nvSpPr>
-          <p:cNvPr id="33" name="CuadroTexto 32">
-            <a:extLst>
-              <a:ext uri="{FF2B5EF4-FFF2-40B4-BE49-F238E27FC236}">
-                <a16:creationId xmlns:a16="http://schemas.microsoft.com/office/drawing/2014/main" id="{4D9C2749-13CA-4CD5-937B-4D573586F03E}"/>
-              </a:ext>
-            </a:extLst>
-          </p:cNvPr>
-          <p:cNvSpPr txBox="1"/>
-          <p:nvPr/>
-        </p:nvSpPr>
-        <p:spPr>
-          <a:xfrm>
-            <a:off x="9459044" y="-24858"/>
-            <a:ext cx="418704" cy="369332"/>
-          </a:xfrm>
-          <a:prstGeom prst="rect">
-            <a:avLst/>
-          </a:prstGeom>
-          <a:noFill/>
-        </p:spPr>
-        <p:txBody>
-          <a:bodyPr wrap="none" rtlCol="0">
-            <a:spAutoFit/>
-          </a:bodyPr>
-          <a:lstStyle/>
-          <a:p>
-            <a:r>
-              <a:rPr lang="en-US" dirty="0"/>
-              <a:t>12</a:t>
-            </a:r>
-          </a:p>
-        </p:txBody>
-      </p:sp>
-      <p:grpSp>
-        <p:nvGrpSpPr>
-          <p:cNvPr id="45" name="Grupo 44">
-            <a:extLst>
-              <a:ext uri="{FF2B5EF4-FFF2-40B4-BE49-F238E27FC236}">
-                <a16:creationId xmlns:a16="http://schemas.microsoft.com/office/drawing/2014/main" id="{CCE22EE9-7CBC-4F85-B0A9-03FC7A8248E9}"/>
-              </a:ext>
-            </a:extLst>
-          </p:cNvPr>
-          <p:cNvGrpSpPr/>
-          <p:nvPr/>
-        </p:nvGrpSpPr>
-        <p:grpSpPr>
-          <a:xfrm>
-            <a:off x="3939734" y="1991327"/>
-            <a:ext cx="722905" cy="1437159"/>
-            <a:chOff x="-5095312" y="1995566"/>
-            <a:chExt cx="722905" cy="1437159"/>
-          </a:xfrm>
-        </p:grpSpPr>
-        <p:sp>
-          <p:nvSpPr>
-            <p:cNvPr id="35" name="Rectángulo 34">
-              <a:extLst>
-                <a:ext uri="{FF2B5EF4-FFF2-40B4-BE49-F238E27FC236}">
-                  <a16:creationId xmlns:a16="http://schemas.microsoft.com/office/drawing/2014/main" id="{DB069E9F-5211-4113-97C7-F1B5F7AC915C}"/>
-                </a:ext>
-              </a:extLst>
-            </p:cNvPr>
-            <p:cNvSpPr/>
-            <p:nvPr/>
-          </p:nvSpPr>
-          <p:spPr>
-            <a:xfrm>
-              <a:off x="-5091190" y="2732777"/>
-              <a:ext cx="718783" cy="699948"/>
-            </a:xfrm>
-            <a:prstGeom prst="rect">
-              <a:avLst/>
-            </a:prstGeom>
-            <a:solidFill>
-              <a:srgbClr val="0070C0"/>
-            </a:solidFill>
-            <a:ln>
-              <a:solidFill>
-                <a:srgbClr val="0070C0"/>
-              </a:solidFill>
-            </a:ln>
-          </p:spPr>
-          <p:style>
-            <a:lnRef idx="2">
-              <a:schemeClr val="accent1">
-                <a:shade val="50000"/>
-              </a:schemeClr>
-            </a:lnRef>
-            <a:fillRef idx="1">
-              <a:schemeClr val="accent1"/>
-            </a:fillRef>
-            <a:effectRef idx="0">
-              <a:schemeClr val="accent1"/>
-            </a:effectRef>
-            <a:fontRef idx="minor">
-              <a:schemeClr val="lt1"/>
-            </a:fontRef>
-          </p:style>
-          <p:txBody>
-            <a:bodyPr rtlCol="0" anchor="ctr"/>
-            <a:lstStyle/>
-            <a:p>
-              <a:pPr algn="ctr"/>
-              <a:r>
-                <a:rPr lang="en-US" sz="600" dirty="0" err="1"/>
-                <a:t>Escritorio</a:t>
-              </a:r>
-              <a:r>
-                <a:rPr lang="en-US" sz="600" dirty="0"/>
-                <a:t> Tec #1</a:t>
-              </a:r>
-            </a:p>
-            <a:p>
-              <a:pPr algn="ctr"/>
-              <a:r>
-                <a:rPr lang="en-US" sz="600" dirty="0"/>
-                <a:t>1m x 1m</a:t>
-              </a:r>
-            </a:p>
-            <a:p>
-              <a:pPr algn="ctr"/>
-              <a:r>
-                <a:rPr lang="en-US" sz="600" dirty="0"/>
-                <a:t>0,25 Kw</a:t>
-              </a:r>
-            </a:p>
-          </p:txBody>
-        </p:sp>
-        <p:sp>
-          <p:nvSpPr>
-            <p:cNvPr id="37" name="Rectángulo 36">
-              <a:extLst>
-                <a:ext uri="{FF2B5EF4-FFF2-40B4-BE49-F238E27FC236}">
-                  <a16:creationId xmlns:a16="http://schemas.microsoft.com/office/drawing/2014/main" id="{0BD7E341-6732-4B19-BC7D-0CEA710A553C}"/>
-                </a:ext>
-              </a:extLst>
-            </p:cNvPr>
-            <p:cNvSpPr/>
-            <p:nvPr/>
-          </p:nvSpPr>
-          <p:spPr>
-            <a:xfrm>
-              <a:off x="-5095312" y="1995566"/>
-              <a:ext cx="718783" cy="737211"/>
-            </a:xfrm>
-            <a:prstGeom prst="rect">
-              <a:avLst/>
-            </a:prstGeom>
-            <a:solidFill>
-              <a:schemeClr val="accent4">
-                <a:lumMod val="20000"/>
-                <a:lumOff val="80000"/>
-              </a:schemeClr>
-            </a:solidFill>
-            <a:ln>
-              <a:solidFill>
-                <a:srgbClr val="0070C0"/>
-              </a:solidFill>
-            </a:ln>
-          </p:spPr>
-          <p:style>
-            <a:lnRef idx="2">
-              <a:schemeClr val="accent1">
-                <a:shade val="50000"/>
-              </a:schemeClr>
-            </a:lnRef>
-            <a:fillRef idx="1">
-              <a:schemeClr val="accent1"/>
-            </a:fillRef>
-            <a:effectRef idx="0">
-              <a:schemeClr val="accent1"/>
-            </a:effectRef>
-            <a:fontRef idx="minor">
-              <a:schemeClr val="lt1"/>
-            </a:fontRef>
-          </p:style>
-          <p:txBody>
-            <a:bodyPr rtlCol="0" anchor="ctr"/>
-            <a:lstStyle/>
-            <a:p>
-              <a:pPr algn="ctr"/>
-              <a:r>
-                <a:rPr lang="en-US" sz="600" dirty="0">
-                  <a:solidFill>
-                    <a:srgbClr val="0070C0"/>
-                  </a:solidFill>
-                </a:rPr>
-                <a:t>Espacio </a:t>
-              </a:r>
-            </a:p>
-            <a:p>
-              <a:pPr algn="ctr"/>
-              <a:r>
-                <a:rPr lang="en-US" sz="600" dirty="0">
-                  <a:solidFill>
-                    <a:srgbClr val="0070C0"/>
-                  </a:solidFill>
-                </a:rPr>
-                <a:t>Silla Tec #1</a:t>
-              </a:r>
-            </a:p>
-            <a:p>
-              <a:pPr algn="ctr"/>
-              <a:r>
-                <a:rPr lang="en-US" sz="600" dirty="0">
-                  <a:solidFill>
-                    <a:srgbClr val="0070C0"/>
-                  </a:solidFill>
-                </a:rPr>
-                <a:t>1m x 1m</a:t>
-              </a:r>
-            </a:p>
-          </p:txBody>
-        </p:sp>
-      </p:grpSp>
-      <p:grpSp>
-        <p:nvGrpSpPr>
-          <p:cNvPr id="61" name="Grupo 60">
-            <a:extLst>
-              <a:ext uri="{FF2B5EF4-FFF2-40B4-BE49-F238E27FC236}">
-                <a16:creationId xmlns:a16="http://schemas.microsoft.com/office/drawing/2014/main" id="{252C3FAE-2CF8-4028-AAFE-AFBC08166F41}"/>
-              </a:ext>
-            </a:extLst>
-          </p:cNvPr>
-          <p:cNvGrpSpPr/>
-          <p:nvPr/>
-        </p:nvGrpSpPr>
-        <p:grpSpPr>
-          <a:xfrm>
-            <a:off x="5393498" y="2711511"/>
-            <a:ext cx="718784" cy="714162"/>
-            <a:chOff x="5403606" y="550445"/>
-            <a:chExt cx="718784" cy="714162"/>
-          </a:xfrm>
-        </p:grpSpPr>
-        <p:sp>
-          <p:nvSpPr>
-            <p:cNvPr id="58" name="Rectángulo 57">
-              <a:extLst>
-                <a:ext uri="{FF2B5EF4-FFF2-40B4-BE49-F238E27FC236}">
-                  <a16:creationId xmlns:a16="http://schemas.microsoft.com/office/drawing/2014/main" id="{92BBC97F-88B3-40DF-80DE-450803E3AB13}"/>
-                </a:ext>
-              </a:extLst>
-            </p:cNvPr>
-            <p:cNvSpPr/>
-            <p:nvPr/>
-          </p:nvSpPr>
-          <p:spPr>
-            <a:xfrm>
-              <a:off x="5403606" y="895275"/>
-              <a:ext cx="718784" cy="369332"/>
-            </a:xfrm>
-            <a:prstGeom prst="rect">
-              <a:avLst/>
-            </a:prstGeom>
-            <a:solidFill>
-              <a:schemeClr val="accent2">
-                <a:lumMod val="75000"/>
-              </a:schemeClr>
-            </a:solidFill>
-          </p:spPr>
-          <p:style>
-            <a:lnRef idx="2">
-              <a:schemeClr val="accent1">
-                <a:shade val="50000"/>
-              </a:schemeClr>
-            </a:lnRef>
-            <a:fillRef idx="1">
-              <a:schemeClr val="accent1"/>
-            </a:fillRef>
-            <a:effectRef idx="0">
-              <a:schemeClr val="accent1"/>
-            </a:effectRef>
-            <a:fontRef idx="minor">
-              <a:schemeClr val="lt1"/>
-            </a:fontRef>
-          </p:style>
-          <p:txBody>
-            <a:bodyPr rtlCol="0" anchor="ctr"/>
-            <a:lstStyle/>
-            <a:p>
-              <a:pPr algn="ctr"/>
-              <a:r>
-                <a:rPr lang="en-US" sz="600" dirty="0" err="1"/>
-                <a:t>Armario</a:t>
-              </a:r>
-              <a:r>
-                <a:rPr lang="en-US" sz="600" dirty="0"/>
-                <a:t> </a:t>
-              </a:r>
-            </a:p>
-            <a:p>
-              <a:pPr algn="ctr"/>
-              <a:r>
-                <a:rPr lang="en-US" sz="600" dirty="0"/>
-                <a:t>Retail #1 </a:t>
-              </a:r>
-            </a:p>
-            <a:p>
-              <a:pPr algn="ctr"/>
-              <a:r>
-                <a:rPr lang="en-US" sz="600" dirty="0"/>
-                <a:t>0,5m x 1m</a:t>
-              </a:r>
-            </a:p>
-          </p:txBody>
-        </p:sp>
-        <p:sp>
-          <p:nvSpPr>
-            <p:cNvPr id="59" name="Rectángulo 58">
-              <a:extLst>
-                <a:ext uri="{FF2B5EF4-FFF2-40B4-BE49-F238E27FC236}">
-                  <a16:creationId xmlns:a16="http://schemas.microsoft.com/office/drawing/2014/main" id="{BBB50D68-C55B-43E9-8A10-2F995EBAA273}"/>
-                </a:ext>
-              </a:extLst>
-            </p:cNvPr>
-            <p:cNvSpPr/>
-            <p:nvPr/>
-          </p:nvSpPr>
-          <p:spPr>
-            <a:xfrm>
-              <a:off x="5403606" y="550445"/>
-              <a:ext cx="718784" cy="329037"/>
-            </a:xfrm>
-            <a:prstGeom prst="rect">
-              <a:avLst/>
-            </a:prstGeom>
-            <a:solidFill>
-              <a:schemeClr val="accent4">
-                <a:lumMod val="20000"/>
-                <a:lumOff val="80000"/>
-              </a:schemeClr>
-            </a:solidFill>
-          </p:spPr>
-          <p:style>
-            <a:lnRef idx="2">
-              <a:schemeClr val="accent1">
-                <a:shade val="50000"/>
-              </a:schemeClr>
-            </a:lnRef>
-            <a:fillRef idx="1">
-              <a:schemeClr val="accent1"/>
-            </a:fillRef>
-            <a:effectRef idx="0">
-              <a:schemeClr val="accent1"/>
-            </a:effectRef>
-            <a:fontRef idx="minor">
-              <a:schemeClr val="lt1"/>
-            </a:fontRef>
-          </p:style>
-          <p:txBody>
-            <a:bodyPr rtlCol="0" anchor="ctr"/>
-            <a:lstStyle/>
-            <a:p>
-              <a:pPr algn="ctr"/>
-              <a:r>
-                <a:rPr lang="en-US" sz="600" dirty="0">
-                  <a:solidFill>
-                    <a:srgbClr val="0070C0"/>
-                  </a:solidFill>
-                </a:rPr>
-                <a:t>Espacio Puerta </a:t>
-              </a:r>
-              <a:r>
-                <a:rPr lang="en-US" sz="600" dirty="0" err="1">
-                  <a:solidFill>
-                    <a:srgbClr val="0070C0"/>
-                  </a:solidFill>
-                </a:rPr>
-                <a:t>Armario</a:t>
-              </a:r>
-              <a:r>
-                <a:rPr lang="en-US" sz="600" dirty="0">
-                  <a:solidFill>
-                    <a:srgbClr val="0070C0"/>
-                  </a:solidFill>
-                </a:rPr>
-                <a:t> #1  </a:t>
-              </a:r>
-            </a:p>
-            <a:p>
-              <a:pPr algn="ctr"/>
-              <a:r>
-                <a:rPr lang="en-US" sz="600" dirty="0">
-                  <a:solidFill>
-                    <a:srgbClr val="0070C0"/>
-                  </a:solidFill>
-                </a:rPr>
-                <a:t>0,5m x 1m</a:t>
-              </a:r>
-            </a:p>
-          </p:txBody>
-        </p:sp>
-      </p:grpSp>
-      <p:grpSp>
-        <p:nvGrpSpPr>
-          <p:cNvPr id="49" name="Grupo 48">
-            <a:extLst>
-              <a:ext uri="{FF2B5EF4-FFF2-40B4-BE49-F238E27FC236}">
-                <a16:creationId xmlns:a16="http://schemas.microsoft.com/office/drawing/2014/main" id="{0AB56C57-E25D-4D79-BFDE-30E6D3A0A52E}"/>
-              </a:ext>
-            </a:extLst>
-          </p:cNvPr>
-          <p:cNvGrpSpPr/>
-          <p:nvPr/>
-        </p:nvGrpSpPr>
-        <p:grpSpPr>
-          <a:xfrm>
-            <a:off x="7117103" y="3422094"/>
-            <a:ext cx="1014333" cy="1437159"/>
-            <a:chOff x="4219973" y="554277"/>
-            <a:chExt cx="1014333" cy="1437159"/>
-          </a:xfrm>
-        </p:grpSpPr>
-        <p:sp>
-          <p:nvSpPr>
-            <p:cNvPr id="42" name="Rectángulo 41">
-              <a:extLst>
-                <a:ext uri="{FF2B5EF4-FFF2-40B4-BE49-F238E27FC236}">
-                  <a16:creationId xmlns:a16="http://schemas.microsoft.com/office/drawing/2014/main" id="{80F1719B-02CF-486C-BD80-39A73A4F04A7}"/>
-                </a:ext>
-              </a:extLst>
-            </p:cNvPr>
-            <p:cNvSpPr/>
-            <p:nvPr/>
-          </p:nvSpPr>
-          <p:spPr>
-            <a:xfrm>
-              <a:off x="4219974" y="554277"/>
-              <a:ext cx="1014332" cy="699948"/>
-            </a:xfrm>
-            <a:prstGeom prst="rect">
-              <a:avLst/>
-            </a:prstGeom>
-            <a:solidFill>
-              <a:schemeClr val="accent6"/>
-            </a:solidFill>
-          </p:spPr>
-          <p:style>
-            <a:lnRef idx="2">
-              <a:schemeClr val="accent1">
-                <a:shade val="50000"/>
-              </a:schemeClr>
-            </a:lnRef>
-            <a:fillRef idx="1">
-              <a:schemeClr val="accent1"/>
-            </a:fillRef>
-            <a:effectRef idx="0">
-              <a:schemeClr val="accent1"/>
-            </a:effectRef>
-            <a:fontRef idx="minor">
-              <a:schemeClr val="lt1"/>
-            </a:fontRef>
-          </p:style>
-          <p:txBody>
-            <a:bodyPr rtlCol="0" anchor="ctr"/>
-            <a:lstStyle/>
-            <a:p>
-              <a:pPr algn="ctr"/>
-              <a:r>
-                <a:rPr lang="en-US" sz="600" dirty="0"/>
-                <a:t>Mesa </a:t>
-              </a:r>
-              <a:r>
-                <a:rPr lang="en-US" sz="600" dirty="0" err="1"/>
-                <a:t>Equipos</a:t>
-              </a:r>
-              <a:r>
-                <a:rPr lang="en-US" sz="600" dirty="0"/>
-                <a:t> Tech #1</a:t>
-              </a:r>
-            </a:p>
-            <a:p>
-              <a:pPr algn="ctr"/>
-              <a:r>
-                <a:rPr lang="en-US" sz="600" dirty="0"/>
-                <a:t>1,4m x 1m</a:t>
-              </a:r>
-            </a:p>
-            <a:p>
-              <a:pPr algn="ctr"/>
-              <a:r>
-                <a:rPr lang="en-US" sz="600" dirty="0"/>
-                <a:t>0,5 Kw</a:t>
-              </a:r>
-            </a:p>
-          </p:txBody>
-        </p:sp>
-        <p:sp>
-          <p:nvSpPr>
-            <p:cNvPr id="44" name="Rectángulo 43">
-              <a:extLst>
-                <a:ext uri="{FF2B5EF4-FFF2-40B4-BE49-F238E27FC236}">
-                  <a16:creationId xmlns:a16="http://schemas.microsoft.com/office/drawing/2014/main" id="{2270985A-C265-4B06-8C5E-7BB686549182}"/>
-                </a:ext>
-              </a:extLst>
-            </p:cNvPr>
-            <p:cNvSpPr/>
-            <p:nvPr/>
-          </p:nvSpPr>
-          <p:spPr>
-            <a:xfrm>
-              <a:off x="4219973" y="1254225"/>
-              <a:ext cx="1014332" cy="737211"/>
-            </a:xfrm>
-            <a:prstGeom prst="rect">
-              <a:avLst/>
-            </a:prstGeom>
-            <a:solidFill>
-              <a:schemeClr val="accent4">
-                <a:lumMod val="20000"/>
-                <a:lumOff val="80000"/>
-              </a:schemeClr>
-            </a:solidFill>
-          </p:spPr>
-          <p:style>
-            <a:lnRef idx="2">
-              <a:schemeClr val="accent1">
-                <a:shade val="50000"/>
-              </a:schemeClr>
-            </a:lnRef>
-            <a:fillRef idx="1">
-              <a:schemeClr val="accent1"/>
-            </a:fillRef>
-            <a:effectRef idx="0">
-              <a:schemeClr val="accent1"/>
-            </a:effectRef>
-            <a:fontRef idx="minor">
-              <a:schemeClr val="lt1"/>
-            </a:fontRef>
-          </p:style>
-          <p:txBody>
-            <a:bodyPr rtlCol="0" anchor="ctr"/>
-            <a:lstStyle/>
-            <a:p>
-              <a:pPr algn="ctr"/>
-              <a:r>
-                <a:rPr lang="en-US" sz="600" dirty="0">
-                  <a:solidFill>
-                    <a:srgbClr val="0070C0"/>
-                  </a:solidFill>
-                </a:rPr>
-                <a:t>Espacio </a:t>
-              </a:r>
-            </a:p>
-            <a:p>
-              <a:pPr algn="ctr"/>
-              <a:r>
-                <a:rPr lang="en-US" sz="600" dirty="0">
-                  <a:solidFill>
-                    <a:srgbClr val="0070C0"/>
-                  </a:solidFill>
-                </a:rPr>
-                <a:t>Mesa </a:t>
-              </a:r>
-              <a:r>
-                <a:rPr lang="en-US" sz="600" dirty="0" err="1">
-                  <a:solidFill>
-                    <a:srgbClr val="0070C0"/>
-                  </a:solidFill>
-                </a:rPr>
-                <a:t>Equipos</a:t>
-              </a:r>
-              <a:r>
-                <a:rPr lang="en-US" sz="600" dirty="0">
-                  <a:solidFill>
-                    <a:srgbClr val="0070C0"/>
-                  </a:solidFill>
-                </a:rPr>
-                <a:t> Tech #1</a:t>
-              </a:r>
-            </a:p>
-            <a:p>
-              <a:pPr algn="ctr"/>
-              <a:r>
-                <a:rPr lang="en-US" sz="600" dirty="0">
-                  <a:solidFill>
-                    <a:srgbClr val="0070C0"/>
-                  </a:solidFill>
-                </a:rPr>
-                <a:t>1,4m x 1m</a:t>
-              </a:r>
-            </a:p>
-            <a:p>
-              <a:pPr algn="ctr"/>
-              <a:r>
-                <a:rPr lang="en-US" sz="600" dirty="0">
-                  <a:solidFill>
-                    <a:srgbClr val="0070C0"/>
-                  </a:solidFill>
-                </a:rPr>
-                <a:t>  </a:t>
-              </a:r>
-            </a:p>
-          </p:txBody>
-        </p:sp>
-      </p:grpSp>
-      <p:grpSp>
-        <p:nvGrpSpPr>
-          <p:cNvPr id="53" name="Grupo 52">
-            <a:extLst>
-              <a:ext uri="{FF2B5EF4-FFF2-40B4-BE49-F238E27FC236}">
-                <a16:creationId xmlns:a16="http://schemas.microsoft.com/office/drawing/2014/main" id="{04C43F34-B70F-4108-8BEC-76762CF2B376}"/>
-              </a:ext>
-            </a:extLst>
-          </p:cNvPr>
-          <p:cNvGrpSpPr/>
-          <p:nvPr/>
-        </p:nvGrpSpPr>
-        <p:grpSpPr>
-          <a:xfrm>
-            <a:off x="7727054" y="1821674"/>
-            <a:ext cx="704484" cy="1596038"/>
-            <a:chOff x="5392170" y="551769"/>
-            <a:chExt cx="704484" cy="1596038"/>
-          </a:xfrm>
-        </p:grpSpPr>
-        <p:sp>
-          <p:nvSpPr>
-            <p:cNvPr id="50" name="Rectángulo 49">
-              <a:extLst>
-                <a:ext uri="{FF2B5EF4-FFF2-40B4-BE49-F238E27FC236}">
-                  <a16:creationId xmlns:a16="http://schemas.microsoft.com/office/drawing/2014/main" id="{1BF69DB2-7D0D-480B-A1EC-491B13B9FD21}"/>
-                </a:ext>
-              </a:extLst>
-            </p:cNvPr>
-            <p:cNvSpPr/>
-            <p:nvPr/>
-          </p:nvSpPr>
-          <p:spPr>
-            <a:xfrm>
-              <a:off x="5392171" y="551769"/>
-              <a:ext cx="703829" cy="505619"/>
-            </a:xfrm>
-            <a:prstGeom prst="rect">
-              <a:avLst/>
-            </a:prstGeom>
-            <a:solidFill>
-              <a:schemeClr val="accent4">
-                <a:lumMod val="20000"/>
-                <a:lumOff val="80000"/>
-              </a:schemeClr>
-            </a:solidFill>
-          </p:spPr>
-          <p:style>
-            <a:lnRef idx="2">
-              <a:schemeClr val="accent1">
-                <a:shade val="50000"/>
-              </a:schemeClr>
-            </a:lnRef>
-            <a:fillRef idx="1">
-              <a:schemeClr val="accent1"/>
-            </a:fillRef>
-            <a:effectRef idx="0">
-              <a:schemeClr val="accent1"/>
-            </a:effectRef>
-            <a:fontRef idx="minor">
-              <a:schemeClr val="lt1"/>
-            </a:fontRef>
-          </p:style>
-          <p:txBody>
-            <a:bodyPr rtlCol="0" anchor="ctr"/>
-            <a:lstStyle/>
-            <a:p>
-              <a:pPr algn="ctr"/>
-              <a:r>
-                <a:rPr lang="en-US" sz="600" dirty="0">
-                  <a:solidFill>
-                    <a:srgbClr val="0070C0"/>
-                  </a:solidFill>
-                </a:rPr>
-                <a:t>Espacio Puerta Rack #1</a:t>
-              </a:r>
-            </a:p>
-            <a:p>
-              <a:pPr algn="ctr"/>
-              <a:r>
-                <a:rPr lang="en-US" sz="600" dirty="0">
-                  <a:solidFill>
-                    <a:srgbClr val="0070C0"/>
-                  </a:solidFill>
-                </a:rPr>
-                <a:t>0,7m x 1m</a:t>
-              </a:r>
-            </a:p>
-          </p:txBody>
-        </p:sp>
-        <p:sp>
-          <p:nvSpPr>
-            <p:cNvPr id="51" name="Rectángulo 50">
-              <a:extLst>
-                <a:ext uri="{FF2B5EF4-FFF2-40B4-BE49-F238E27FC236}">
-                  <a16:creationId xmlns:a16="http://schemas.microsoft.com/office/drawing/2014/main" id="{1805A879-BEEA-491A-8838-F7F892E3EEB0}"/>
-                </a:ext>
-              </a:extLst>
-            </p:cNvPr>
-            <p:cNvSpPr/>
-            <p:nvPr/>
-          </p:nvSpPr>
-          <p:spPr>
-            <a:xfrm>
-              <a:off x="5392825" y="1057388"/>
-              <a:ext cx="703829" cy="584800"/>
-            </a:xfrm>
-            <a:prstGeom prst="rect">
-              <a:avLst/>
-            </a:prstGeom>
-            <a:solidFill>
-              <a:schemeClr val="tx1"/>
-            </a:solidFill>
-          </p:spPr>
-          <p:style>
-            <a:lnRef idx="2">
-              <a:schemeClr val="accent1">
-                <a:shade val="50000"/>
-              </a:schemeClr>
-            </a:lnRef>
-            <a:fillRef idx="1">
-              <a:schemeClr val="accent1"/>
-            </a:fillRef>
-            <a:effectRef idx="0">
-              <a:schemeClr val="accent1"/>
-            </a:effectRef>
-            <a:fontRef idx="minor">
-              <a:schemeClr val="lt1"/>
-            </a:fontRef>
-          </p:style>
-          <p:txBody>
-            <a:bodyPr rtlCol="0" anchor="ctr"/>
-            <a:lstStyle/>
-            <a:p>
-              <a:pPr algn="ctr"/>
-              <a:r>
-                <a:rPr lang="en-US" sz="600" dirty="0"/>
-                <a:t>Rack #1</a:t>
-              </a:r>
-            </a:p>
-            <a:p>
-              <a:pPr algn="ctr"/>
-              <a:r>
-                <a:rPr lang="en-US" sz="600" dirty="0"/>
-                <a:t>0,8m x 1m</a:t>
-              </a:r>
-            </a:p>
-            <a:p>
-              <a:pPr algn="ctr"/>
-              <a:r>
-                <a:rPr lang="en-US" sz="600" dirty="0"/>
-                <a:t>2 Kw</a:t>
-              </a:r>
-            </a:p>
-          </p:txBody>
-        </p:sp>
-        <p:sp>
-          <p:nvSpPr>
-            <p:cNvPr id="52" name="Rectángulo 51">
-              <a:extLst>
-                <a:ext uri="{FF2B5EF4-FFF2-40B4-BE49-F238E27FC236}">
-                  <a16:creationId xmlns:a16="http://schemas.microsoft.com/office/drawing/2014/main" id="{9424B53F-A9C5-4EDE-8B0C-04E430EE5643}"/>
-                </a:ext>
-              </a:extLst>
-            </p:cNvPr>
-            <p:cNvSpPr/>
-            <p:nvPr/>
-          </p:nvSpPr>
-          <p:spPr>
-            <a:xfrm>
-              <a:off x="5392170" y="1642188"/>
-              <a:ext cx="703829" cy="505619"/>
-            </a:xfrm>
-            <a:prstGeom prst="rect">
-              <a:avLst/>
-            </a:prstGeom>
-            <a:solidFill>
-              <a:schemeClr val="accent4">
-                <a:lumMod val="20000"/>
-                <a:lumOff val="80000"/>
-              </a:schemeClr>
-            </a:solidFill>
-          </p:spPr>
-          <p:style>
-            <a:lnRef idx="2">
-              <a:schemeClr val="accent1">
-                <a:shade val="50000"/>
-              </a:schemeClr>
-            </a:lnRef>
-            <a:fillRef idx="1">
-              <a:schemeClr val="accent1"/>
-            </a:fillRef>
-            <a:effectRef idx="0">
-              <a:schemeClr val="accent1"/>
-            </a:effectRef>
-            <a:fontRef idx="minor">
-              <a:schemeClr val="lt1"/>
-            </a:fontRef>
-          </p:style>
-          <p:txBody>
-            <a:bodyPr rtlCol="0" anchor="ctr"/>
-            <a:lstStyle/>
-            <a:p>
-              <a:pPr algn="ctr"/>
-              <a:r>
-                <a:rPr lang="en-US" sz="600" dirty="0">
-                  <a:solidFill>
-                    <a:srgbClr val="0070C0"/>
-                  </a:solidFill>
-                </a:rPr>
-                <a:t>Espacio Puerta Rack# 1</a:t>
-              </a:r>
-            </a:p>
-            <a:p>
-              <a:pPr algn="ctr"/>
-              <a:r>
-                <a:rPr lang="en-US" sz="600" dirty="0">
-                  <a:solidFill>
-                    <a:srgbClr val="0070C0"/>
-                  </a:solidFill>
-                </a:rPr>
-                <a:t>0,7m x 1m</a:t>
-              </a:r>
-            </a:p>
-          </p:txBody>
-        </p:sp>
-      </p:grpSp>
-      <p:grpSp>
-        <p:nvGrpSpPr>
-          <p:cNvPr id="54" name="Grupo 53">
-            <a:extLst>
-              <a:ext uri="{FF2B5EF4-FFF2-40B4-BE49-F238E27FC236}">
-                <a16:creationId xmlns:a16="http://schemas.microsoft.com/office/drawing/2014/main" id="{2C652A00-F9B4-4543-AC2A-D4C9FCA70FA6}"/>
-              </a:ext>
-            </a:extLst>
-          </p:cNvPr>
-          <p:cNvGrpSpPr/>
-          <p:nvPr/>
-        </p:nvGrpSpPr>
-        <p:grpSpPr>
-          <a:xfrm>
-            <a:off x="8430883" y="1821674"/>
-            <a:ext cx="704484" cy="1596038"/>
-            <a:chOff x="5392170" y="551769"/>
-            <a:chExt cx="704484" cy="1596038"/>
-          </a:xfrm>
-        </p:grpSpPr>
-        <p:sp>
-          <p:nvSpPr>
-            <p:cNvPr id="55" name="Rectángulo 54">
-              <a:extLst>
-                <a:ext uri="{FF2B5EF4-FFF2-40B4-BE49-F238E27FC236}">
-                  <a16:creationId xmlns:a16="http://schemas.microsoft.com/office/drawing/2014/main" id="{808AC862-84D0-4BF5-9345-282EC37E0177}"/>
-                </a:ext>
-              </a:extLst>
-            </p:cNvPr>
-            <p:cNvSpPr/>
-            <p:nvPr/>
-          </p:nvSpPr>
-          <p:spPr>
-            <a:xfrm>
-              <a:off x="5392171" y="551769"/>
-              <a:ext cx="703829" cy="505619"/>
-            </a:xfrm>
-            <a:prstGeom prst="rect">
-              <a:avLst/>
-            </a:prstGeom>
-            <a:solidFill>
-              <a:schemeClr val="accent4">
-                <a:lumMod val="20000"/>
-                <a:lumOff val="80000"/>
-              </a:schemeClr>
-            </a:solidFill>
-          </p:spPr>
-          <p:style>
-            <a:lnRef idx="2">
-              <a:schemeClr val="accent1">
-                <a:shade val="50000"/>
-              </a:schemeClr>
-            </a:lnRef>
-            <a:fillRef idx="1">
-              <a:schemeClr val="accent1"/>
-            </a:fillRef>
-            <a:effectRef idx="0">
-              <a:schemeClr val="accent1"/>
-            </a:effectRef>
-            <a:fontRef idx="minor">
-              <a:schemeClr val="lt1"/>
-            </a:fontRef>
-          </p:style>
-          <p:txBody>
-            <a:bodyPr rtlCol="0" anchor="ctr"/>
-            <a:lstStyle/>
-            <a:p>
-              <a:pPr algn="ctr"/>
-              <a:r>
-                <a:rPr lang="en-US" sz="600" dirty="0">
-                  <a:solidFill>
-                    <a:srgbClr val="0070C0"/>
-                  </a:solidFill>
-                </a:rPr>
-                <a:t>Espacio Puerta Rack #2</a:t>
-              </a:r>
-            </a:p>
-            <a:p>
-              <a:pPr algn="ctr"/>
-              <a:r>
-                <a:rPr lang="en-US" sz="600" dirty="0">
-                  <a:solidFill>
-                    <a:srgbClr val="0070C0"/>
-                  </a:solidFill>
-                </a:rPr>
-                <a:t>0,7m x 1m</a:t>
-              </a:r>
-            </a:p>
-          </p:txBody>
-        </p:sp>
-        <p:sp>
-          <p:nvSpPr>
-            <p:cNvPr id="56" name="Rectángulo 55">
-              <a:extLst>
-                <a:ext uri="{FF2B5EF4-FFF2-40B4-BE49-F238E27FC236}">
-                  <a16:creationId xmlns:a16="http://schemas.microsoft.com/office/drawing/2014/main" id="{6AB07E8A-44CE-4DF0-9D5F-1F569D4F2BD2}"/>
-                </a:ext>
-              </a:extLst>
-            </p:cNvPr>
-            <p:cNvSpPr/>
-            <p:nvPr/>
-          </p:nvSpPr>
-          <p:spPr>
-            <a:xfrm>
-              <a:off x="5392825" y="1057388"/>
-              <a:ext cx="703829" cy="584800"/>
-            </a:xfrm>
-            <a:prstGeom prst="rect">
-              <a:avLst/>
-            </a:prstGeom>
-            <a:solidFill>
-              <a:schemeClr val="tx1"/>
-            </a:solidFill>
-          </p:spPr>
-          <p:style>
-            <a:lnRef idx="2">
-              <a:schemeClr val="accent1">
-                <a:shade val="50000"/>
-              </a:schemeClr>
-            </a:lnRef>
-            <a:fillRef idx="1">
-              <a:schemeClr val="accent1"/>
-            </a:fillRef>
-            <a:effectRef idx="0">
-              <a:schemeClr val="accent1"/>
-            </a:effectRef>
-            <a:fontRef idx="minor">
-              <a:schemeClr val="lt1"/>
-            </a:fontRef>
-          </p:style>
-          <p:txBody>
-            <a:bodyPr rtlCol="0" anchor="ctr"/>
-            <a:lstStyle/>
-            <a:p>
-              <a:pPr algn="ctr"/>
-              <a:r>
-                <a:rPr lang="en-US" sz="600" dirty="0"/>
-                <a:t>Rack #2</a:t>
-              </a:r>
-            </a:p>
-            <a:p>
-              <a:pPr algn="ctr"/>
-              <a:r>
-                <a:rPr lang="en-US" sz="600" dirty="0"/>
-                <a:t>0,8m x 1m</a:t>
-              </a:r>
-            </a:p>
-            <a:p>
-              <a:pPr algn="ctr"/>
-              <a:r>
-                <a:rPr lang="en-US" sz="600" dirty="0"/>
-                <a:t>2 Kw</a:t>
-              </a:r>
-            </a:p>
-          </p:txBody>
-        </p:sp>
-        <p:sp>
-          <p:nvSpPr>
-            <p:cNvPr id="57" name="Rectángulo 56">
-              <a:extLst>
-                <a:ext uri="{FF2B5EF4-FFF2-40B4-BE49-F238E27FC236}">
-                  <a16:creationId xmlns:a16="http://schemas.microsoft.com/office/drawing/2014/main" id="{14330A49-32A5-4D3F-BE38-1537DB9B743C}"/>
-                </a:ext>
-              </a:extLst>
-            </p:cNvPr>
-            <p:cNvSpPr/>
-            <p:nvPr/>
-          </p:nvSpPr>
-          <p:spPr>
-            <a:xfrm>
-              <a:off x="5392170" y="1642188"/>
-              <a:ext cx="703829" cy="505619"/>
-            </a:xfrm>
-            <a:prstGeom prst="rect">
-              <a:avLst/>
-            </a:prstGeom>
-            <a:solidFill>
-              <a:schemeClr val="accent4">
-                <a:lumMod val="20000"/>
-                <a:lumOff val="80000"/>
-              </a:schemeClr>
-            </a:solidFill>
-          </p:spPr>
-          <p:style>
-            <a:lnRef idx="2">
-              <a:schemeClr val="accent1">
-                <a:shade val="50000"/>
-              </a:schemeClr>
-            </a:lnRef>
-            <a:fillRef idx="1">
-              <a:schemeClr val="accent1"/>
-            </a:fillRef>
-            <a:effectRef idx="0">
-              <a:schemeClr val="accent1"/>
-            </a:effectRef>
-            <a:fontRef idx="minor">
-              <a:schemeClr val="lt1"/>
-            </a:fontRef>
-          </p:style>
-          <p:txBody>
-            <a:bodyPr rtlCol="0" anchor="ctr"/>
-            <a:lstStyle/>
-            <a:p>
-              <a:pPr algn="ctr"/>
-              <a:r>
-                <a:rPr lang="en-US" sz="600" dirty="0">
-                  <a:solidFill>
-                    <a:srgbClr val="0070C0"/>
-                  </a:solidFill>
-                </a:rPr>
-                <a:t>Espacio Puerta Rack# 2</a:t>
-              </a:r>
-            </a:p>
-            <a:p>
-              <a:pPr algn="ctr"/>
-              <a:r>
-                <a:rPr lang="en-US" sz="600" dirty="0">
-                  <a:solidFill>
-                    <a:srgbClr val="0070C0"/>
-                  </a:solidFill>
-                </a:rPr>
-                <a:t>0,7m x 1m</a:t>
-              </a:r>
-            </a:p>
-          </p:txBody>
-        </p:sp>
-      </p:grpSp>
-      <p:grpSp>
-        <p:nvGrpSpPr>
-          <p:cNvPr id="71" name="Grupo 70">
-            <a:extLst>
-              <a:ext uri="{FF2B5EF4-FFF2-40B4-BE49-F238E27FC236}">
-                <a16:creationId xmlns:a16="http://schemas.microsoft.com/office/drawing/2014/main" id="{CBC1CBEF-005D-45F1-A601-21F65C7E1106}"/>
-              </a:ext>
-            </a:extLst>
-          </p:cNvPr>
-          <p:cNvGrpSpPr/>
-          <p:nvPr/>
-        </p:nvGrpSpPr>
-        <p:grpSpPr>
-          <a:xfrm>
-            <a:off x="1052695" y="3430790"/>
-            <a:ext cx="1000104" cy="1437159"/>
-            <a:chOff x="3221065" y="554277"/>
-            <a:chExt cx="1000104" cy="1437159"/>
-          </a:xfrm>
-        </p:grpSpPr>
-        <p:sp>
-          <p:nvSpPr>
-            <p:cNvPr id="72" name="Rectángulo 71">
-              <a:extLst>
-                <a:ext uri="{FF2B5EF4-FFF2-40B4-BE49-F238E27FC236}">
-                  <a16:creationId xmlns:a16="http://schemas.microsoft.com/office/drawing/2014/main" id="{F3FCD1E2-B6BE-47A5-8981-F895D691C377}"/>
-                </a:ext>
-              </a:extLst>
-            </p:cNvPr>
-            <p:cNvSpPr/>
-            <p:nvPr/>
-          </p:nvSpPr>
-          <p:spPr>
-            <a:xfrm>
-              <a:off x="3221576" y="554277"/>
-              <a:ext cx="999593" cy="699948"/>
-            </a:xfrm>
-            <a:prstGeom prst="rect">
-              <a:avLst/>
-            </a:prstGeom>
-            <a:solidFill>
-              <a:schemeClr val="accent6">
-                <a:lumMod val="50000"/>
-              </a:schemeClr>
-            </a:solidFill>
-          </p:spPr>
-          <p:style>
-            <a:lnRef idx="2">
-              <a:schemeClr val="accent1">
-                <a:shade val="50000"/>
-              </a:schemeClr>
-            </a:lnRef>
-            <a:fillRef idx="1">
-              <a:schemeClr val="accent1"/>
-            </a:fillRef>
-            <a:effectRef idx="0">
-              <a:schemeClr val="accent1"/>
-            </a:effectRef>
-            <a:fontRef idx="minor">
-              <a:schemeClr val="lt1"/>
-            </a:fontRef>
-          </p:style>
-          <p:txBody>
-            <a:bodyPr rtlCol="0" anchor="ctr"/>
-            <a:lstStyle/>
-            <a:p>
-              <a:pPr algn="ctr"/>
-              <a:r>
-                <a:rPr lang="en-US" sz="600" dirty="0"/>
-                <a:t>Mesa </a:t>
-              </a:r>
-              <a:r>
-                <a:rPr lang="en-US" sz="600" dirty="0" err="1"/>
-                <a:t>Equipos</a:t>
-              </a:r>
-              <a:r>
-                <a:rPr lang="en-US" sz="600" dirty="0"/>
-                <a:t> Retail #9</a:t>
-              </a:r>
-            </a:p>
-            <a:p>
-              <a:pPr algn="ctr"/>
-              <a:r>
-                <a:rPr lang="en-US" sz="600" dirty="0"/>
-                <a:t>1,4m x 1m</a:t>
-              </a:r>
-            </a:p>
-            <a:p>
-              <a:pPr algn="ctr"/>
-              <a:r>
-                <a:rPr lang="en-US" sz="600" dirty="0"/>
-                <a:t>0,5 Kw</a:t>
-              </a:r>
-            </a:p>
-          </p:txBody>
-        </p:sp>
-        <p:sp>
-          <p:nvSpPr>
-            <p:cNvPr id="73" name="Rectángulo 72">
-              <a:extLst>
-                <a:ext uri="{FF2B5EF4-FFF2-40B4-BE49-F238E27FC236}">
-                  <a16:creationId xmlns:a16="http://schemas.microsoft.com/office/drawing/2014/main" id="{64FE92D6-4BDE-4BB4-93EA-3A2F695A73EE}"/>
-                </a:ext>
-              </a:extLst>
-            </p:cNvPr>
-            <p:cNvSpPr/>
-            <p:nvPr/>
-          </p:nvSpPr>
-          <p:spPr>
-            <a:xfrm>
-              <a:off x="3221065" y="1254225"/>
-              <a:ext cx="998908" cy="737211"/>
-            </a:xfrm>
-            <a:prstGeom prst="rect">
-              <a:avLst/>
-            </a:prstGeom>
-            <a:solidFill>
-              <a:schemeClr val="accent4">
-                <a:lumMod val="20000"/>
-                <a:lumOff val="80000"/>
-              </a:schemeClr>
-            </a:solidFill>
-          </p:spPr>
-          <p:style>
-            <a:lnRef idx="2">
-              <a:schemeClr val="accent1">
-                <a:shade val="50000"/>
-              </a:schemeClr>
-            </a:lnRef>
-            <a:fillRef idx="1">
-              <a:schemeClr val="accent1"/>
-            </a:fillRef>
-            <a:effectRef idx="0">
-              <a:schemeClr val="accent1"/>
-            </a:effectRef>
-            <a:fontRef idx="minor">
-              <a:schemeClr val="lt1"/>
-            </a:fontRef>
-          </p:style>
-          <p:txBody>
-            <a:bodyPr rtlCol="0" anchor="ctr"/>
-            <a:lstStyle/>
-            <a:p>
-              <a:pPr algn="ctr"/>
-              <a:r>
-                <a:rPr lang="en-US" sz="600" dirty="0">
-                  <a:solidFill>
-                    <a:srgbClr val="0070C0"/>
-                  </a:solidFill>
-                </a:rPr>
-                <a:t>Espacio </a:t>
-              </a:r>
-            </a:p>
-            <a:p>
-              <a:pPr algn="ctr"/>
-              <a:r>
-                <a:rPr lang="en-US" sz="600" dirty="0">
-                  <a:solidFill>
-                    <a:srgbClr val="0070C0"/>
-                  </a:solidFill>
-                </a:rPr>
-                <a:t>Mesa </a:t>
-              </a:r>
-              <a:r>
-                <a:rPr lang="en-US" sz="600" dirty="0" err="1">
-                  <a:solidFill>
-                    <a:srgbClr val="0070C0"/>
-                  </a:solidFill>
-                </a:rPr>
-                <a:t>Equipos</a:t>
-              </a:r>
-              <a:r>
-                <a:rPr lang="en-US" sz="600" dirty="0">
-                  <a:solidFill>
-                    <a:srgbClr val="0070C0"/>
-                  </a:solidFill>
-                </a:rPr>
-                <a:t> Retail #9</a:t>
-              </a:r>
-            </a:p>
-            <a:p>
-              <a:pPr algn="ctr"/>
-              <a:r>
-                <a:rPr lang="en-US" sz="600" dirty="0">
-                  <a:solidFill>
-                    <a:srgbClr val="0070C0"/>
-                  </a:solidFill>
-                </a:rPr>
-                <a:t>1,4m x 1m</a:t>
-              </a:r>
-            </a:p>
-            <a:p>
-              <a:pPr algn="ctr"/>
-              <a:r>
-                <a:rPr lang="en-US" sz="600" dirty="0">
-                  <a:solidFill>
-                    <a:srgbClr val="0070C0"/>
-                  </a:solidFill>
-                </a:rPr>
-                <a:t>  </a:t>
-              </a:r>
-            </a:p>
-          </p:txBody>
-        </p:sp>
-      </p:grpSp>
-      <p:grpSp>
-        <p:nvGrpSpPr>
-          <p:cNvPr id="74" name="Grupo 73">
-            <a:extLst>
-              <a:ext uri="{FF2B5EF4-FFF2-40B4-BE49-F238E27FC236}">
-                <a16:creationId xmlns:a16="http://schemas.microsoft.com/office/drawing/2014/main" id="{4BD10103-746F-442A-88D1-159EC249D0CF}"/>
-              </a:ext>
-            </a:extLst>
-          </p:cNvPr>
-          <p:cNvGrpSpPr/>
-          <p:nvPr/>
-        </p:nvGrpSpPr>
-        <p:grpSpPr>
-          <a:xfrm>
-            <a:off x="2051603" y="3430790"/>
-            <a:ext cx="1014333" cy="1437159"/>
-            <a:chOff x="4219973" y="554277"/>
-            <a:chExt cx="1014333" cy="1437159"/>
-          </a:xfrm>
-        </p:grpSpPr>
-        <p:sp>
-          <p:nvSpPr>
-            <p:cNvPr id="75" name="Rectángulo 74">
-              <a:extLst>
-                <a:ext uri="{FF2B5EF4-FFF2-40B4-BE49-F238E27FC236}">
-                  <a16:creationId xmlns:a16="http://schemas.microsoft.com/office/drawing/2014/main" id="{32205E26-F00A-4500-9CD8-CE681A0F43E7}"/>
-                </a:ext>
-              </a:extLst>
-            </p:cNvPr>
-            <p:cNvSpPr/>
-            <p:nvPr/>
-          </p:nvSpPr>
-          <p:spPr>
-            <a:xfrm>
-              <a:off x="4219974" y="554277"/>
-              <a:ext cx="1014332" cy="699948"/>
-            </a:xfrm>
-            <a:prstGeom prst="rect">
-              <a:avLst/>
-            </a:prstGeom>
-            <a:solidFill>
-              <a:schemeClr val="accent6">
-                <a:lumMod val="50000"/>
-              </a:schemeClr>
-            </a:solidFill>
-          </p:spPr>
-          <p:style>
-            <a:lnRef idx="2">
-              <a:schemeClr val="accent1">
-                <a:shade val="50000"/>
-              </a:schemeClr>
-            </a:lnRef>
-            <a:fillRef idx="1">
-              <a:schemeClr val="accent1"/>
-            </a:fillRef>
-            <a:effectRef idx="0">
-              <a:schemeClr val="accent1"/>
-            </a:effectRef>
-            <a:fontRef idx="minor">
-              <a:schemeClr val="lt1"/>
-            </a:fontRef>
-          </p:style>
-          <p:txBody>
-            <a:bodyPr rtlCol="0" anchor="ctr"/>
-            <a:lstStyle/>
-            <a:p>
-              <a:pPr algn="ctr"/>
-              <a:r>
-                <a:rPr lang="en-US" sz="600" dirty="0"/>
-                <a:t>Mesa </a:t>
-              </a:r>
-              <a:r>
-                <a:rPr lang="en-US" sz="600" dirty="0" err="1"/>
-                <a:t>Equipos</a:t>
-              </a:r>
-              <a:r>
-                <a:rPr lang="en-US" sz="600" dirty="0"/>
-                <a:t> Retail #10</a:t>
-              </a:r>
-            </a:p>
-            <a:p>
-              <a:pPr algn="ctr"/>
-              <a:r>
-                <a:rPr lang="en-US" sz="600" dirty="0"/>
-                <a:t>1,4m x 1m</a:t>
-              </a:r>
-            </a:p>
-            <a:p>
-              <a:pPr algn="ctr"/>
-              <a:r>
-                <a:rPr lang="en-US" sz="600" dirty="0"/>
-                <a:t>0,5 Kw</a:t>
-              </a:r>
-            </a:p>
-          </p:txBody>
-        </p:sp>
-        <p:sp>
-          <p:nvSpPr>
-            <p:cNvPr id="76" name="Rectángulo 75">
-              <a:extLst>
-                <a:ext uri="{FF2B5EF4-FFF2-40B4-BE49-F238E27FC236}">
-                  <a16:creationId xmlns:a16="http://schemas.microsoft.com/office/drawing/2014/main" id="{415FE3BD-AFB2-4593-AC49-4D3D7DF71122}"/>
-                </a:ext>
-              </a:extLst>
-            </p:cNvPr>
-            <p:cNvSpPr/>
-            <p:nvPr/>
-          </p:nvSpPr>
-          <p:spPr>
-            <a:xfrm>
-              <a:off x="4219973" y="1254225"/>
-              <a:ext cx="1014332" cy="737211"/>
-            </a:xfrm>
-            <a:prstGeom prst="rect">
-              <a:avLst/>
-            </a:prstGeom>
-            <a:solidFill>
-              <a:schemeClr val="accent4">
-                <a:lumMod val="20000"/>
-                <a:lumOff val="80000"/>
-              </a:schemeClr>
-            </a:solidFill>
-          </p:spPr>
-          <p:style>
-            <a:lnRef idx="2">
-              <a:schemeClr val="accent1">
-                <a:shade val="50000"/>
-              </a:schemeClr>
-            </a:lnRef>
-            <a:fillRef idx="1">
-              <a:schemeClr val="accent1"/>
-            </a:fillRef>
-            <a:effectRef idx="0">
-              <a:schemeClr val="accent1"/>
-            </a:effectRef>
-            <a:fontRef idx="minor">
-              <a:schemeClr val="lt1"/>
-            </a:fontRef>
-          </p:style>
-          <p:txBody>
-            <a:bodyPr rtlCol="0" anchor="ctr"/>
-            <a:lstStyle/>
-            <a:p>
-              <a:pPr algn="ctr"/>
-              <a:r>
-                <a:rPr lang="en-US" sz="600" dirty="0">
-                  <a:solidFill>
-                    <a:srgbClr val="0070C0"/>
-                  </a:solidFill>
-                </a:rPr>
-                <a:t>Espacio </a:t>
-              </a:r>
-            </a:p>
-            <a:p>
-              <a:pPr algn="ctr"/>
-              <a:r>
-                <a:rPr lang="en-US" sz="600" dirty="0">
-                  <a:solidFill>
-                    <a:srgbClr val="0070C0"/>
-                  </a:solidFill>
-                </a:rPr>
-                <a:t>Mesa </a:t>
-              </a:r>
-              <a:r>
-                <a:rPr lang="en-US" sz="600" dirty="0" err="1">
-                  <a:solidFill>
-                    <a:srgbClr val="0070C0"/>
-                  </a:solidFill>
-                </a:rPr>
-                <a:t>Equipos</a:t>
-              </a:r>
-              <a:r>
-                <a:rPr lang="en-US" sz="600" dirty="0">
-                  <a:solidFill>
-                    <a:srgbClr val="0070C0"/>
-                  </a:solidFill>
-                </a:rPr>
-                <a:t> Retail #10</a:t>
-              </a:r>
-            </a:p>
-            <a:p>
-              <a:pPr algn="ctr"/>
-              <a:r>
-                <a:rPr lang="en-US" sz="600" dirty="0">
-                  <a:solidFill>
-                    <a:srgbClr val="0070C0"/>
-                  </a:solidFill>
-                </a:rPr>
-                <a:t>1,4m x 1m</a:t>
-              </a:r>
-            </a:p>
-            <a:p>
-              <a:pPr algn="ctr"/>
-              <a:r>
-                <a:rPr lang="en-US" sz="600" dirty="0">
-                  <a:solidFill>
-                    <a:srgbClr val="0070C0"/>
-                  </a:solidFill>
-                </a:rPr>
-                <a:t>  </a:t>
-              </a:r>
-            </a:p>
-          </p:txBody>
-        </p:sp>
-      </p:grpSp>
-      <p:grpSp>
-        <p:nvGrpSpPr>
-          <p:cNvPr id="83" name="Grupo 82">
-            <a:extLst>
-              <a:ext uri="{FF2B5EF4-FFF2-40B4-BE49-F238E27FC236}">
-                <a16:creationId xmlns:a16="http://schemas.microsoft.com/office/drawing/2014/main" id="{C38E682F-E8BE-42B3-9854-E1B317AB0B1B}"/>
-              </a:ext>
-            </a:extLst>
-          </p:cNvPr>
-          <p:cNvGrpSpPr/>
-          <p:nvPr/>
-        </p:nvGrpSpPr>
-        <p:grpSpPr>
-          <a:xfrm>
-            <a:off x="1057578" y="1991327"/>
-            <a:ext cx="724643" cy="1430213"/>
-            <a:chOff x="1057692" y="512069"/>
-            <a:chExt cx="724643" cy="1430213"/>
-          </a:xfrm>
-        </p:grpSpPr>
-        <p:sp>
-          <p:nvSpPr>
-            <p:cNvPr id="84" name="Rectángulo 83">
-              <a:extLst>
-                <a:ext uri="{FF2B5EF4-FFF2-40B4-BE49-F238E27FC236}">
-                  <a16:creationId xmlns:a16="http://schemas.microsoft.com/office/drawing/2014/main" id="{A2DAA9CC-AAF9-4BD5-ACFA-ED3244F80C78}"/>
-                </a:ext>
-              </a:extLst>
-            </p:cNvPr>
-            <p:cNvSpPr/>
-            <p:nvPr/>
-          </p:nvSpPr>
-          <p:spPr>
-            <a:xfrm>
-              <a:off x="1063552" y="1242334"/>
-              <a:ext cx="718783" cy="699948"/>
-            </a:xfrm>
-            <a:prstGeom prst="rect">
-              <a:avLst/>
-            </a:prstGeom>
-            <a:solidFill>
-              <a:schemeClr val="accent5">
-                <a:lumMod val="50000"/>
-              </a:schemeClr>
-            </a:solidFill>
-            <a:ln>
-              <a:solidFill>
-                <a:srgbClr val="0070C0"/>
-              </a:solidFill>
-            </a:ln>
-          </p:spPr>
-          <p:style>
-            <a:lnRef idx="2">
-              <a:schemeClr val="accent1">
-                <a:shade val="50000"/>
-              </a:schemeClr>
-            </a:lnRef>
-            <a:fillRef idx="1">
-              <a:schemeClr val="accent1"/>
-            </a:fillRef>
-            <a:effectRef idx="0">
-              <a:schemeClr val="accent1"/>
-            </a:effectRef>
-            <a:fontRef idx="minor">
-              <a:schemeClr val="lt1"/>
-            </a:fontRef>
-          </p:style>
-          <p:txBody>
-            <a:bodyPr rtlCol="0" anchor="ctr"/>
-            <a:lstStyle/>
-            <a:p>
-              <a:pPr algn="ctr"/>
-              <a:r>
-                <a:rPr lang="en-US" sz="600" dirty="0" err="1"/>
-                <a:t>Escritorio</a:t>
-              </a:r>
-              <a:endParaRPr lang="en-US" sz="600" dirty="0"/>
-            </a:p>
-            <a:p>
-              <a:pPr algn="ctr"/>
-              <a:r>
-                <a:rPr lang="en-US" sz="600" dirty="0"/>
-                <a:t> Retail  #1</a:t>
-              </a:r>
-            </a:p>
-            <a:p>
-              <a:pPr algn="ctr"/>
-              <a:r>
-                <a:rPr lang="en-US" sz="600" dirty="0"/>
-                <a:t>1m x 1m</a:t>
-              </a:r>
-            </a:p>
-            <a:p>
-              <a:pPr algn="ctr"/>
-              <a:r>
-                <a:rPr lang="en-US" sz="600" dirty="0"/>
-                <a:t>0,5 Kw</a:t>
-              </a:r>
-            </a:p>
-          </p:txBody>
-        </p:sp>
-        <p:sp>
-          <p:nvSpPr>
-            <p:cNvPr id="85" name="Rectángulo 84">
-              <a:extLst>
-                <a:ext uri="{FF2B5EF4-FFF2-40B4-BE49-F238E27FC236}">
-                  <a16:creationId xmlns:a16="http://schemas.microsoft.com/office/drawing/2014/main" id="{9D7215F2-7189-4323-BF42-6741A1FDC43C}"/>
-                </a:ext>
-              </a:extLst>
-            </p:cNvPr>
-            <p:cNvSpPr/>
-            <p:nvPr/>
-          </p:nvSpPr>
-          <p:spPr>
-            <a:xfrm>
-              <a:off x="1057692" y="512069"/>
-              <a:ext cx="718783" cy="737211"/>
-            </a:xfrm>
-            <a:prstGeom prst="rect">
-              <a:avLst/>
-            </a:prstGeom>
-            <a:solidFill>
-              <a:schemeClr val="accent4">
-                <a:lumMod val="20000"/>
-                <a:lumOff val="80000"/>
-              </a:schemeClr>
-            </a:solidFill>
-            <a:ln>
-              <a:solidFill>
-                <a:srgbClr val="0070C0"/>
-              </a:solidFill>
-            </a:ln>
-          </p:spPr>
-          <p:style>
-            <a:lnRef idx="2">
-              <a:schemeClr val="accent1">
-                <a:shade val="50000"/>
-              </a:schemeClr>
-            </a:lnRef>
-            <a:fillRef idx="1">
-              <a:schemeClr val="accent1"/>
-            </a:fillRef>
-            <a:effectRef idx="0">
-              <a:schemeClr val="accent1"/>
-            </a:effectRef>
-            <a:fontRef idx="minor">
-              <a:schemeClr val="lt1"/>
-            </a:fontRef>
-          </p:style>
-          <p:txBody>
-            <a:bodyPr rtlCol="0" anchor="ctr"/>
-            <a:lstStyle/>
-            <a:p>
-              <a:pPr algn="ctr"/>
-              <a:r>
-                <a:rPr lang="en-US" sz="600" dirty="0">
-                  <a:solidFill>
-                    <a:srgbClr val="0070C0"/>
-                  </a:solidFill>
-                </a:rPr>
-                <a:t>Espacio </a:t>
-              </a:r>
-            </a:p>
-            <a:p>
-              <a:pPr algn="ctr"/>
-              <a:r>
-                <a:rPr lang="en-US" sz="600" dirty="0">
-                  <a:solidFill>
-                    <a:srgbClr val="0070C0"/>
-                  </a:solidFill>
-                </a:rPr>
-                <a:t>Silla Retail #1</a:t>
-              </a:r>
-            </a:p>
-            <a:p>
-              <a:pPr algn="ctr"/>
-              <a:r>
-                <a:rPr lang="en-US" sz="600" dirty="0">
-                  <a:solidFill>
-                    <a:srgbClr val="0070C0"/>
-                  </a:solidFill>
-                </a:rPr>
-                <a:t>1m x 1m</a:t>
-              </a:r>
-            </a:p>
-          </p:txBody>
-        </p:sp>
-      </p:grpSp>
-      <p:grpSp>
-        <p:nvGrpSpPr>
-          <p:cNvPr id="107" name="Grupo 106">
-            <a:extLst>
-              <a:ext uri="{FF2B5EF4-FFF2-40B4-BE49-F238E27FC236}">
-                <a16:creationId xmlns:a16="http://schemas.microsoft.com/office/drawing/2014/main" id="{13176D4E-EB50-463F-872F-7E473CBFB5A9}"/>
-              </a:ext>
-            </a:extLst>
-          </p:cNvPr>
-          <p:cNvGrpSpPr/>
-          <p:nvPr/>
-        </p:nvGrpSpPr>
-        <p:grpSpPr>
-          <a:xfrm>
-            <a:off x="1049683" y="4867949"/>
-            <a:ext cx="999593" cy="1452952"/>
-            <a:chOff x="3235601" y="526075"/>
-            <a:chExt cx="999593" cy="1452952"/>
-          </a:xfrm>
-        </p:grpSpPr>
-        <p:sp>
-          <p:nvSpPr>
-            <p:cNvPr id="108" name="Rectángulo 107">
-              <a:extLst>
-                <a:ext uri="{FF2B5EF4-FFF2-40B4-BE49-F238E27FC236}">
-                  <a16:creationId xmlns:a16="http://schemas.microsoft.com/office/drawing/2014/main" id="{0F87C96F-ACDD-4E2D-976B-1B3D9ED6EAE6}"/>
-                </a:ext>
-              </a:extLst>
-            </p:cNvPr>
-            <p:cNvSpPr/>
-            <p:nvPr/>
-          </p:nvSpPr>
-          <p:spPr>
-            <a:xfrm>
-              <a:off x="3235601" y="1279079"/>
-              <a:ext cx="999593" cy="699948"/>
-            </a:xfrm>
-            <a:prstGeom prst="rect">
-              <a:avLst/>
-            </a:prstGeom>
-            <a:solidFill>
-              <a:schemeClr val="accent6">
-                <a:lumMod val="50000"/>
-              </a:schemeClr>
-            </a:solidFill>
-          </p:spPr>
-          <p:style>
-            <a:lnRef idx="2">
-              <a:schemeClr val="accent1">
-                <a:shade val="50000"/>
-              </a:schemeClr>
-            </a:lnRef>
-            <a:fillRef idx="1">
-              <a:schemeClr val="accent1"/>
-            </a:fillRef>
-            <a:effectRef idx="0">
-              <a:schemeClr val="accent1"/>
-            </a:effectRef>
-            <a:fontRef idx="minor">
-              <a:schemeClr val="lt1"/>
-            </a:fontRef>
-          </p:style>
-          <p:txBody>
-            <a:bodyPr rtlCol="0" anchor="ctr"/>
-            <a:lstStyle/>
-            <a:p>
-              <a:pPr algn="ctr"/>
-              <a:r>
-                <a:rPr lang="en-US" sz="600" dirty="0"/>
-                <a:t>Mesa </a:t>
-              </a:r>
-              <a:r>
-                <a:rPr lang="en-US" sz="600" dirty="0" err="1"/>
-                <a:t>Equipos</a:t>
-              </a:r>
-              <a:r>
-                <a:rPr lang="en-US" sz="600" dirty="0"/>
-                <a:t> Retail #1</a:t>
-              </a:r>
-            </a:p>
-            <a:p>
-              <a:pPr algn="ctr"/>
-              <a:r>
-                <a:rPr lang="en-US" sz="600" dirty="0"/>
-                <a:t>1,4m x 1m</a:t>
-              </a:r>
-            </a:p>
-            <a:p>
-              <a:pPr algn="ctr"/>
-              <a:r>
-                <a:rPr lang="en-US" sz="600" dirty="0"/>
-                <a:t>1 Kw</a:t>
-              </a:r>
-            </a:p>
-          </p:txBody>
-        </p:sp>
-        <p:sp>
-          <p:nvSpPr>
-            <p:cNvPr id="109" name="Rectángulo 108">
-              <a:extLst>
-                <a:ext uri="{FF2B5EF4-FFF2-40B4-BE49-F238E27FC236}">
-                  <a16:creationId xmlns:a16="http://schemas.microsoft.com/office/drawing/2014/main" id="{DC38246C-E376-44B6-A6A9-AB54555EBFF5}"/>
-                </a:ext>
-              </a:extLst>
-            </p:cNvPr>
-            <p:cNvSpPr/>
-            <p:nvPr/>
-          </p:nvSpPr>
-          <p:spPr>
-            <a:xfrm>
-              <a:off x="3235943" y="526075"/>
-              <a:ext cx="998908" cy="737211"/>
-            </a:xfrm>
-            <a:prstGeom prst="rect">
-              <a:avLst/>
-            </a:prstGeom>
-            <a:solidFill>
-              <a:schemeClr val="accent4">
-                <a:lumMod val="20000"/>
-                <a:lumOff val="80000"/>
-              </a:schemeClr>
-            </a:solidFill>
-          </p:spPr>
-          <p:style>
-            <a:lnRef idx="2">
-              <a:schemeClr val="accent1">
-                <a:shade val="50000"/>
-              </a:schemeClr>
-            </a:lnRef>
-            <a:fillRef idx="1">
-              <a:schemeClr val="accent1"/>
-            </a:fillRef>
-            <a:effectRef idx="0">
-              <a:schemeClr val="accent1"/>
-            </a:effectRef>
-            <a:fontRef idx="minor">
-              <a:schemeClr val="lt1"/>
-            </a:fontRef>
-          </p:style>
-          <p:txBody>
-            <a:bodyPr rtlCol="0" anchor="ctr"/>
-            <a:lstStyle/>
-            <a:p>
-              <a:pPr algn="ctr"/>
-              <a:r>
-                <a:rPr lang="en-US" sz="600" dirty="0">
-                  <a:solidFill>
-                    <a:srgbClr val="0070C0"/>
-                  </a:solidFill>
-                </a:rPr>
-                <a:t>Espacio </a:t>
-              </a:r>
-            </a:p>
-            <a:p>
-              <a:pPr algn="ctr"/>
-              <a:r>
-                <a:rPr lang="en-US" sz="600" dirty="0">
-                  <a:solidFill>
-                    <a:srgbClr val="0070C0"/>
-                  </a:solidFill>
-                </a:rPr>
-                <a:t>Mesa </a:t>
-              </a:r>
-              <a:r>
-                <a:rPr lang="en-US" sz="600" dirty="0" err="1">
-                  <a:solidFill>
-                    <a:srgbClr val="0070C0"/>
-                  </a:solidFill>
-                </a:rPr>
-                <a:t>Equipos</a:t>
-              </a:r>
-              <a:r>
-                <a:rPr lang="en-US" sz="600" dirty="0">
-                  <a:solidFill>
-                    <a:srgbClr val="0070C0"/>
-                  </a:solidFill>
-                </a:rPr>
-                <a:t> Retail #1</a:t>
-              </a:r>
-            </a:p>
-            <a:p>
-              <a:pPr algn="ctr"/>
-              <a:r>
-                <a:rPr lang="en-US" sz="600" dirty="0">
-                  <a:solidFill>
-                    <a:srgbClr val="0070C0"/>
-                  </a:solidFill>
-                </a:rPr>
-                <a:t>1,4m x 1m</a:t>
-              </a:r>
-            </a:p>
-            <a:p>
-              <a:pPr algn="ctr"/>
-              <a:r>
-                <a:rPr lang="en-US" sz="600" dirty="0">
-                  <a:solidFill>
-                    <a:srgbClr val="0070C0"/>
-                  </a:solidFill>
-                </a:rPr>
-                <a:t>  </a:t>
-              </a:r>
-            </a:p>
-          </p:txBody>
-        </p:sp>
-      </p:grpSp>
-      <p:grpSp>
-        <p:nvGrpSpPr>
-          <p:cNvPr id="131" name="Grupo 130">
-            <a:extLst>
-              <a:ext uri="{FF2B5EF4-FFF2-40B4-BE49-F238E27FC236}">
-                <a16:creationId xmlns:a16="http://schemas.microsoft.com/office/drawing/2014/main" id="{DB077D98-9D30-4DAE-A3D0-989F0567711E}"/>
-              </a:ext>
-            </a:extLst>
-          </p:cNvPr>
-          <p:cNvGrpSpPr/>
-          <p:nvPr/>
-        </p:nvGrpSpPr>
-        <p:grpSpPr>
-          <a:xfrm>
-            <a:off x="2068350" y="4867949"/>
-            <a:ext cx="999593" cy="1452952"/>
-            <a:chOff x="3235601" y="526075"/>
-            <a:chExt cx="999593" cy="1452952"/>
-          </a:xfrm>
-        </p:grpSpPr>
-        <p:sp>
-          <p:nvSpPr>
-            <p:cNvPr id="132" name="Rectángulo 131">
-              <a:extLst>
-                <a:ext uri="{FF2B5EF4-FFF2-40B4-BE49-F238E27FC236}">
-                  <a16:creationId xmlns:a16="http://schemas.microsoft.com/office/drawing/2014/main" id="{E9A2DAA3-1F7E-4DEF-A476-AFDB3491CA1E}"/>
-                </a:ext>
-              </a:extLst>
-            </p:cNvPr>
-            <p:cNvSpPr/>
-            <p:nvPr/>
-          </p:nvSpPr>
-          <p:spPr>
-            <a:xfrm>
-              <a:off x="3235601" y="1279079"/>
-              <a:ext cx="999593" cy="699948"/>
-            </a:xfrm>
-            <a:prstGeom prst="rect">
-              <a:avLst/>
-            </a:prstGeom>
-            <a:solidFill>
-              <a:schemeClr val="accent6">
-                <a:lumMod val="50000"/>
-              </a:schemeClr>
-            </a:solidFill>
-          </p:spPr>
-          <p:style>
-            <a:lnRef idx="2">
-              <a:schemeClr val="accent1">
-                <a:shade val="50000"/>
-              </a:schemeClr>
-            </a:lnRef>
-            <a:fillRef idx="1">
-              <a:schemeClr val="accent1"/>
-            </a:fillRef>
-            <a:effectRef idx="0">
-              <a:schemeClr val="accent1"/>
-            </a:effectRef>
-            <a:fontRef idx="minor">
-              <a:schemeClr val="lt1"/>
-            </a:fontRef>
-          </p:style>
-          <p:txBody>
-            <a:bodyPr rtlCol="0" anchor="ctr"/>
-            <a:lstStyle/>
-            <a:p>
-              <a:pPr algn="ctr"/>
-              <a:r>
-                <a:rPr lang="en-US" sz="600" dirty="0"/>
-                <a:t>Mesa </a:t>
-              </a:r>
-              <a:r>
-                <a:rPr lang="en-US" sz="600" dirty="0" err="1"/>
-                <a:t>Equipos</a:t>
-              </a:r>
-              <a:r>
-                <a:rPr lang="en-US" sz="600" dirty="0"/>
-                <a:t> Retail #2</a:t>
-              </a:r>
-            </a:p>
-            <a:p>
-              <a:pPr algn="ctr"/>
-              <a:r>
-                <a:rPr lang="en-US" sz="600" dirty="0"/>
-                <a:t>1,4m x 1m</a:t>
-              </a:r>
-            </a:p>
-            <a:p>
-              <a:pPr algn="ctr"/>
-              <a:r>
-                <a:rPr lang="en-US" sz="600" dirty="0"/>
-                <a:t>1 Kw</a:t>
-              </a:r>
-            </a:p>
-          </p:txBody>
-        </p:sp>
-        <p:sp>
-          <p:nvSpPr>
-            <p:cNvPr id="133" name="Rectángulo 132">
-              <a:extLst>
-                <a:ext uri="{FF2B5EF4-FFF2-40B4-BE49-F238E27FC236}">
-                  <a16:creationId xmlns:a16="http://schemas.microsoft.com/office/drawing/2014/main" id="{59A02412-67A8-4D98-B13F-45B93EDE1C87}"/>
-                </a:ext>
-              </a:extLst>
-            </p:cNvPr>
-            <p:cNvSpPr/>
-            <p:nvPr/>
-          </p:nvSpPr>
-          <p:spPr>
-            <a:xfrm>
-              <a:off x="3235943" y="526075"/>
-              <a:ext cx="998908" cy="737211"/>
-            </a:xfrm>
-            <a:prstGeom prst="rect">
-              <a:avLst/>
-            </a:prstGeom>
-            <a:solidFill>
-              <a:schemeClr val="accent4">
-                <a:lumMod val="20000"/>
-                <a:lumOff val="80000"/>
-              </a:schemeClr>
-            </a:solidFill>
-          </p:spPr>
-          <p:style>
-            <a:lnRef idx="2">
-              <a:schemeClr val="accent1">
-                <a:shade val="50000"/>
-              </a:schemeClr>
-            </a:lnRef>
-            <a:fillRef idx="1">
-              <a:schemeClr val="accent1"/>
-            </a:fillRef>
-            <a:effectRef idx="0">
-              <a:schemeClr val="accent1"/>
-            </a:effectRef>
-            <a:fontRef idx="minor">
-              <a:schemeClr val="lt1"/>
-            </a:fontRef>
-          </p:style>
-          <p:txBody>
-            <a:bodyPr rtlCol="0" anchor="ctr"/>
-            <a:lstStyle/>
-            <a:p>
-              <a:pPr algn="ctr"/>
-              <a:r>
-                <a:rPr lang="en-US" sz="600" dirty="0">
-                  <a:solidFill>
-                    <a:srgbClr val="0070C0"/>
-                  </a:solidFill>
-                </a:rPr>
-                <a:t>Espacio </a:t>
-              </a:r>
-            </a:p>
-            <a:p>
-              <a:pPr algn="ctr"/>
-              <a:r>
-                <a:rPr lang="en-US" sz="600" dirty="0">
-                  <a:solidFill>
-                    <a:srgbClr val="0070C0"/>
-                  </a:solidFill>
-                </a:rPr>
-                <a:t>Mesa </a:t>
-              </a:r>
-              <a:r>
-                <a:rPr lang="en-US" sz="600" dirty="0" err="1">
-                  <a:solidFill>
-                    <a:srgbClr val="0070C0"/>
-                  </a:solidFill>
-                </a:rPr>
-                <a:t>Equipos</a:t>
-              </a:r>
-              <a:r>
-                <a:rPr lang="en-US" sz="600" dirty="0">
-                  <a:solidFill>
-                    <a:srgbClr val="0070C0"/>
-                  </a:solidFill>
-                </a:rPr>
-                <a:t> Retail #2</a:t>
-              </a:r>
-            </a:p>
-            <a:p>
-              <a:pPr algn="ctr"/>
-              <a:r>
-                <a:rPr lang="en-US" sz="600" dirty="0">
-                  <a:solidFill>
-                    <a:srgbClr val="0070C0"/>
-                  </a:solidFill>
-                </a:rPr>
-                <a:t>1,4m x 1m</a:t>
-              </a:r>
-            </a:p>
-            <a:p>
-              <a:pPr algn="ctr"/>
-              <a:r>
-                <a:rPr lang="en-US" sz="600" dirty="0">
-                  <a:solidFill>
-                    <a:srgbClr val="0070C0"/>
-                  </a:solidFill>
-                </a:rPr>
-                <a:t>  </a:t>
-              </a:r>
-            </a:p>
-          </p:txBody>
-        </p:sp>
-      </p:grpSp>
-      <p:grpSp>
-        <p:nvGrpSpPr>
-          <p:cNvPr id="134" name="Grupo 133">
-            <a:extLst>
-              <a:ext uri="{FF2B5EF4-FFF2-40B4-BE49-F238E27FC236}">
-                <a16:creationId xmlns:a16="http://schemas.microsoft.com/office/drawing/2014/main" id="{440A0023-FD88-454B-91E4-CEF02A0A9FDB}"/>
-              </a:ext>
-            </a:extLst>
-          </p:cNvPr>
-          <p:cNvGrpSpPr/>
-          <p:nvPr/>
-        </p:nvGrpSpPr>
-        <p:grpSpPr>
-          <a:xfrm>
-            <a:off x="3063710" y="4867949"/>
-            <a:ext cx="999593" cy="1452952"/>
-            <a:chOff x="3235601" y="526075"/>
-            <a:chExt cx="999593" cy="1452952"/>
-          </a:xfrm>
-        </p:grpSpPr>
-        <p:sp>
-          <p:nvSpPr>
-            <p:cNvPr id="135" name="Rectángulo 134">
-              <a:extLst>
-                <a:ext uri="{FF2B5EF4-FFF2-40B4-BE49-F238E27FC236}">
-                  <a16:creationId xmlns:a16="http://schemas.microsoft.com/office/drawing/2014/main" id="{26C9437F-E9CF-4365-ACF2-C71985542105}"/>
-                </a:ext>
-              </a:extLst>
-            </p:cNvPr>
-            <p:cNvSpPr/>
-            <p:nvPr/>
-          </p:nvSpPr>
-          <p:spPr>
-            <a:xfrm>
-              <a:off x="3235601" y="1279079"/>
-              <a:ext cx="999593" cy="699948"/>
-            </a:xfrm>
-            <a:prstGeom prst="rect">
-              <a:avLst/>
-            </a:prstGeom>
-            <a:solidFill>
-              <a:schemeClr val="accent6">
-                <a:lumMod val="50000"/>
-              </a:schemeClr>
-            </a:solidFill>
-          </p:spPr>
-          <p:style>
-            <a:lnRef idx="2">
-              <a:schemeClr val="accent1">
-                <a:shade val="50000"/>
-              </a:schemeClr>
-            </a:lnRef>
-            <a:fillRef idx="1">
-              <a:schemeClr val="accent1"/>
-            </a:fillRef>
-            <a:effectRef idx="0">
-              <a:schemeClr val="accent1"/>
-            </a:effectRef>
-            <a:fontRef idx="minor">
-              <a:schemeClr val="lt1"/>
-            </a:fontRef>
-          </p:style>
-          <p:txBody>
-            <a:bodyPr rtlCol="0" anchor="ctr"/>
-            <a:lstStyle/>
-            <a:p>
-              <a:pPr algn="ctr"/>
-              <a:r>
-                <a:rPr lang="en-US" sz="600" dirty="0"/>
-                <a:t>Mesa </a:t>
-              </a:r>
-              <a:r>
-                <a:rPr lang="en-US" sz="600" dirty="0" err="1"/>
-                <a:t>Equipos</a:t>
-              </a:r>
-              <a:r>
-                <a:rPr lang="en-US" sz="600" dirty="0"/>
-                <a:t> Retail #3</a:t>
-              </a:r>
-            </a:p>
-            <a:p>
-              <a:pPr algn="ctr"/>
-              <a:r>
-                <a:rPr lang="en-US" sz="600" dirty="0"/>
-                <a:t>1,4m x 1m</a:t>
-              </a:r>
-            </a:p>
-            <a:p>
-              <a:pPr algn="ctr"/>
-              <a:r>
-                <a:rPr lang="en-US" sz="600" dirty="0"/>
-                <a:t>1 Kw</a:t>
-              </a:r>
-            </a:p>
-          </p:txBody>
-        </p:sp>
-        <p:sp>
-          <p:nvSpPr>
-            <p:cNvPr id="136" name="Rectángulo 135">
-              <a:extLst>
-                <a:ext uri="{FF2B5EF4-FFF2-40B4-BE49-F238E27FC236}">
-                  <a16:creationId xmlns:a16="http://schemas.microsoft.com/office/drawing/2014/main" id="{26F4195A-14EC-40A3-B76B-102EFB49BFE2}"/>
-                </a:ext>
-              </a:extLst>
-            </p:cNvPr>
-            <p:cNvSpPr/>
-            <p:nvPr/>
-          </p:nvSpPr>
-          <p:spPr>
-            <a:xfrm>
-              <a:off x="3235943" y="526075"/>
-              <a:ext cx="998908" cy="737211"/>
-            </a:xfrm>
-            <a:prstGeom prst="rect">
-              <a:avLst/>
-            </a:prstGeom>
-            <a:solidFill>
-              <a:schemeClr val="accent4">
-                <a:lumMod val="20000"/>
-                <a:lumOff val="80000"/>
-              </a:schemeClr>
-            </a:solidFill>
-          </p:spPr>
-          <p:style>
-            <a:lnRef idx="2">
-              <a:schemeClr val="accent1">
-                <a:shade val="50000"/>
-              </a:schemeClr>
-            </a:lnRef>
-            <a:fillRef idx="1">
-              <a:schemeClr val="accent1"/>
-            </a:fillRef>
-            <a:effectRef idx="0">
-              <a:schemeClr val="accent1"/>
-            </a:effectRef>
-            <a:fontRef idx="minor">
-              <a:schemeClr val="lt1"/>
-            </a:fontRef>
-          </p:style>
-          <p:txBody>
-            <a:bodyPr rtlCol="0" anchor="ctr"/>
-            <a:lstStyle/>
-            <a:p>
-              <a:pPr algn="ctr"/>
-              <a:r>
-                <a:rPr lang="en-US" sz="600" dirty="0">
-                  <a:solidFill>
-                    <a:srgbClr val="0070C0"/>
-                  </a:solidFill>
-                </a:rPr>
-                <a:t>Espacio </a:t>
-              </a:r>
-            </a:p>
-            <a:p>
-              <a:pPr algn="ctr"/>
-              <a:r>
-                <a:rPr lang="en-US" sz="600" dirty="0">
-                  <a:solidFill>
-                    <a:srgbClr val="0070C0"/>
-                  </a:solidFill>
-                </a:rPr>
-                <a:t>Mesa </a:t>
-              </a:r>
-              <a:r>
-                <a:rPr lang="en-US" sz="600" dirty="0" err="1">
-                  <a:solidFill>
-                    <a:srgbClr val="0070C0"/>
-                  </a:solidFill>
-                </a:rPr>
-                <a:t>Equipos</a:t>
-              </a:r>
-              <a:r>
-                <a:rPr lang="en-US" sz="600" dirty="0">
-                  <a:solidFill>
-                    <a:srgbClr val="0070C0"/>
-                  </a:solidFill>
-                </a:rPr>
-                <a:t> Retail #3</a:t>
-              </a:r>
-            </a:p>
-            <a:p>
-              <a:pPr algn="ctr"/>
-              <a:r>
-                <a:rPr lang="en-US" sz="600" dirty="0">
-                  <a:solidFill>
-                    <a:srgbClr val="0070C0"/>
-                  </a:solidFill>
-                </a:rPr>
-                <a:t>1,4m x 1m</a:t>
-              </a:r>
-            </a:p>
-            <a:p>
-              <a:pPr algn="ctr"/>
-              <a:r>
-                <a:rPr lang="en-US" sz="600" dirty="0">
-                  <a:solidFill>
-                    <a:srgbClr val="0070C0"/>
-                  </a:solidFill>
-                </a:rPr>
-                <a:t>  </a:t>
-              </a:r>
-            </a:p>
-          </p:txBody>
-        </p:sp>
-      </p:grpSp>
-      <p:grpSp>
-        <p:nvGrpSpPr>
-          <p:cNvPr id="137" name="Grupo 136">
-            <a:extLst>
-              <a:ext uri="{FF2B5EF4-FFF2-40B4-BE49-F238E27FC236}">
-                <a16:creationId xmlns:a16="http://schemas.microsoft.com/office/drawing/2014/main" id="{9188FB8B-18EE-4C75-937F-9A36B36A78BC}"/>
-              </a:ext>
-            </a:extLst>
-          </p:cNvPr>
-          <p:cNvGrpSpPr/>
-          <p:nvPr/>
-        </p:nvGrpSpPr>
-        <p:grpSpPr>
-          <a:xfrm>
-            <a:off x="4082377" y="4867949"/>
-            <a:ext cx="999593" cy="1452952"/>
-            <a:chOff x="3235601" y="526075"/>
-            <a:chExt cx="999593" cy="1452952"/>
-          </a:xfrm>
-        </p:grpSpPr>
-        <p:sp>
-          <p:nvSpPr>
-            <p:cNvPr id="138" name="Rectángulo 137">
-              <a:extLst>
-                <a:ext uri="{FF2B5EF4-FFF2-40B4-BE49-F238E27FC236}">
-                  <a16:creationId xmlns:a16="http://schemas.microsoft.com/office/drawing/2014/main" id="{4EEA2A60-1B39-46B2-A169-AC498D44DC38}"/>
-                </a:ext>
-              </a:extLst>
-            </p:cNvPr>
-            <p:cNvSpPr/>
-            <p:nvPr/>
-          </p:nvSpPr>
-          <p:spPr>
-            <a:xfrm>
-              <a:off x="3235601" y="1279079"/>
-              <a:ext cx="999593" cy="699948"/>
-            </a:xfrm>
-            <a:prstGeom prst="rect">
-              <a:avLst/>
-            </a:prstGeom>
-            <a:solidFill>
-              <a:schemeClr val="accent6">
-                <a:lumMod val="50000"/>
-              </a:schemeClr>
-            </a:solidFill>
-          </p:spPr>
-          <p:style>
-            <a:lnRef idx="2">
-              <a:schemeClr val="accent1">
-                <a:shade val="50000"/>
-              </a:schemeClr>
-            </a:lnRef>
-            <a:fillRef idx="1">
-              <a:schemeClr val="accent1"/>
-            </a:fillRef>
-            <a:effectRef idx="0">
-              <a:schemeClr val="accent1"/>
-            </a:effectRef>
-            <a:fontRef idx="minor">
-              <a:schemeClr val="lt1"/>
-            </a:fontRef>
-          </p:style>
-          <p:txBody>
-            <a:bodyPr rtlCol="0" anchor="ctr"/>
-            <a:lstStyle/>
-            <a:p>
-              <a:pPr algn="ctr"/>
-              <a:r>
-                <a:rPr lang="en-US" sz="600" dirty="0"/>
-                <a:t>Mesa </a:t>
-              </a:r>
-              <a:r>
-                <a:rPr lang="en-US" sz="600" dirty="0" err="1"/>
-                <a:t>Equipos</a:t>
-              </a:r>
-              <a:r>
-                <a:rPr lang="en-US" sz="600" dirty="0"/>
-                <a:t> Retail #4</a:t>
-              </a:r>
-            </a:p>
-            <a:p>
-              <a:pPr algn="ctr"/>
-              <a:r>
-                <a:rPr lang="en-US" sz="600" dirty="0"/>
-                <a:t>1,4m x 1m</a:t>
-              </a:r>
-            </a:p>
-            <a:p>
-              <a:pPr algn="ctr"/>
-              <a:r>
-                <a:rPr lang="en-US" sz="600" dirty="0"/>
-                <a:t>1 Kw</a:t>
-              </a:r>
-            </a:p>
-          </p:txBody>
-        </p:sp>
-        <p:sp>
-          <p:nvSpPr>
-            <p:cNvPr id="139" name="Rectángulo 138">
-              <a:extLst>
-                <a:ext uri="{FF2B5EF4-FFF2-40B4-BE49-F238E27FC236}">
-                  <a16:creationId xmlns:a16="http://schemas.microsoft.com/office/drawing/2014/main" id="{56A717F9-0C1B-48F1-A001-81272D5F6AA3}"/>
-                </a:ext>
-              </a:extLst>
-            </p:cNvPr>
-            <p:cNvSpPr/>
-            <p:nvPr/>
-          </p:nvSpPr>
-          <p:spPr>
-            <a:xfrm>
-              <a:off x="3235943" y="526075"/>
-              <a:ext cx="998908" cy="737211"/>
-            </a:xfrm>
-            <a:prstGeom prst="rect">
-              <a:avLst/>
-            </a:prstGeom>
-            <a:solidFill>
-              <a:schemeClr val="accent4">
-                <a:lumMod val="20000"/>
-                <a:lumOff val="80000"/>
-              </a:schemeClr>
-            </a:solidFill>
-          </p:spPr>
-          <p:style>
-            <a:lnRef idx="2">
-              <a:schemeClr val="accent1">
-                <a:shade val="50000"/>
-              </a:schemeClr>
-            </a:lnRef>
-            <a:fillRef idx="1">
-              <a:schemeClr val="accent1"/>
-            </a:fillRef>
-            <a:effectRef idx="0">
-              <a:schemeClr val="accent1"/>
-            </a:effectRef>
-            <a:fontRef idx="minor">
-              <a:schemeClr val="lt1"/>
-            </a:fontRef>
-          </p:style>
-          <p:txBody>
-            <a:bodyPr rtlCol="0" anchor="ctr"/>
-            <a:lstStyle/>
-            <a:p>
-              <a:pPr algn="ctr"/>
-              <a:r>
-                <a:rPr lang="en-US" sz="600" dirty="0">
-                  <a:solidFill>
-                    <a:srgbClr val="0070C0"/>
-                  </a:solidFill>
-                </a:rPr>
-                <a:t>Espacio </a:t>
-              </a:r>
-            </a:p>
-            <a:p>
-              <a:pPr algn="ctr"/>
-              <a:r>
-                <a:rPr lang="en-US" sz="600" dirty="0">
-                  <a:solidFill>
-                    <a:srgbClr val="0070C0"/>
-                  </a:solidFill>
-                </a:rPr>
-                <a:t>Mesa </a:t>
-              </a:r>
-              <a:r>
-                <a:rPr lang="en-US" sz="600" dirty="0" err="1">
-                  <a:solidFill>
-                    <a:srgbClr val="0070C0"/>
-                  </a:solidFill>
-                </a:rPr>
-                <a:t>Equipos</a:t>
-              </a:r>
-              <a:r>
-                <a:rPr lang="en-US" sz="600" dirty="0">
-                  <a:solidFill>
-                    <a:srgbClr val="0070C0"/>
-                  </a:solidFill>
-                </a:rPr>
-                <a:t> Retail #4</a:t>
-              </a:r>
-            </a:p>
-            <a:p>
-              <a:pPr algn="ctr"/>
-              <a:r>
-                <a:rPr lang="en-US" sz="600" dirty="0">
-                  <a:solidFill>
-                    <a:srgbClr val="0070C0"/>
-                  </a:solidFill>
-                </a:rPr>
-                <a:t>1,4m x 1m</a:t>
-              </a:r>
-            </a:p>
-            <a:p>
-              <a:pPr algn="ctr"/>
-              <a:r>
-                <a:rPr lang="en-US" sz="600" dirty="0">
-                  <a:solidFill>
-                    <a:srgbClr val="0070C0"/>
-                  </a:solidFill>
-                </a:rPr>
-                <a:t>  </a:t>
-              </a:r>
-            </a:p>
-          </p:txBody>
-        </p:sp>
-      </p:grpSp>
-      <p:grpSp>
-        <p:nvGrpSpPr>
-          <p:cNvPr id="140" name="Grupo 139">
-            <a:extLst>
-              <a:ext uri="{FF2B5EF4-FFF2-40B4-BE49-F238E27FC236}">
-                <a16:creationId xmlns:a16="http://schemas.microsoft.com/office/drawing/2014/main" id="{B2324717-AD72-4B61-82A5-3DCEE769EC8C}"/>
-              </a:ext>
-            </a:extLst>
-          </p:cNvPr>
-          <p:cNvGrpSpPr/>
-          <p:nvPr/>
-        </p:nvGrpSpPr>
-        <p:grpSpPr>
-          <a:xfrm>
-            <a:off x="5090051" y="4867949"/>
-            <a:ext cx="999593" cy="1452952"/>
-            <a:chOff x="3235601" y="526075"/>
-            <a:chExt cx="999593" cy="1452952"/>
-          </a:xfrm>
-        </p:grpSpPr>
-        <p:sp>
-          <p:nvSpPr>
-            <p:cNvPr id="141" name="Rectángulo 140">
-              <a:extLst>
-                <a:ext uri="{FF2B5EF4-FFF2-40B4-BE49-F238E27FC236}">
-                  <a16:creationId xmlns:a16="http://schemas.microsoft.com/office/drawing/2014/main" id="{2EE46CD9-E531-4399-8558-EAEBF6F43E31}"/>
-                </a:ext>
-              </a:extLst>
-            </p:cNvPr>
-            <p:cNvSpPr/>
-            <p:nvPr/>
-          </p:nvSpPr>
-          <p:spPr>
-            <a:xfrm>
-              <a:off x="3235601" y="1279079"/>
-              <a:ext cx="999593" cy="699948"/>
-            </a:xfrm>
-            <a:prstGeom prst="rect">
-              <a:avLst/>
-            </a:prstGeom>
-            <a:solidFill>
-              <a:schemeClr val="accent6">
-                <a:lumMod val="50000"/>
-              </a:schemeClr>
-            </a:solidFill>
-          </p:spPr>
-          <p:style>
-            <a:lnRef idx="2">
-              <a:schemeClr val="accent1">
-                <a:shade val="50000"/>
-              </a:schemeClr>
-            </a:lnRef>
-            <a:fillRef idx="1">
-              <a:schemeClr val="accent1"/>
-            </a:fillRef>
-            <a:effectRef idx="0">
-              <a:schemeClr val="accent1"/>
-            </a:effectRef>
-            <a:fontRef idx="minor">
-              <a:schemeClr val="lt1"/>
-            </a:fontRef>
-          </p:style>
-          <p:txBody>
-            <a:bodyPr rtlCol="0" anchor="ctr"/>
-            <a:lstStyle/>
-            <a:p>
-              <a:pPr algn="ctr"/>
-              <a:r>
-                <a:rPr lang="en-US" sz="600" dirty="0"/>
-                <a:t>Mesa </a:t>
-              </a:r>
-              <a:r>
-                <a:rPr lang="en-US" sz="600" dirty="0" err="1"/>
-                <a:t>Equipos</a:t>
-              </a:r>
-              <a:r>
-                <a:rPr lang="en-US" sz="600" dirty="0"/>
-                <a:t> Retail #5</a:t>
-              </a:r>
-            </a:p>
-            <a:p>
-              <a:pPr algn="ctr"/>
-              <a:r>
-                <a:rPr lang="en-US" sz="600" dirty="0"/>
-                <a:t>1,4m x 1m</a:t>
-              </a:r>
-            </a:p>
-            <a:p>
-              <a:pPr algn="ctr"/>
-              <a:r>
-                <a:rPr lang="en-US" sz="600" dirty="0"/>
-                <a:t>1 Kw</a:t>
-              </a:r>
-            </a:p>
-          </p:txBody>
-        </p:sp>
-        <p:sp>
-          <p:nvSpPr>
-            <p:cNvPr id="142" name="Rectángulo 141">
-              <a:extLst>
-                <a:ext uri="{FF2B5EF4-FFF2-40B4-BE49-F238E27FC236}">
-                  <a16:creationId xmlns:a16="http://schemas.microsoft.com/office/drawing/2014/main" id="{52DD56BA-6662-4E5D-B6E4-6A5F9AFDE401}"/>
-                </a:ext>
-              </a:extLst>
-            </p:cNvPr>
-            <p:cNvSpPr/>
-            <p:nvPr/>
-          </p:nvSpPr>
-          <p:spPr>
-            <a:xfrm>
-              <a:off x="3235943" y="526075"/>
-              <a:ext cx="998908" cy="737211"/>
-            </a:xfrm>
-            <a:prstGeom prst="rect">
-              <a:avLst/>
-            </a:prstGeom>
-            <a:solidFill>
-              <a:schemeClr val="accent4">
-                <a:lumMod val="20000"/>
-                <a:lumOff val="80000"/>
-              </a:schemeClr>
-            </a:solidFill>
-          </p:spPr>
-          <p:style>
-            <a:lnRef idx="2">
-              <a:schemeClr val="accent1">
-                <a:shade val="50000"/>
-              </a:schemeClr>
-            </a:lnRef>
-            <a:fillRef idx="1">
-              <a:schemeClr val="accent1"/>
-            </a:fillRef>
-            <a:effectRef idx="0">
-              <a:schemeClr val="accent1"/>
-            </a:effectRef>
-            <a:fontRef idx="minor">
-              <a:schemeClr val="lt1"/>
-            </a:fontRef>
-          </p:style>
-          <p:txBody>
-            <a:bodyPr rtlCol="0" anchor="ctr"/>
-            <a:lstStyle/>
-            <a:p>
-              <a:pPr algn="ctr"/>
-              <a:r>
-                <a:rPr lang="en-US" sz="600" dirty="0">
-                  <a:solidFill>
-                    <a:srgbClr val="0070C0"/>
-                  </a:solidFill>
-                </a:rPr>
-                <a:t>Espacio </a:t>
-              </a:r>
-            </a:p>
-            <a:p>
-              <a:pPr algn="ctr"/>
-              <a:r>
-                <a:rPr lang="en-US" sz="600" dirty="0">
-                  <a:solidFill>
-                    <a:srgbClr val="0070C0"/>
-                  </a:solidFill>
-                </a:rPr>
-                <a:t>Mesa </a:t>
-              </a:r>
-              <a:r>
-                <a:rPr lang="en-US" sz="600" dirty="0" err="1">
-                  <a:solidFill>
-                    <a:srgbClr val="0070C0"/>
-                  </a:solidFill>
-                </a:rPr>
-                <a:t>Equipos</a:t>
-              </a:r>
-              <a:r>
-                <a:rPr lang="en-US" sz="600" dirty="0">
-                  <a:solidFill>
-                    <a:srgbClr val="0070C0"/>
-                  </a:solidFill>
-                </a:rPr>
-                <a:t> Retail #5</a:t>
-              </a:r>
-            </a:p>
-            <a:p>
-              <a:pPr algn="ctr"/>
-              <a:r>
-                <a:rPr lang="en-US" sz="600" dirty="0">
-                  <a:solidFill>
-                    <a:srgbClr val="0070C0"/>
-                  </a:solidFill>
-                </a:rPr>
-                <a:t>1,4m x 1m</a:t>
-              </a:r>
-            </a:p>
-            <a:p>
-              <a:pPr algn="ctr"/>
-              <a:r>
-                <a:rPr lang="en-US" sz="600" dirty="0">
-                  <a:solidFill>
-                    <a:srgbClr val="0070C0"/>
-                  </a:solidFill>
-                </a:rPr>
-                <a:t>  </a:t>
-              </a:r>
-            </a:p>
-          </p:txBody>
-        </p:sp>
-      </p:grpSp>
-      <p:grpSp>
-        <p:nvGrpSpPr>
-          <p:cNvPr id="143" name="Grupo 142">
-            <a:extLst>
-              <a:ext uri="{FF2B5EF4-FFF2-40B4-BE49-F238E27FC236}">
-                <a16:creationId xmlns:a16="http://schemas.microsoft.com/office/drawing/2014/main" id="{712203ED-A36C-45CC-865F-8F5DDD370C1B}"/>
-              </a:ext>
-            </a:extLst>
-          </p:cNvPr>
-          <p:cNvGrpSpPr/>
-          <p:nvPr/>
-        </p:nvGrpSpPr>
-        <p:grpSpPr>
-          <a:xfrm>
-            <a:off x="6108718" y="4867949"/>
-            <a:ext cx="999593" cy="1452952"/>
-            <a:chOff x="3235601" y="526075"/>
-            <a:chExt cx="999593" cy="1452952"/>
-          </a:xfrm>
-        </p:grpSpPr>
-        <p:sp>
-          <p:nvSpPr>
-            <p:cNvPr id="144" name="Rectángulo 143">
-              <a:extLst>
-                <a:ext uri="{FF2B5EF4-FFF2-40B4-BE49-F238E27FC236}">
-                  <a16:creationId xmlns:a16="http://schemas.microsoft.com/office/drawing/2014/main" id="{0C7DFF1E-2BF3-477F-A72B-331B9F577270}"/>
-                </a:ext>
-              </a:extLst>
-            </p:cNvPr>
-            <p:cNvSpPr/>
-            <p:nvPr/>
-          </p:nvSpPr>
-          <p:spPr>
-            <a:xfrm>
-              <a:off x="3235601" y="1279079"/>
-              <a:ext cx="999593" cy="699948"/>
-            </a:xfrm>
-            <a:prstGeom prst="rect">
-              <a:avLst/>
-            </a:prstGeom>
-            <a:solidFill>
-              <a:schemeClr val="accent6">
-                <a:lumMod val="50000"/>
-              </a:schemeClr>
-            </a:solidFill>
-          </p:spPr>
-          <p:style>
-            <a:lnRef idx="2">
-              <a:schemeClr val="accent1">
-                <a:shade val="50000"/>
-              </a:schemeClr>
-            </a:lnRef>
-            <a:fillRef idx="1">
-              <a:schemeClr val="accent1"/>
-            </a:fillRef>
-            <a:effectRef idx="0">
-              <a:schemeClr val="accent1"/>
-            </a:effectRef>
-            <a:fontRef idx="minor">
-              <a:schemeClr val="lt1"/>
-            </a:fontRef>
-          </p:style>
-          <p:txBody>
-            <a:bodyPr rtlCol="0" anchor="ctr"/>
-            <a:lstStyle/>
-            <a:p>
-              <a:pPr algn="ctr"/>
-              <a:r>
-                <a:rPr lang="en-US" sz="600" dirty="0"/>
-                <a:t>Mesa </a:t>
-              </a:r>
-              <a:r>
-                <a:rPr lang="en-US" sz="600" dirty="0" err="1"/>
-                <a:t>Equipos</a:t>
-              </a:r>
-              <a:r>
-                <a:rPr lang="en-US" sz="600" dirty="0"/>
-                <a:t> Retail #6</a:t>
-              </a:r>
-            </a:p>
-            <a:p>
-              <a:pPr algn="ctr"/>
-              <a:r>
-                <a:rPr lang="en-US" sz="600" dirty="0"/>
-                <a:t>1,4m x 1m</a:t>
-              </a:r>
-            </a:p>
-            <a:p>
-              <a:pPr algn="ctr"/>
-              <a:r>
-                <a:rPr lang="en-US" sz="600" dirty="0"/>
-                <a:t>1 Kw</a:t>
-              </a:r>
-            </a:p>
-          </p:txBody>
-        </p:sp>
-        <p:sp>
-          <p:nvSpPr>
-            <p:cNvPr id="145" name="Rectángulo 144">
-              <a:extLst>
-                <a:ext uri="{FF2B5EF4-FFF2-40B4-BE49-F238E27FC236}">
-                  <a16:creationId xmlns:a16="http://schemas.microsoft.com/office/drawing/2014/main" id="{BDDF1CF9-0569-4AD0-8073-7BE5AFDB7D5A}"/>
-                </a:ext>
-              </a:extLst>
-            </p:cNvPr>
-            <p:cNvSpPr/>
-            <p:nvPr/>
-          </p:nvSpPr>
-          <p:spPr>
-            <a:xfrm>
-              <a:off x="3235943" y="526075"/>
-              <a:ext cx="998908" cy="737211"/>
-            </a:xfrm>
-            <a:prstGeom prst="rect">
-              <a:avLst/>
-            </a:prstGeom>
-            <a:solidFill>
-              <a:schemeClr val="accent4">
-                <a:lumMod val="20000"/>
-                <a:lumOff val="80000"/>
-              </a:schemeClr>
-            </a:solidFill>
-          </p:spPr>
-          <p:style>
-            <a:lnRef idx="2">
-              <a:schemeClr val="accent1">
-                <a:shade val="50000"/>
-              </a:schemeClr>
-            </a:lnRef>
-            <a:fillRef idx="1">
-              <a:schemeClr val="accent1"/>
-            </a:fillRef>
-            <a:effectRef idx="0">
-              <a:schemeClr val="accent1"/>
-            </a:effectRef>
-            <a:fontRef idx="minor">
-              <a:schemeClr val="lt1"/>
-            </a:fontRef>
-          </p:style>
-          <p:txBody>
-            <a:bodyPr rtlCol="0" anchor="ctr"/>
-            <a:lstStyle/>
-            <a:p>
-              <a:pPr algn="ctr"/>
-              <a:r>
-                <a:rPr lang="en-US" sz="600" dirty="0">
-                  <a:solidFill>
-                    <a:srgbClr val="0070C0"/>
-                  </a:solidFill>
-                </a:rPr>
-                <a:t>Espacio </a:t>
-              </a:r>
-            </a:p>
-            <a:p>
-              <a:pPr algn="ctr"/>
-              <a:r>
-                <a:rPr lang="en-US" sz="600" dirty="0">
-                  <a:solidFill>
-                    <a:srgbClr val="0070C0"/>
-                  </a:solidFill>
-                </a:rPr>
-                <a:t>Mesa </a:t>
-              </a:r>
-              <a:r>
-                <a:rPr lang="en-US" sz="600" dirty="0" err="1">
-                  <a:solidFill>
-                    <a:srgbClr val="0070C0"/>
-                  </a:solidFill>
-                </a:rPr>
-                <a:t>Equipos</a:t>
-              </a:r>
-              <a:r>
-                <a:rPr lang="en-US" sz="600" dirty="0">
-                  <a:solidFill>
-                    <a:srgbClr val="0070C0"/>
-                  </a:solidFill>
-                </a:rPr>
-                <a:t> Retail #6</a:t>
-              </a:r>
-            </a:p>
-            <a:p>
-              <a:pPr algn="ctr"/>
-              <a:r>
-                <a:rPr lang="en-US" sz="600" dirty="0">
-                  <a:solidFill>
-                    <a:srgbClr val="0070C0"/>
-                  </a:solidFill>
-                </a:rPr>
-                <a:t>1,4m x 1m</a:t>
-              </a:r>
-            </a:p>
-            <a:p>
-              <a:pPr algn="ctr"/>
-              <a:r>
-                <a:rPr lang="en-US" sz="600" dirty="0">
-                  <a:solidFill>
-                    <a:srgbClr val="0070C0"/>
-                  </a:solidFill>
-                </a:rPr>
-                <a:t>  </a:t>
-              </a:r>
-            </a:p>
-          </p:txBody>
-        </p:sp>
-      </p:grpSp>
-      <p:grpSp>
-        <p:nvGrpSpPr>
-          <p:cNvPr id="146" name="Grupo 145">
-            <a:extLst>
-              <a:ext uri="{FF2B5EF4-FFF2-40B4-BE49-F238E27FC236}">
-                <a16:creationId xmlns:a16="http://schemas.microsoft.com/office/drawing/2014/main" id="{327A2156-B52C-4B27-B1EF-B8EF2C85D3F7}"/>
-              </a:ext>
-            </a:extLst>
-          </p:cNvPr>
-          <p:cNvGrpSpPr/>
-          <p:nvPr/>
-        </p:nvGrpSpPr>
-        <p:grpSpPr>
-          <a:xfrm>
-            <a:off x="7110032" y="4867949"/>
-            <a:ext cx="999593" cy="1452952"/>
-            <a:chOff x="3235601" y="526075"/>
-            <a:chExt cx="999593" cy="1452952"/>
-          </a:xfrm>
-        </p:grpSpPr>
-        <p:sp>
-          <p:nvSpPr>
-            <p:cNvPr id="147" name="Rectángulo 146">
-              <a:extLst>
-                <a:ext uri="{FF2B5EF4-FFF2-40B4-BE49-F238E27FC236}">
-                  <a16:creationId xmlns:a16="http://schemas.microsoft.com/office/drawing/2014/main" id="{B75B959A-5EC0-4D9F-9836-E6844C0FC72F}"/>
-                </a:ext>
-              </a:extLst>
-            </p:cNvPr>
-            <p:cNvSpPr/>
-            <p:nvPr/>
-          </p:nvSpPr>
-          <p:spPr>
-            <a:xfrm>
-              <a:off x="3235601" y="1279079"/>
-              <a:ext cx="999593" cy="699948"/>
-            </a:xfrm>
-            <a:prstGeom prst="rect">
-              <a:avLst/>
-            </a:prstGeom>
-            <a:solidFill>
-              <a:schemeClr val="accent6">
-                <a:lumMod val="50000"/>
-              </a:schemeClr>
-            </a:solidFill>
-          </p:spPr>
-          <p:style>
-            <a:lnRef idx="2">
-              <a:schemeClr val="accent1">
-                <a:shade val="50000"/>
-              </a:schemeClr>
-            </a:lnRef>
-            <a:fillRef idx="1">
-              <a:schemeClr val="accent1"/>
-            </a:fillRef>
-            <a:effectRef idx="0">
-              <a:schemeClr val="accent1"/>
-            </a:effectRef>
-            <a:fontRef idx="minor">
-              <a:schemeClr val="lt1"/>
-            </a:fontRef>
-          </p:style>
-          <p:txBody>
-            <a:bodyPr rtlCol="0" anchor="ctr"/>
-            <a:lstStyle/>
-            <a:p>
-              <a:pPr algn="ctr"/>
-              <a:r>
-                <a:rPr lang="en-US" sz="600" dirty="0"/>
-                <a:t>Mesa </a:t>
-              </a:r>
-              <a:r>
-                <a:rPr lang="en-US" sz="600" dirty="0" err="1"/>
-                <a:t>Equipos</a:t>
-              </a:r>
-              <a:r>
-                <a:rPr lang="en-US" sz="600" dirty="0"/>
-                <a:t> Retail #7</a:t>
-              </a:r>
-            </a:p>
-            <a:p>
-              <a:pPr algn="ctr"/>
-              <a:r>
-                <a:rPr lang="en-US" sz="600" dirty="0"/>
-                <a:t>1,4m x 1m</a:t>
-              </a:r>
-            </a:p>
-            <a:p>
-              <a:pPr algn="ctr"/>
-              <a:r>
-                <a:rPr lang="en-US" sz="600" dirty="0"/>
-                <a:t>1 Kw</a:t>
-              </a:r>
-            </a:p>
-          </p:txBody>
-        </p:sp>
-        <p:sp>
-          <p:nvSpPr>
-            <p:cNvPr id="148" name="Rectángulo 147">
-              <a:extLst>
-                <a:ext uri="{FF2B5EF4-FFF2-40B4-BE49-F238E27FC236}">
-                  <a16:creationId xmlns:a16="http://schemas.microsoft.com/office/drawing/2014/main" id="{1F542BDD-C111-4F7C-A9DB-778EDAD317BD}"/>
-                </a:ext>
-              </a:extLst>
-            </p:cNvPr>
-            <p:cNvSpPr/>
-            <p:nvPr/>
-          </p:nvSpPr>
-          <p:spPr>
-            <a:xfrm>
-              <a:off x="3235943" y="526075"/>
-              <a:ext cx="998908" cy="737211"/>
-            </a:xfrm>
-            <a:prstGeom prst="rect">
-              <a:avLst/>
-            </a:prstGeom>
-            <a:solidFill>
-              <a:schemeClr val="accent4">
-                <a:lumMod val="20000"/>
-                <a:lumOff val="80000"/>
-              </a:schemeClr>
-            </a:solidFill>
-          </p:spPr>
-          <p:style>
-            <a:lnRef idx="2">
-              <a:schemeClr val="accent1">
-                <a:shade val="50000"/>
-              </a:schemeClr>
-            </a:lnRef>
-            <a:fillRef idx="1">
-              <a:schemeClr val="accent1"/>
-            </a:fillRef>
-            <a:effectRef idx="0">
-              <a:schemeClr val="accent1"/>
-            </a:effectRef>
-            <a:fontRef idx="minor">
-              <a:schemeClr val="lt1"/>
-            </a:fontRef>
-          </p:style>
-          <p:txBody>
-            <a:bodyPr rtlCol="0" anchor="ctr"/>
-            <a:lstStyle/>
-            <a:p>
-              <a:pPr algn="ctr"/>
-              <a:r>
-                <a:rPr lang="en-US" sz="600" dirty="0">
-                  <a:solidFill>
-                    <a:srgbClr val="0070C0"/>
-                  </a:solidFill>
-                </a:rPr>
-                <a:t>Espacio </a:t>
-              </a:r>
-            </a:p>
-            <a:p>
-              <a:pPr algn="ctr"/>
-              <a:r>
-                <a:rPr lang="en-US" sz="600" dirty="0">
-                  <a:solidFill>
-                    <a:srgbClr val="0070C0"/>
-                  </a:solidFill>
-                </a:rPr>
-                <a:t>Mesa </a:t>
-              </a:r>
-              <a:r>
-                <a:rPr lang="en-US" sz="600" dirty="0" err="1">
-                  <a:solidFill>
-                    <a:srgbClr val="0070C0"/>
-                  </a:solidFill>
-                </a:rPr>
-                <a:t>Equipos</a:t>
-              </a:r>
-              <a:r>
-                <a:rPr lang="en-US" sz="600" dirty="0">
-                  <a:solidFill>
-                    <a:srgbClr val="0070C0"/>
-                  </a:solidFill>
-                </a:rPr>
-                <a:t> Retail #7</a:t>
-              </a:r>
-            </a:p>
-            <a:p>
-              <a:pPr algn="ctr"/>
-              <a:r>
-                <a:rPr lang="en-US" sz="600" dirty="0">
-                  <a:solidFill>
-                    <a:srgbClr val="0070C0"/>
-                  </a:solidFill>
-                </a:rPr>
-                <a:t>1,4m x 1m</a:t>
-              </a:r>
-            </a:p>
-            <a:p>
-              <a:pPr algn="ctr"/>
-              <a:r>
-                <a:rPr lang="en-US" sz="600" dirty="0">
-                  <a:solidFill>
-                    <a:srgbClr val="0070C0"/>
-                  </a:solidFill>
-                </a:rPr>
-                <a:t>  </a:t>
-              </a:r>
-            </a:p>
-          </p:txBody>
-        </p:sp>
-      </p:grpSp>
-      <p:grpSp>
-        <p:nvGrpSpPr>
-          <p:cNvPr id="149" name="Grupo 148">
-            <a:extLst>
-              <a:ext uri="{FF2B5EF4-FFF2-40B4-BE49-F238E27FC236}">
-                <a16:creationId xmlns:a16="http://schemas.microsoft.com/office/drawing/2014/main" id="{DC353331-FDD5-4EBD-BF69-B40B413472A5}"/>
-              </a:ext>
-            </a:extLst>
-          </p:cNvPr>
-          <p:cNvGrpSpPr/>
-          <p:nvPr/>
-        </p:nvGrpSpPr>
-        <p:grpSpPr>
-          <a:xfrm>
-            <a:off x="8123238" y="4867949"/>
-            <a:ext cx="999593" cy="1452952"/>
-            <a:chOff x="3235601" y="526075"/>
-            <a:chExt cx="999593" cy="1452952"/>
-          </a:xfrm>
-        </p:grpSpPr>
-        <p:sp>
-          <p:nvSpPr>
-            <p:cNvPr id="150" name="Rectángulo 149">
-              <a:extLst>
-                <a:ext uri="{FF2B5EF4-FFF2-40B4-BE49-F238E27FC236}">
-                  <a16:creationId xmlns:a16="http://schemas.microsoft.com/office/drawing/2014/main" id="{F3ABDF55-5F8B-4CB8-9406-B91194A53F44}"/>
-                </a:ext>
-              </a:extLst>
-            </p:cNvPr>
-            <p:cNvSpPr/>
-            <p:nvPr/>
-          </p:nvSpPr>
-          <p:spPr>
-            <a:xfrm>
-              <a:off x="3235601" y="1279079"/>
-              <a:ext cx="999593" cy="699948"/>
-            </a:xfrm>
-            <a:prstGeom prst="rect">
-              <a:avLst/>
-            </a:prstGeom>
-            <a:solidFill>
-              <a:schemeClr val="accent6">
-                <a:lumMod val="50000"/>
-              </a:schemeClr>
-            </a:solidFill>
-          </p:spPr>
-          <p:style>
-            <a:lnRef idx="2">
-              <a:schemeClr val="accent1">
-                <a:shade val="50000"/>
-              </a:schemeClr>
-            </a:lnRef>
-            <a:fillRef idx="1">
-              <a:schemeClr val="accent1"/>
-            </a:fillRef>
-            <a:effectRef idx="0">
-              <a:schemeClr val="accent1"/>
-            </a:effectRef>
-            <a:fontRef idx="minor">
-              <a:schemeClr val="lt1"/>
-            </a:fontRef>
-          </p:style>
-          <p:txBody>
-            <a:bodyPr rtlCol="0" anchor="ctr"/>
-            <a:lstStyle/>
-            <a:p>
-              <a:pPr algn="ctr"/>
-              <a:r>
-                <a:rPr lang="en-US" sz="600" dirty="0"/>
-                <a:t>Mesa </a:t>
-              </a:r>
-              <a:r>
-                <a:rPr lang="en-US" sz="600" dirty="0" err="1"/>
-                <a:t>Equipos</a:t>
-              </a:r>
-              <a:r>
-                <a:rPr lang="en-US" sz="600" dirty="0"/>
-                <a:t> Retail #8</a:t>
-              </a:r>
-            </a:p>
-            <a:p>
-              <a:pPr algn="ctr"/>
-              <a:r>
-                <a:rPr lang="en-US" sz="600" dirty="0"/>
-                <a:t>1,4m x 1m</a:t>
-              </a:r>
-            </a:p>
-            <a:p>
-              <a:pPr algn="ctr"/>
-              <a:r>
-                <a:rPr lang="en-US" sz="600" dirty="0"/>
-                <a:t>1 Kw</a:t>
-              </a:r>
-            </a:p>
-          </p:txBody>
-        </p:sp>
-        <p:sp>
-          <p:nvSpPr>
-            <p:cNvPr id="151" name="Rectángulo 150">
-              <a:extLst>
-                <a:ext uri="{FF2B5EF4-FFF2-40B4-BE49-F238E27FC236}">
-                  <a16:creationId xmlns:a16="http://schemas.microsoft.com/office/drawing/2014/main" id="{C2A326AA-64B9-4046-9624-06773A6FD75F}"/>
-                </a:ext>
-              </a:extLst>
-            </p:cNvPr>
-            <p:cNvSpPr/>
-            <p:nvPr/>
-          </p:nvSpPr>
-          <p:spPr>
-            <a:xfrm>
-              <a:off x="3235943" y="526075"/>
-              <a:ext cx="998908" cy="737211"/>
-            </a:xfrm>
-            <a:prstGeom prst="rect">
-              <a:avLst/>
-            </a:prstGeom>
-            <a:solidFill>
-              <a:schemeClr val="accent4">
-                <a:lumMod val="20000"/>
-                <a:lumOff val="80000"/>
-              </a:schemeClr>
-            </a:solidFill>
-          </p:spPr>
-          <p:style>
-            <a:lnRef idx="2">
-              <a:schemeClr val="accent1">
-                <a:shade val="50000"/>
-              </a:schemeClr>
-            </a:lnRef>
-            <a:fillRef idx="1">
-              <a:schemeClr val="accent1"/>
-            </a:fillRef>
-            <a:effectRef idx="0">
-              <a:schemeClr val="accent1"/>
-            </a:effectRef>
-            <a:fontRef idx="minor">
-              <a:schemeClr val="lt1"/>
-            </a:fontRef>
-          </p:style>
-          <p:txBody>
-            <a:bodyPr rtlCol="0" anchor="ctr"/>
-            <a:lstStyle/>
-            <a:p>
-              <a:pPr algn="ctr"/>
-              <a:r>
-                <a:rPr lang="en-US" sz="600" dirty="0">
-                  <a:solidFill>
-                    <a:srgbClr val="0070C0"/>
-                  </a:solidFill>
-                </a:rPr>
-                <a:t>Espacio </a:t>
-              </a:r>
-            </a:p>
-            <a:p>
-              <a:pPr algn="ctr"/>
-              <a:r>
-                <a:rPr lang="en-US" sz="600" dirty="0">
-                  <a:solidFill>
-                    <a:srgbClr val="0070C0"/>
-                  </a:solidFill>
-                </a:rPr>
-                <a:t>Mesa </a:t>
-              </a:r>
-              <a:r>
-                <a:rPr lang="en-US" sz="600" dirty="0" err="1">
-                  <a:solidFill>
-                    <a:srgbClr val="0070C0"/>
-                  </a:solidFill>
-                </a:rPr>
-                <a:t>Equipos</a:t>
-              </a:r>
-              <a:r>
-                <a:rPr lang="en-US" sz="600" dirty="0">
-                  <a:solidFill>
-                    <a:srgbClr val="0070C0"/>
-                  </a:solidFill>
-                </a:rPr>
-                <a:t> Retail #8</a:t>
-              </a:r>
-            </a:p>
-            <a:p>
-              <a:pPr algn="ctr"/>
-              <a:r>
-                <a:rPr lang="en-US" sz="600" dirty="0">
-                  <a:solidFill>
-                    <a:srgbClr val="0070C0"/>
-                  </a:solidFill>
-                </a:rPr>
-                <a:t>1,4m x 1m</a:t>
-              </a:r>
-            </a:p>
-            <a:p>
-              <a:pPr algn="ctr"/>
-              <a:r>
-                <a:rPr lang="en-US" sz="600" dirty="0">
-                  <a:solidFill>
-                    <a:srgbClr val="0070C0"/>
-                  </a:solidFill>
-                </a:rPr>
-                <a:t>  </a:t>
-              </a:r>
-            </a:p>
-          </p:txBody>
-        </p:sp>
-      </p:grpSp>
-      <p:grpSp>
-        <p:nvGrpSpPr>
-          <p:cNvPr id="152" name="Grupo 151">
-            <a:extLst>
-              <a:ext uri="{FF2B5EF4-FFF2-40B4-BE49-F238E27FC236}">
-                <a16:creationId xmlns:a16="http://schemas.microsoft.com/office/drawing/2014/main" id="{9CBC7637-9C29-47D0-A1FD-1DF55F353408}"/>
-              </a:ext>
-            </a:extLst>
-          </p:cNvPr>
-          <p:cNvGrpSpPr/>
-          <p:nvPr/>
-        </p:nvGrpSpPr>
-        <p:grpSpPr>
-          <a:xfrm>
-            <a:off x="3067973" y="3430790"/>
-            <a:ext cx="1000104" cy="1437159"/>
-            <a:chOff x="3221065" y="554277"/>
-            <a:chExt cx="1000104" cy="1437159"/>
-          </a:xfrm>
-        </p:grpSpPr>
-        <p:sp>
-          <p:nvSpPr>
-            <p:cNvPr id="153" name="Rectángulo 152">
-              <a:extLst>
-                <a:ext uri="{FF2B5EF4-FFF2-40B4-BE49-F238E27FC236}">
-                  <a16:creationId xmlns:a16="http://schemas.microsoft.com/office/drawing/2014/main" id="{B29E4B44-C935-4E2D-A3C7-0B8E600EA5D2}"/>
-                </a:ext>
-              </a:extLst>
-            </p:cNvPr>
-            <p:cNvSpPr/>
-            <p:nvPr/>
-          </p:nvSpPr>
-          <p:spPr>
-            <a:xfrm>
-              <a:off x="3221576" y="554277"/>
-              <a:ext cx="999593" cy="699948"/>
-            </a:xfrm>
-            <a:prstGeom prst="rect">
-              <a:avLst/>
-            </a:prstGeom>
-            <a:solidFill>
-              <a:schemeClr val="accent6">
-                <a:lumMod val="50000"/>
-              </a:schemeClr>
-            </a:solidFill>
-          </p:spPr>
-          <p:style>
-            <a:lnRef idx="2">
-              <a:schemeClr val="accent1">
-                <a:shade val="50000"/>
-              </a:schemeClr>
-            </a:lnRef>
-            <a:fillRef idx="1">
-              <a:schemeClr val="accent1"/>
-            </a:fillRef>
-            <a:effectRef idx="0">
-              <a:schemeClr val="accent1"/>
-            </a:effectRef>
-            <a:fontRef idx="minor">
-              <a:schemeClr val="lt1"/>
-            </a:fontRef>
-          </p:style>
-          <p:txBody>
-            <a:bodyPr rtlCol="0" anchor="ctr"/>
-            <a:lstStyle/>
-            <a:p>
-              <a:pPr algn="ctr"/>
-              <a:r>
-                <a:rPr lang="en-US" sz="600" dirty="0"/>
-                <a:t>Mesa </a:t>
-              </a:r>
-              <a:r>
-                <a:rPr lang="en-US" sz="600" dirty="0" err="1"/>
-                <a:t>Equipos</a:t>
-              </a:r>
-              <a:r>
-                <a:rPr lang="en-US" sz="600" dirty="0"/>
-                <a:t> Retail #11</a:t>
-              </a:r>
-            </a:p>
-            <a:p>
-              <a:pPr algn="ctr"/>
-              <a:r>
-                <a:rPr lang="en-US" sz="600" dirty="0"/>
-                <a:t>1,4m x 1m</a:t>
-              </a:r>
-            </a:p>
-            <a:p>
-              <a:pPr algn="ctr"/>
-              <a:r>
-                <a:rPr lang="en-US" sz="600" dirty="0"/>
-                <a:t>0,5 Kw</a:t>
-              </a:r>
-            </a:p>
-          </p:txBody>
-        </p:sp>
-        <p:sp>
-          <p:nvSpPr>
-            <p:cNvPr id="154" name="Rectángulo 153">
-              <a:extLst>
-                <a:ext uri="{FF2B5EF4-FFF2-40B4-BE49-F238E27FC236}">
-                  <a16:creationId xmlns:a16="http://schemas.microsoft.com/office/drawing/2014/main" id="{00DCA272-9320-42B8-B96A-F3FE51329E3B}"/>
-                </a:ext>
-              </a:extLst>
-            </p:cNvPr>
-            <p:cNvSpPr/>
-            <p:nvPr/>
-          </p:nvSpPr>
-          <p:spPr>
-            <a:xfrm>
-              <a:off x="3221065" y="1254225"/>
-              <a:ext cx="998908" cy="737211"/>
-            </a:xfrm>
-            <a:prstGeom prst="rect">
-              <a:avLst/>
-            </a:prstGeom>
-            <a:solidFill>
-              <a:schemeClr val="accent4">
-                <a:lumMod val="20000"/>
-                <a:lumOff val="80000"/>
-              </a:schemeClr>
-            </a:solidFill>
-          </p:spPr>
-          <p:style>
-            <a:lnRef idx="2">
-              <a:schemeClr val="accent1">
-                <a:shade val="50000"/>
-              </a:schemeClr>
-            </a:lnRef>
-            <a:fillRef idx="1">
-              <a:schemeClr val="accent1"/>
-            </a:fillRef>
-            <a:effectRef idx="0">
-              <a:schemeClr val="accent1"/>
-            </a:effectRef>
-            <a:fontRef idx="minor">
-              <a:schemeClr val="lt1"/>
-            </a:fontRef>
-          </p:style>
-          <p:txBody>
-            <a:bodyPr rtlCol="0" anchor="ctr"/>
-            <a:lstStyle/>
-            <a:p>
-              <a:pPr algn="ctr"/>
-              <a:r>
-                <a:rPr lang="en-US" sz="600" dirty="0">
-                  <a:solidFill>
-                    <a:srgbClr val="0070C0"/>
-                  </a:solidFill>
-                </a:rPr>
-                <a:t>Espacio </a:t>
-              </a:r>
-            </a:p>
-            <a:p>
-              <a:pPr algn="ctr"/>
-              <a:r>
-                <a:rPr lang="en-US" sz="600" dirty="0">
-                  <a:solidFill>
-                    <a:srgbClr val="0070C0"/>
-                  </a:solidFill>
-                </a:rPr>
-                <a:t>Mesa </a:t>
-              </a:r>
-              <a:r>
-                <a:rPr lang="en-US" sz="600" dirty="0" err="1">
-                  <a:solidFill>
-                    <a:srgbClr val="0070C0"/>
-                  </a:solidFill>
-                </a:rPr>
-                <a:t>Equipos</a:t>
-              </a:r>
-              <a:r>
-                <a:rPr lang="en-US" sz="600" dirty="0">
-                  <a:solidFill>
-                    <a:srgbClr val="0070C0"/>
-                  </a:solidFill>
-                </a:rPr>
-                <a:t> Retail #11</a:t>
-              </a:r>
-            </a:p>
-            <a:p>
-              <a:pPr algn="ctr"/>
-              <a:r>
-                <a:rPr lang="en-US" sz="600" dirty="0">
-                  <a:solidFill>
-                    <a:srgbClr val="0070C0"/>
-                  </a:solidFill>
-                </a:rPr>
-                <a:t>1,4m x 1m</a:t>
-              </a:r>
-            </a:p>
-            <a:p>
-              <a:pPr algn="ctr"/>
-              <a:r>
-                <a:rPr lang="en-US" sz="600" dirty="0">
-                  <a:solidFill>
-                    <a:srgbClr val="0070C0"/>
-                  </a:solidFill>
-                </a:rPr>
-                <a:t>  </a:t>
-              </a:r>
-            </a:p>
-          </p:txBody>
-        </p:sp>
-      </p:grpSp>
-      <p:grpSp>
-        <p:nvGrpSpPr>
-          <p:cNvPr id="155" name="Grupo 154">
-            <a:extLst>
-              <a:ext uri="{FF2B5EF4-FFF2-40B4-BE49-F238E27FC236}">
-                <a16:creationId xmlns:a16="http://schemas.microsoft.com/office/drawing/2014/main" id="{D814BD96-83BE-4682-A8AE-237C781BF35B}"/>
-              </a:ext>
-            </a:extLst>
-          </p:cNvPr>
-          <p:cNvGrpSpPr/>
-          <p:nvPr/>
-        </p:nvGrpSpPr>
-        <p:grpSpPr>
-          <a:xfrm>
-            <a:off x="4066881" y="3430790"/>
-            <a:ext cx="1014333" cy="1437159"/>
-            <a:chOff x="4219973" y="554277"/>
-            <a:chExt cx="1014333" cy="1437159"/>
-          </a:xfrm>
-        </p:grpSpPr>
-        <p:sp>
-          <p:nvSpPr>
-            <p:cNvPr id="156" name="Rectángulo 155">
-              <a:extLst>
-                <a:ext uri="{FF2B5EF4-FFF2-40B4-BE49-F238E27FC236}">
-                  <a16:creationId xmlns:a16="http://schemas.microsoft.com/office/drawing/2014/main" id="{1EC32D77-180F-4A3F-BEEE-699E44319F8D}"/>
-                </a:ext>
-              </a:extLst>
-            </p:cNvPr>
-            <p:cNvSpPr/>
-            <p:nvPr/>
-          </p:nvSpPr>
-          <p:spPr>
-            <a:xfrm>
-              <a:off x="4219974" y="554277"/>
-              <a:ext cx="1014332" cy="699948"/>
-            </a:xfrm>
-            <a:prstGeom prst="rect">
-              <a:avLst/>
-            </a:prstGeom>
-            <a:solidFill>
-              <a:schemeClr val="accent6">
-                <a:lumMod val="50000"/>
-              </a:schemeClr>
-            </a:solidFill>
-          </p:spPr>
-          <p:style>
-            <a:lnRef idx="2">
-              <a:schemeClr val="accent1">
-                <a:shade val="50000"/>
-              </a:schemeClr>
-            </a:lnRef>
-            <a:fillRef idx="1">
-              <a:schemeClr val="accent1"/>
-            </a:fillRef>
-            <a:effectRef idx="0">
-              <a:schemeClr val="accent1"/>
-            </a:effectRef>
-            <a:fontRef idx="minor">
-              <a:schemeClr val="lt1"/>
-            </a:fontRef>
-          </p:style>
-          <p:txBody>
-            <a:bodyPr rtlCol="0" anchor="ctr"/>
-            <a:lstStyle/>
-            <a:p>
-              <a:pPr algn="ctr"/>
-              <a:r>
-                <a:rPr lang="en-US" sz="600" dirty="0"/>
-                <a:t>Mesa </a:t>
-              </a:r>
-              <a:r>
-                <a:rPr lang="en-US" sz="600" dirty="0" err="1"/>
-                <a:t>Equipos</a:t>
-              </a:r>
-              <a:r>
-                <a:rPr lang="en-US" sz="600" dirty="0"/>
-                <a:t> Retail #12</a:t>
-              </a:r>
-            </a:p>
-            <a:p>
-              <a:pPr algn="ctr"/>
-              <a:r>
-                <a:rPr lang="en-US" sz="600" dirty="0"/>
-                <a:t>1,4m x 1m</a:t>
-              </a:r>
-            </a:p>
-            <a:p>
-              <a:pPr algn="ctr"/>
-              <a:r>
-                <a:rPr lang="en-US" sz="600" dirty="0"/>
-                <a:t>0,5 Kw</a:t>
-              </a:r>
-            </a:p>
-          </p:txBody>
-        </p:sp>
-        <p:sp>
-          <p:nvSpPr>
-            <p:cNvPr id="157" name="Rectángulo 156">
-              <a:extLst>
-                <a:ext uri="{FF2B5EF4-FFF2-40B4-BE49-F238E27FC236}">
-                  <a16:creationId xmlns:a16="http://schemas.microsoft.com/office/drawing/2014/main" id="{AA6E35E3-9C5E-4675-9EFF-57382DE084DE}"/>
-                </a:ext>
-              </a:extLst>
-            </p:cNvPr>
-            <p:cNvSpPr/>
-            <p:nvPr/>
-          </p:nvSpPr>
-          <p:spPr>
-            <a:xfrm>
-              <a:off x="4219973" y="1254225"/>
-              <a:ext cx="1014332" cy="737211"/>
-            </a:xfrm>
-            <a:prstGeom prst="rect">
-              <a:avLst/>
-            </a:prstGeom>
-            <a:solidFill>
-              <a:schemeClr val="accent4">
-                <a:lumMod val="20000"/>
-                <a:lumOff val="80000"/>
-              </a:schemeClr>
-            </a:solidFill>
-          </p:spPr>
-          <p:style>
-            <a:lnRef idx="2">
-              <a:schemeClr val="accent1">
-                <a:shade val="50000"/>
-              </a:schemeClr>
-            </a:lnRef>
-            <a:fillRef idx="1">
-              <a:schemeClr val="accent1"/>
-            </a:fillRef>
-            <a:effectRef idx="0">
-              <a:schemeClr val="accent1"/>
-            </a:effectRef>
-            <a:fontRef idx="minor">
-              <a:schemeClr val="lt1"/>
-            </a:fontRef>
-          </p:style>
-          <p:txBody>
-            <a:bodyPr rtlCol="0" anchor="ctr"/>
-            <a:lstStyle/>
-            <a:p>
-              <a:pPr algn="ctr"/>
-              <a:r>
-                <a:rPr lang="en-US" sz="600" dirty="0">
-                  <a:solidFill>
-                    <a:srgbClr val="0070C0"/>
-                  </a:solidFill>
-                </a:rPr>
-                <a:t>Espacio </a:t>
-              </a:r>
-            </a:p>
-            <a:p>
-              <a:pPr algn="ctr"/>
-              <a:r>
-                <a:rPr lang="en-US" sz="600" dirty="0">
-                  <a:solidFill>
-                    <a:srgbClr val="0070C0"/>
-                  </a:solidFill>
-                </a:rPr>
-                <a:t>Mesa </a:t>
-              </a:r>
-              <a:r>
-                <a:rPr lang="en-US" sz="600" dirty="0" err="1">
-                  <a:solidFill>
-                    <a:srgbClr val="0070C0"/>
-                  </a:solidFill>
-                </a:rPr>
-                <a:t>Equipos</a:t>
-              </a:r>
-              <a:r>
-                <a:rPr lang="en-US" sz="600" dirty="0">
-                  <a:solidFill>
-                    <a:srgbClr val="0070C0"/>
-                  </a:solidFill>
-                </a:rPr>
-                <a:t> Retail #12</a:t>
-              </a:r>
-            </a:p>
-            <a:p>
-              <a:pPr algn="ctr"/>
-              <a:r>
-                <a:rPr lang="en-US" sz="600" dirty="0">
-                  <a:solidFill>
-                    <a:srgbClr val="0070C0"/>
-                  </a:solidFill>
-                </a:rPr>
-                <a:t>1,4m x 1m</a:t>
-              </a:r>
-            </a:p>
-            <a:p>
-              <a:pPr algn="ctr"/>
-              <a:r>
-                <a:rPr lang="en-US" sz="600" dirty="0">
-                  <a:solidFill>
-                    <a:srgbClr val="0070C0"/>
-                  </a:solidFill>
-                </a:rPr>
-                <a:t>  </a:t>
-              </a:r>
-            </a:p>
-          </p:txBody>
-        </p:sp>
-      </p:grpSp>
-      <p:grpSp>
-        <p:nvGrpSpPr>
-          <p:cNvPr id="158" name="Grupo 157">
-            <a:extLst>
-              <a:ext uri="{FF2B5EF4-FFF2-40B4-BE49-F238E27FC236}">
-                <a16:creationId xmlns:a16="http://schemas.microsoft.com/office/drawing/2014/main" id="{C5DFAEE9-5B6E-4360-AA3C-ED4944CF732B}"/>
-              </a:ext>
-            </a:extLst>
-          </p:cNvPr>
-          <p:cNvGrpSpPr/>
-          <p:nvPr/>
-        </p:nvGrpSpPr>
-        <p:grpSpPr>
-          <a:xfrm>
-            <a:off x="5083833" y="3429000"/>
-            <a:ext cx="1014333" cy="1437159"/>
-            <a:chOff x="4219973" y="554277"/>
-            <a:chExt cx="1014333" cy="1437159"/>
-          </a:xfrm>
-        </p:grpSpPr>
-        <p:sp>
-          <p:nvSpPr>
-            <p:cNvPr id="159" name="Rectángulo 158">
-              <a:extLst>
-                <a:ext uri="{FF2B5EF4-FFF2-40B4-BE49-F238E27FC236}">
-                  <a16:creationId xmlns:a16="http://schemas.microsoft.com/office/drawing/2014/main" id="{42F2B332-15E7-4598-B9A2-B1977500C7CB}"/>
-                </a:ext>
-              </a:extLst>
-            </p:cNvPr>
-            <p:cNvSpPr/>
-            <p:nvPr/>
-          </p:nvSpPr>
-          <p:spPr>
-            <a:xfrm>
-              <a:off x="4219974" y="554277"/>
-              <a:ext cx="1014332" cy="699948"/>
-            </a:xfrm>
-            <a:prstGeom prst="rect">
-              <a:avLst/>
-            </a:prstGeom>
-            <a:solidFill>
-              <a:schemeClr val="accent6">
-                <a:lumMod val="50000"/>
-              </a:schemeClr>
-            </a:solidFill>
-          </p:spPr>
-          <p:style>
-            <a:lnRef idx="2">
-              <a:schemeClr val="accent1">
-                <a:shade val="50000"/>
-              </a:schemeClr>
-            </a:lnRef>
-            <a:fillRef idx="1">
-              <a:schemeClr val="accent1"/>
-            </a:fillRef>
-            <a:effectRef idx="0">
-              <a:schemeClr val="accent1"/>
-            </a:effectRef>
-            <a:fontRef idx="minor">
-              <a:schemeClr val="lt1"/>
-            </a:fontRef>
-          </p:style>
-          <p:txBody>
-            <a:bodyPr rtlCol="0" anchor="ctr"/>
-            <a:lstStyle/>
-            <a:p>
-              <a:pPr algn="ctr"/>
-              <a:r>
-                <a:rPr lang="en-US" sz="600" dirty="0"/>
-                <a:t>Mesa </a:t>
-              </a:r>
-              <a:r>
-                <a:rPr lang="en-US" sz="600" dirty="0" err="1"/>
-                <a:t>Equipos</a:t>
-              </a:r>
-              <a:r>
-                <a:rPr lang="en-US" sz="600" dirty="0"/>
-                <a:t> Retail #13</a:t>
-              </a:r>
-            </a:p>
-            <a:p>
-              <a:pPr algn="ctr"/>
-              <a:r>
-                <a:rPr lang="en-US" sz="600" dirty="0"/>
-                <a:t>1,4m x 1m</a:t>
-              </a:r>
-            </a:p>
-            <a:p>
-              <a:pPr algn="ctr"/>
-              <a:r>
-                <a:rPr lang="en-US" sz="600" dirty="0"/>
-                <a:t>0,5 Kw</a:t>
-              </a:r>
-            </a:p>
-          </p:txBody>
-        </p:sp>
-        <p:sp>
-          <p:nvSpPr>
-            <p:cNvPr id="160" name="Rectángulo 159">
-              <a:extLst>
-                <a:ext uri="{FF2B5EF4-FFF2-40B4-BE49-F238E27FC236}">
-                  <a16:creationId xmlns:a16="http://schemas.microsoft.com/office/drawing/2014/main" id="{E0AADBE9-89E2-400C-90AC-2135483AFDE8}"/>
-                </a:ext>
-              </a:extLst>
-            </p:cNvPr>
-            <p:cNvSpPr/>
-            <p:nvPr/>
-          </p:nvSpPr>
-          <p:spPr>
-            <a:xfrm>
-              <a:off x="4219973" y="1254225"/>
-              <a:ext cx="1014332" cy="737211"/>
-            </a:xfrm>
-            <a:prstGeom prst="rect">
-              <a:avLst/>
-            </a:prstGeom>
-            <a:solidFill>
-              <a:schemeClr val="accent4">
-                <a:lumMod val="20000"/>
-                <a:lumOff val="80000"/>
-              </a:schemeClr>
-            </a:solidFill>
-          </p:spPr>
-          <p:style>
-            <a:lnRef idx="2">
-              <a:schemeClr val="accent1">
-                <a:shade val="50000"/>
-              </a:schemeClr>
-            </a:lnRef>
-            <a:fillRef idx="1">
-              <a:schemeClr val="accent1"/>
-            </a:fillRef>
-            <a:effectRef idx="0">
-              <a:schemeClr val="accent1"/>
-            </a:effectRef>
-            <a:fontRef idx="minor">
-              <a:schemeClr val="lt1"/>
-            </a:fontRef>
-          </p:style>
-          <p:txBody>
-            <a:bodyPr rtlCol="0" anchor="ctr"/>
-            <a:lstStyle/>
-            <a:p>
-              <a:pPr algn="ctr"/>
-              <a:r>
-                <a:rPr lang="en-US" sz="600" dirty="0">
-                  <a:solidFill>
-                    <a:srgbClr val="0070C0"/>
-                  </a:solidFill>
-                </a:rPr>
-                <a:t>Espacio </a:t>
-              </a:r>
-            </a:p>
-            <a:p>
-              <a:pPr algn="ctr"/>
-              <a:r>
-                <a:rPr lang="en-US" sz="600" dirty="0">
-                  <a:solidFill>
-                    <a:srgbClr val="0070C0"/>
-                  </a:solidFill>
-                </a:rPr>
-                <a:t>Mesa </a:t>
-              </a:r>
-              <a:r>
-                <a:rPr lang="en-US" sz="600" dirty="0" err="1">
-                  <a:solidFill>
-                    <a:srgbClr val="0070C0"/>
-                  </a:solidFill>
-                </a:rPr>
-                <a:t>Equipos</a:t>
-              </a:r>
-              <a:r>
-                <a:rPr lang="en-US" sz="600" dirty="0">
-                  <a:solidFill>
-                    <a:srgbClr val="0070C0"/>
-                  </a:solidFill>
-                </a:rPr>
-                <a:t> Retail #13</a:t>
-              </a:r>
-            </a:p>
-            <a:p>
-              <a:pPr algn="ctr"/>
-              <a:r>
-                <a:rPr lang="en-US" sz="600" dirty="0">
-                  <a:solidFill>
-                    <a:srgbClr val="0070C0"/>
-                  </a:solidFill>
-                </a:rPr>
-                <a:t>1,4m x 1m</a:t>
-              </a:r>
-            </a:p>
-            <a:p>
-              <a:pPr algn="ctr"/>
-              <a:r>
-                <a:rPr lang="en-US" sz="600" dirty="0">
-                  <a:solidFill>
-                    <a:srgbClr val="0070C0"/>
-                  </a:solidFill>
-                </a:rPr>
-                <a:t>  </a:t>
-              </a:r>
-            </a:p>
-          </p:txBody>
-        </p:sp>
-      </p:grpSp>
-      <p:grpSp>
-        <p:nvGrpSpPr>
-          <p:cNvPr id="161" name="Grupo 160">
-            <a:extLst>
-              <a:ext uri="{FF2B5EF4-FFF2-40B4-BE49-F238E27FC236}">
-                <a16:creationId xmlns:a16="http://schemas.microsoft.com/office/drawing/2014/main" id="{CD37F354-3C54-4F7A-8B07-5E24137D21CF}"/>
-              </a:ext>
-            </a:extLst>
-          </p:cNvPr>
-          <p:cNvGrpSpPr/>
-          <p:nvPr/>
-        </p:nvGrpSpPr>
-        <p:grpSpPr>
-          <a:xfrm>
-            <a:off x="6101347" y="3422094"/>
-            <a:ext cx="1014333" cy="1437159"/>
-            <a:chOff x="4219973" y="554277"/>
-            <a:chExt cx="1014333" cy="1437159"/>
-          </a:xfrm>
-        </p:grpSpPr>
-        <p:sp>
-          <p:nvSpPr>
-            <p:cNvPr id="162" name="Rectángulo 161">
-              <a:extLst>
-                <a:ext uri="{FF2B5EF4-FFF2-40B4-BE49-F238E27FC236}">
-                  <a16:creationId xmlns:a16="http://schemas.microsoft.com/office/drawing/2014/main" id="{59F1CB30-FC31-492D-A98E-C238F8FC9C60}"/>
-                </a:ext>
-              </a:extLst>
-            </p:cNvPr>
-            <p:cNvSpPr/>
-            <p:nvPr/>
-          </p:nvSpPr>
-          <p:spPr>
-            <a:xfrm>
-              <a:off x="4219974" y="554277"/>
-              <a:ext cx="1014332" cy="699948"/>
-            </a:xfrm>
-            <a:prstGeom prst="rect">
-              <a:avLst/>
-            </a:prstGeom>
-            <a:solidFill>
-              <a:schemeClr val="accent6">
-                <a:lumMod val="50000"/>
-              </a:schemeClr>
-            </a:solidFill>
-          </p:spPr>
-          <p:style>
-            <a:lnRef idx="2">
-              <a:schemeClr val="accent1">
-                <a:shade val="50000"/>
-              </a:schemeClr>
-            </a:lnRef>
-            <a:fillRef idx="1">
-              <a:schemeClr val="accent1"/>
-            </a:fillRef>
-            <a:effectRef idx="0">
-              <a:schemeClr val="accent1"/>
-            </a:effectRef>
-            <a:fontRef idx="minor">
-              <a:schemeClr val="lt1"/>
-            </a:fontRef>
-          </p:style>
-          <p:txBody>
-            <a:bodyPr rtlCol="0" anchor="ctr"/>
-            <a:lstStyle/>
-            <a:p>
-              <a:pPr algn="ctr"/>
-              <a:r>
-                <a:rPr lang="en-US" sz="600" dirty="0"/>
-                <a:t>Mesa </a:t>
-              </a:r>
-              <a:r>
-                <a:rPr lang="en-US" sz="600" dirty="0" err="1"/>
-                <a:t>Equipos</a:t>
-              </a:r>
-              <a:r>
-                <a:rPr lang="en-US" sz="600" dirty="0"/>
-                <a:t> Retail #14</a:t>
-              </a:r>
-            </a:p>
-            <a:p>
-              <a:pPr algn="ctr"/>
-              <a:r>
-                <a:rPr lang="en-US" sz="600" dirty="0"/>
-                <a:t>1,4m x 1m</a:t>
-              </a:r>
-            </a:p>
-            <a:p>
-              <a:pPr algn="ctr"/>
-              <a:r>
-                <a:rPr lang="en-US" sz="600" dirty="0"/>
-                <a:t>0,5 Kw</a:t>
-              </a:r>
-            </a:p>
-          </p:txBody>
-        </p:sp>
-        <p:sp>
-          <p:nvSpPr>
-            <p:cNvPr id="163" name="Rectángulo 162">
-              <a:extLst>
-                <a:ext uri="{FF2B5EF4-FFF2-40B4-BE49-F238E27FC236}">
-                  <a16:creationId xmlns:a16="http://schemas.microsoft.com/office/drawing/2014/main" id="{F1806B4D-4F81-458A-9028-EE44BD658DCF}"/>
-                </a:ext>
-              </a:extLst>
-            </p:cNvPr>
-            <p:cNvSpPr/>
-            <p:nvPr/>
-          </p:nvSpPr>
-          <p:spPr>
-            <a:xfrm>
-              <a:off x="4219973" y="1254225"/>
-              <a:ext cx="1014332" cy="737211"/>
-            </a:xfrm>
-            <a:prstGeom prst="rect">
-              <a:avLst/>
-            </a:prstGeom>
-            <a:solidFill>
-              <a:schemeClr val="accent4">
-                <a:lumMod val="20000"/>
-                <a:lumOff val="80000"/>
-              </a:schemeClr>
-            </a:solidFill>
-          </p:spPr>
-          <p:style>
-            <a:lnRef idx="2">
-              <a:schemeClr val="accent1">
-                <a:shade val="50000"/>
-              </a:schemeClr>
-            </a:lnRef>
-            <a:fillRef idx="1">
-              <a:schemeClr val="accent1"/>
-            </a:fillRef>
-            <a:effectRef idx="0">
-              <a:schemeClr val="accent1"/>
-            </a:effectRef>
-            <a:fontRef idx="minor">
-              <a:schemeClr val="lt1"/>
-            </a:fontRef>
-          </p:style>
-          <p:txBody>
-            <a:bodyPr rtlCol="0" anchor="ctr"/>
-            <a:lstStyle/>
-            <a:p>
-              <a:pPr algn="ctr"/>
-              <a:r>
-                <a:rPr lang="en-US" sz="600" dirty="0">
-                  <a:solidFill>
-                    <a:srgbClr val="0070C0"/>
-                  </a:solidFill>
-                </a:rPr>
-                <a:t>Espacio </a:t>
-              </a:r>
-            </a:p>
-            <a:p>
-              <a:pPr algn="ctr"/>
-              <a:r>
-                <a:rPr lang="en-US" sz="600" dirty="0">
-                  <a:solidFill>
-                    <a:srgbClr val="0070C0"/>
-                  </a:solidFill>
-                </a:rPr>
-                <a:t>Mesa </a:t>
-              </a:r>
-              <a:r>
-                <a:rPr lang="en-US" sz="600" dirty="0" err="1">
-                  <a:solidFill>
-                    <a:srgbClr val="0070C0"/>
-                  </a:solidFill>
-                </a:rPr>
-                <a:t>Equipos</a:t>
-              </a:r>
-              <a:r>
-                <a:rPr lang="en-US" sz="600" dirty="0">
-                  <a:solidFill>
-                    <a:srgbClr val="0070C0"/>
-                  </a:solidFill>
-                </a:rPr>
-                <a:t> Retail #14</a:t>
-              </a:r>
-            </a:p>
-            <a:p>
-              <a:pPr algn="ctr"/>
-              <a:r>
-                <a:rPr lang="en-US" sz="600" dirty="0">
-                  <a:solidFill>
-                    <a:srgbClr val="0070C0"/>
-                  </a:solidFill>
-                </a:rPr>
-                <a:t>1,4m x 1m</a:t>
-              </a:r>
-            </a:p>
-            <a:p>
-              <a:pPr algn="ctr"/>
-              <a:r>
-                <a:rPr lang="en-US" sz="600" dirty="0">
-                  <a:solidFill>
-                    <a:srgbClr val="0070C0"/>
-                  </a:solidFill>
-                </a:rPr>
-                <a:t>  </a:t>
-              </a:r>
-            </a:p>
-          </p:txBody>
-        </p:sp>
-      </p:grpSp>
-      <p:grpSp>
-        <p:nvGrpSpPr>
-          <p:cNvPr id="164" name="Grupo 163">
-            <a:extLst>
-              <a:ext uri="{FF2B5EF4-FFF2-40B4-BE49-F238E27FC236}">
-                <a16:creationId xmlns:a16="http://schemas.microsoft.com/office/drawing/2014/main" id="{CB9AD9EF-AE19-4F37-8257-4DCD727D3D83}"/>
-              </a:ext>
-            </a:extLst>
-          </p:cNvPr>
-          <p:cNvGrpSpPr/>
-          <p:nvPr/>
-        </p:nvGrpSpPr>
-        <p:grpSpPr>
-          <a:xfrm>
-            <a:off x="8122572" y="3429000"/>
-            <a:ext cx="1014333" cy="1437159"/>
-            <a:chOff x="4219973" y="554277"/>
-            <a:chExt cx="1014333" cy="1437159"/>
-          </a:xfrm>
-        </p:grpSpPr>
-        <p:sp>
-          <p:nvSpPr>
-            <p:cNvPr id="165" name="Rectángulo 164">
-              <a:extLst>
-                <a:ext uri="{FF2B5EF4-FFF2-40B4-BE49-F238E27FC236}">
-                  <a16:creationId xmlns:a16="http://schemas.microsoft.com/office/drawing/2014/main" id="{0A13D5A7-57A5-4A86-93FD-2DA0D67CA896}"/>
-                </a:ext>
-              </a:extLst>
-            </p:cNvPr>
-            <p:cNvSpPr/>
-            <p:nvPr/>
-          </p:nvSpPr>
-          <p:spPr>
-            <a:xfrm>
-              <a:off x="4219974" y="554277"/>
-              <a:ext cx="1014332" cy="699948"/>
-            </a:xfrm>
-            <a:prstGeom prst="rect">
-              <a:avLst/>
-            </a:prstGeom>
-            <a:solidFill>
-              <a:schemeClr val="accent6"/>
-            </a:solidFill>
-          </p:spPr>
-          <p:style>
-            <a:lnRef idx="2">
-              <a:schemeClr val="accent1">
-                <a:shade val="50000"/>
-              </a:schemeClr>
-            </a:lnRef>
-            <a:fillRef idx="1">
-              <a:schemeClr val="accent1"/>
-            </a:fillRef>
-            <a:effectRef idx="0">
-              <a:schemeClr val="accent1"/>
-            </a:effectRef>
-            <a:fontRef idx="minor">
-              <a:schemeClr val="lt1"/>
-            </a:fontRef>
-          </p:style>
-          <p:txBody>
-            <a:bodyPr rtlCol="0" anchor="ctr"/>
-            <a:lstStyle/>
-            <a:p>
-              <a:pPr algn="ctr"/>
-              <a:r>
-                <a:rPr lang="en-US" sz="600" dirty="0"/>
-                <a:t>Mesa </a:t>
-              </a:r>
-              <a:r>
-                <a:rPr lang="en-US" sz="600" dirty="0" err="1"/>
-                <a:t>Equipos</a:t>
-              </a:r>
-              <a:r>
-                <a:rPr lang="en-US" sz="600" dirty="0"/>
-                <a:t> Tech #2</a:t>
-              </a:r>
-            </a:p>
-            <a:p>
-              <a:pPr algn="ctr"/>
-              <a:r>
-                <a:rPr lang="en-US" sz="600" dirty="0"/>
-                <a:t>1,4m x 1m</a:t>
-              </a:r>
-            </a:p>
-            <a:p>
-              <a:pPr algn="ctr"/>
-              <a:r>
-                <a:rPr lang="en-US" sz="600" dirty="0"/>
-                <a:t>0,5 Kw</a:t>
-              </a:r>
-            </a:p>
-          </p:txBody>
-        </p:sp>
-        <p:sp>
-          <p:nvSpPr>
-            <p:cNvPr id="166" name="Rectángulo 165">
-              <a:extLst>
-                <a:ext uri="{FF2B5EF4-FFF2-40B4-BE49-F238E27FC236}">
-                  <a16:creationId xmlns:a16="http://schemas.microsoft.com/office/drawing/2014/main" id="{73DE1198-910F-49CB-9EC7-5ECF3D549E9A}"/>
-                </a:ext>
-              </a:extLst>
-            </p:cNvPr>
-            <p:cNvSpPr/>
-            <p:nvPr/>
-          </p:nvSpPr>
-          <p:spPr>
-            <a:xfrm>
-              <a:off x="4219973" y="1254225"/>
-              <a:ext cx="1014332" cy="737211"/>
-            </a:xfrm>
-            <a:prstGeom prst="rect">
-              <a:avLst/>
-            </a:prstGeom>
-            <a:solidFill>
-              <a:schemeClr val="accent4">
-                <a:lumMod val="20000"/>
-                <a:lumOff val="80000"/>
-              </a:schemeClr>
-            </a:solidFill>
-          </p:spPr>
-          <p:style>
-            <a:lnRef idx="2">
-              <a:schemeClr val="accent1">
-                <a:shade val="50000"/>
-              </a:schemeClr>
-            </a:lnRef>
-            <a:fillRef idx="1">
-              <a:schemeClr val="accent1"/>
-            </a:fillRef>
-            <a:effectRef idx="0">
-              <a:schemeClr val="accent1"/>
-            </a:effectRef>
-            <a:fontRef idx="minor">
-              <a:schemeClr val="lt1"/>
-            </a:fontRef>
-          </p:style>
-          <p:txBody>
-            <a:bodyPr rtlCol="0" anchor="ctr"/>
-            <a:lstStyle/>
-            <a:p>
-              <a:pPr algn="ctr"/>
-              <a:r>
-                <a:rPr lang="en-US" sz="600" dirty="0">
-                  <a:solidFill>
-                    <a:srgbClr val="0070C0"/>
-                  </a:solidFill>
-                </a:rPr>
-                <a:t>Espacio </a:t>
-              </a:r>
-            </a:p>
-            <a:p>
-              <a:pPr algn="ctr"/>
-              <a:r>
-                <a:rPr lang="en-US" sz="600" dirty="0">
-                  <a:solidFill>
-                    <a:srgbClr val="0070C0"/>
-                  </a:solidFill>
-                </a:rPr>
-                <a:t>Mesa </a:t>
-              </a:r>
-              <a:r>
-                <a:rPr lang="en-US" sz="600" dirty="0" err="1">
-                  <a:solidFill>
-                    <a:srgbClr val="0070C0"/>
-                  </a:solidFill>
-                </a:rPr>
-                <a:t>Equipos</a:t>
-              </a:r>
-              <a:r>
-                <a:rPr lang="en-US" sz="600" dirty="0">
-                  <a:solidFill>
-                    <a:srgbClr val="0070C0"/>
-                  </a:solidFill>
-                </a:rPr>
-                <a:t> Tech #2</a:t>
-              </a:r>
-            </a:p>
-            <a:p>
-              <a:pPr algn="ctr"/>
-              <a:r>
-                <a:rPr lang="en-US" sz="600" dirty="0">
-                  <a:solidFill>
-                    <a:srgbClr val="0070C0"/>
-                  </a:solidFill>
-                </a:rPr>
-                <a:t>1,4m x 1m</a:t>
-              </a:r>
-            </a:p>
-            <a:p>
-              <a:pPr algn="ctr"/>
-              <a:r>
-                <a:rPr lang="en-US" sz="600" dirty="0">
-                  <a:solidFill>
-                    <a:srgbClr val="0070C0"/>
-                  </a:solidFill>
-                </a:rPr>
-                <a:t>  </a:t>
-              </a:r>
-            </a:p>
-          </p:txBody>
-        </p:sp>
-      </p:grpSp>
-      <p:grpSp>
-        <p:nvGrpSpPr>
-          <p:cNvPr id="167" name="Grupo 166">
-            <a:extLst>
-              <a:ext uri="{FF2B5EF4-FFF2-40B4-BE49-F238E27FC236}">
-                <a16:creationId xmlns:a16="http://schemas.microsoft.com/office/drawing/2014/main" id="{0BCE42AC-786B-4C13-9FF9-59D404E0061E}"/>
-              </a:ext>
-            </a:extLst>
-          </p:cNvPr>
-          <p:cNvGrpSpPr/>
-          <p:nvPr/>
-        </p:nvGrpSpPr>
-        <p:grpSpPr>
-          <a:xfrm>
-            <a:off x="6120881" y="2711511"/>
-            <a:ext cx="718784" cy="714162"/>
-            <a:chOff x="5403606" y="550445"/>
-            <a:chExt cx="718784" cy="714162"/>
-          </a:xfrm>
-        </p:grpSpPr>
-        <p:sp>
-          <p:nvSpPr>
-            <p:cNvPr id="168" name="Rectángulo 167">
-              <a:extLst>
-                <a:ext uri="{FF2B5EF4-FFF2-40B4-BE49-F238E27FC236}">
-                  <a16:creationId xmlns:a16="http://schemas.microsoft.com/office/drawing/2014/main" id="{FADD4759-17A7-4B4F-BCA7-B0CB03D37984}"/>
-                </a:ext>
-              </a:extLst>
-            </p:cNvPr>
-            <p:cNvSpPr/>
-            <p:nvPr/>
-          </p:nvSpPr>
-          <p:spPr>
-            <a:xfrm>
-              <a:off x="5403606" y="895275"/>
-              <a:ext cx="718784" cy="369332"/>
-            </a:xfrm>
-            <a:prstGeom prst="rect">
-              <a:avLst/>
-            </a:prstGeom>
-            <a:solidFill>
-              <a:schemeClr val="accent2">
-                <a:lumMod val="75000"/>
-              </a:schemeClr>
-            </a:solidFill>
-          </p:spPr>
-          <p:style>
-            <a:lnRef idx="2">
-              <a:schemeClr val="accent1">
-                <a:shade val="50000"/>
-              </a:schemeClr>
-            </a:lnRef>
-            <a:fillRef idx="1">
-              <a:schemeClr val="accent1"/>
-            </a:fillRef>
-            <a:effectRef idx="0">
-              <a:schemeClr val="accent1"/>
-            </a:effectRef>
-            <a:fontRef idx="minor">
-              <a:schemeClr val="lt1"/>
-            </a:fontRef>
-          </p:style>
-          <p:txBody>
-            <a:bodyPr rtlCol="0" anchor="ctr"/>
-            <a:lstStyle/>
-            <a:p>
-              <a:pPr algn="ctr"/>
-              <a:r>
-                <a:rPr lang="en-US" sz="600" dirty="0" err="1"/>
-                <a:t>Armario</a:t>
-              </a:r>
-              <a:r>
-                <a:rPr lang="en-US" sz="600" dirty="0"/>
-                <a:t> </a:t>
-              </a:r>
-            </a:p>
-            <a:p>
-              <a:pPr algn="ctr"/>
-              <a:r>
-                <a:rPr lang="en-US" sz="600" dirty="0"/>
-                <a:t>Retail #2 </a:t>
-              </a:r>
-            </a:p>
-            <a:p>
-              <a:pPr algn="ctr"/>
-              <a:r>
-                <a:rPr lang="en-US" sz="600" dirty="0"/>
-                <a:t>0,5m x 1m</a:t>
-              </a:r>
-            </a:p>
-          </p:txBody>
-        </p:sp>
-        <p:sp>
-          <p:nvSpPr>
-            <p:cNvPr id="169" name="Rectángulo 168">
-              <a:extLst>
-                <a:ext uri="{FF2B5EF4-FFF2-40B4-BE49-F238E27FC236}">
-                  <a16:creationId xmlns:a16="http://schemas.microsoft.com/office/drawing/2014/main" id="{F8715C01-1056-446A-990A-F90D8D3B7150}"/>
-                </a:ext>
-              </a:extLst>
-            </p:cNvPr>
-            <p:cNvSpPr/>
-            <p:nvPr/>
-          </p:nvSpPr>
-          <p:spPr>
-            <a:xfrm>
-              <a:off x="5403606" y="550445"/>
-              <a:ext cx="718784" cy="329037"/>
-            </a:xfrm>
-            <a:prstGeom prst="rect">
-              <a:avLst/>
-            </a:prstGeom>
-            <a:solidFill>
-              <a:schemeClr val="accent4">
-                <a:lumMod val="20000"/>
-                <a:lumOff val="80000"/>
-              </a:schemeClr>
-            </a:solidFill>
-          </p:spPr>
-          <p:style>
-            <a:lnRef idx="2">
-              <a:schemeClr val="accent1">
-                <a:shade val="50000"/>
-              </a:schemeClr>
-            </a:lnRef>
-            <a:fillRef idx="1">
-              <a:schemeClr val="accent1"/>
-            </a:fillRef>
-            <a:effectRef idx="0">
-              <a:schemeClr val="accent1"/>
-            </a:effectRef>
-            <a:fontRef idx="minor">
-              <a:schemeClr val="lt1"/>
-            </a:fontRef>
-          </p:style>
-          <p:txBody>
-            <a:bodyPr rtlCol="0" anchor="ctr"/>
-            <a:lstStyle/>
-            <a:p>
-              <a:pPr algn="ctr"/>
-              <a:r>
-                <a:rPr lang="en-US" sz="600" dirty="0">
-                  <a:solidFill>
-                    <a:srgbClr val="0070C0"/>
-                  </a:solidFill>
-                </a:rPr>
-                <a:t>Espacio Puerta </a:t>
-              </a:r>
-              <a:r>
-                <a:rPr lang="en-US" sz="600" dirty="0" err="1">
-                  <a:solidFill>
-                    <a:srgbClr val="0070C0"/>
-                  </a:solidFill>
-                </a:rPr>
-                <a:t>Armario</a:t>
-              </a:r>
-              <a:r>
-                <a:rPr lang="en-US" sz="600" dirty="0">
-                  <a:solidFill>
-                    <a:srgbClr val="0070C0"/>
-                  </a:solidFill>
-                </a:rPr>
-                <a:t> #2  </a:t>
-              </a:r>
-            </a:p>
-            <a:p>
-              <a:pPr algn="ctr"/>
-              <a:r>
-                <a:rPr lang="en-US" sz="600" dirty="0">
-                  <a:solidFill>
-                    <a:srgbClr val="0070C0"/>
-                  </a:solidFill>
-                </a:rPr>
-                <a:t>0,5m x 1m</a:t>
-              </a:r>
-            </a:p>
-          </p:txBody>
-        </p:sp>
-      </p:grpSp>
-      <p:grpSp>
-        <p:nvGrpSpPr>
-          <p:cNvPr id="170" name="Grupo 169">
-            <a:extLst>
-              <a:ext uri="{FF2B5EF4-FFF2-40B4-BE49-F238E27FC236}">
-                <a16:creationId xmlns:a16="http://schemas.microsoft.com/office/drawing/2014/main" id="{7ED75EA5-8DC4-46FE-8467-2AC6DACFB34D}"/>
-              </a:ext>
-            </a:extLst>
-          </p:cNvPr>
-          <p:cNvGrpSpPr/>
-          <p:nvPr/>
-        </p:nvGrpSpPr>
-        <p:grpSpPr>
-          <a:xfrm>
-            <a:off x="5391929" y="1995275"/>
-            <a:ext cx="721922" cy="700962"/>
-            <a:chOff x="5403606" y="178520"/>
-            <a:chExt cx="721922" cy="700962"/>
-          </a:xfrm>
-        </p:grpSpPr>
-        <p:sp>
-          <p:nvSpPr>
-            <p:cNvPr id="171" name="Rectángulo 170">
-              <a:extLst>
-                <a:ext uri="{FF2B5EF4-FFF2-40B4-BE49-F238E27FC236}">
-                  <a16:creationId xmlns:a16="http://schemas.microsoft.com/office/drawing/2014/main" id="{9EE4F60E-7CBC-4ADA-B039-9C65CE74E14B}"/>
-                </a:ext>
-              </a:extLst>
-            </p:cNvPr>
-            <p:cNvSpPr/>
-            <p:nvPr/>
-          </p:nvSpPr>
-          <p:spPr>
-            <a:xfrm>
-              <a:off x="5406744" y="178520"/>
-              <a:ext cx="718784" cy="369332"/>
-            </a:xfrm>
-            <a:prstGeom prst="rect">
-              <a:avLst/>
-            </a:prstGeom>
-            <a:solidFill>
-              <a:schemeClr val="accent2">
-                <a:lumMod val="75000"/>
-              </a:schemeClr>
-            </a:solidFill>
-          </p:spPr>
-          <p:style>
-            <a:lnRef idx="2">
-              <a:schemeClr val="accent1">
-                <a:shade val="50000"/>
-              </a:schemeClr>
-            </a:lnRef>
-            <a:fillRef idx="1">
-              <a:schemeClr val="accent1"/>
-            </a:fillRef>
-            <a:effectRef idx="0">
-              <a:schemeClr val="accent1"/>
-            </a:effectRef>
-            <a:fontRef idx="minor">
-              <a:schemeClr val="lt1"/>
-            </a:fontRef>
-          </p:style>
-          <p:txBody>
-            <a:bodyPr rtlCol="0" anchor="ctr"/>
-            <a:lstStyle/>
-            <a:p>
-              <a:pPr algn="ctr"/>
-              <a:r>
-                <a:rPr lang="en-US" sz="600" dirty="0" err="1"/>
-                <a:t>Armario</a:t>
-              </a:r>
-              <a:r>
-                <a:rPr lang="en-US" sz="600" dirty="0"/>
-                <a:t> </a:t>
-              </a:r>
-            </a:p>
-            <a:p>
-              <a:pPr algn="ctr"/>
-              <a:r>
-                <a:rPr lang="en-US" sz="600" dirty="0"/>
-                <a:t>Retail #3</a:t>
-              </a:r>
-            </a:p>
-            <a:p>
-              <a:pPr algn="ctr"/>
-              <a:r>
-                <a:rPr lang="en-US" sz="600" dirty="0"/>
-                <a:t>0,5m x 1m</a:t>
-              </a:r>
-            </a:p>
-          </p:txBody>
-        </p:sp>
-        <p:sp>
-          <p:nvSpPr>
-            <p:cNvPr id="172" name="Rectángulo 171">
-              <a:extLst>
-                <a:ext uri="{FF2B5EF4-FFF2-40B4-BE49-F238E27FC236}">
-                  <a16:creationId xmlns:a16="http://schemas.microsoft.com/office/drawing/2014/main" id="{7BA213DF-54F3-428B-B02A-533740E09B69}"/>
-                </a:ext>
-              </a:extLst>
-            </p:cNvPr>
-            <p:cNvSpPr/>
-            <p:nvPr/>
-          </p:nvSpPr>
-          <p:spPr>
-            <a:xfrm>
-              <a:off x="5403606" y="550445"/>
-              <a:ext cx="718784" cy="329037"/>
-            </a:xfrm>
-            <a:prstGeom prst="rect">
-              <a:avLst/>
-            </a:prstGeom>
-            <a:solidFill>
-              <a:schemeClr val="accent4">
-                <a:lumMod val="20000"/>
-                <a:lumOff val="80000"/>
-              </a:schemeClr>
-            </a:solidFill>
-          </p:spPr>
-          <p:style>
-            <a:lnRef idx="2">
-              <a:schemeClr val="accent1">
-                <a:shade val="50000"/>
-              </a:schemeClr>
-            </a:lnRef>
-            <a:fillRef idx="1">
-              <a:schemeClr val="accent1"/>
-            </a:fillRef>
-            <a:effectRef idx="0">
-              <a:schemeClr val="accent1"/>
-            </a:effectRef>
-            <a:fontRef idx="minor">
-              <a:schemeClr val="lt1"/>
-            </a:fontRef>
-          </p:style>
-          <p:txBody>
-            <a:bodyPr rtlCol="0" anchor="ctr"/>
-            <a:lstStyle/>
-            <a:p>
-              <a:pPr algn="ctr"/>
-              <a:r>
-                <a:rPr lang="en-US" sz="600" dirty="0">
-                  <a:solidFill>
-                    <a:srgbClr val="0070C0"/>
-                  </a:solidFill>
-                </a:rPr>
-                <a:t>Espacio Puerta </a:t>
-              </a:r>
-              <a:r>
-                <a:rPr lang="en-US" sz="600" dirty="0" err="1">
-                  <a:solidFill>
-                    <a:srgbClr val="0070C0"/>
-                  </a:solidFill>
-                </a:rPr>
-                <a:t>Armario</a:t>
-              </a:r>
-              <a:r>
-                <a:rPr lang="en-US" sz="600" dirty="0">
-                  <a:solidFill>
-                    <a:srgbClr val="0070C0"/>
-                  </a:solidFill>
-                </a:rPr>
-                <a:t> #3</a:t>
-              </a:r>
-            </a:p>
-            <a:p>
-              <a:pPr algn="ctr"/>
-              <a:r>
-                <a:rPr lang="en-US" sz="600" dirty="0">
-                  <a:solidFill>
-                    <a:srgbClr val="0070C0"/>
-                  </a:solidFill>
-                </a:rPr>
-                <a:t>0,5m x 1m</a:t>
-              </a:r>
-            </a:p>
-          </p:txBody>
-        </p:sp>
-      </p:grpSp>
-      <p:grpSp>
-        <p:nvGrpSpPr>
-          <p:cNvPr id="176" name="Grupo 175">
-            <a:extLst>
-              <a:ext uri="{FF2B5EF4-FFF2-40B4-BE49-F238E27FC236}">
-                <a16:creationId xmlns:a16="http://schemas.microsoft.com/office/drawing/2014/main" id="{DC2A909C-C2FE-405A-A689-4C645548286A}"/>
-              </a:ext>
-            </a:extLst>
-          </p:cNvPr>
-          <p:cNvGrpSpPr/>
-          <p:nvPr/>
-        </p:nvGrpSpPr>
-        <p:grpSpPr>
-          <a:xfrm>
-            <a:off x="6836087" y="2729828"/>
-            <a:ext cx="718784" cy="697368"/>
-            <a:chOff x="4685161" y="231801"/>
-            <a:chExt cx="718784" cy="697368"/>
-          </a:xfrm>
-        </p:grpSpPr>
-        <p:sp>
-          <p:nvSpPr>
-            <p:cNvPr id="177" name="Rectángulo 176">
-              <a:extLst>
-                <a:ext uri="{FF2B5EF4-FFF2-40B4-BE49-F238E27FC236}">
-                  <a16:creationId xmlns:a16="http://schemas.microsoft.com/office/drawing/2014/main" id="{30DF2941-73B9-4521-8445-E66D17ABC862}"/>
-                </a:ext>
-              </a:extLst>
-            </p:cNvPr>
-            <p:cNvSpPr/>
-            <p:nvPr/>
-          </p:nvSpPr>
-          <p:spPr>
-            <a:xfrm>
-              <a:off x="4685161" y="559837"/>
-              <a:ext cx="718784" cy="369332"/>
-            </a:xfrm>
-            <a:prstGeom prst="rect">
-              <a:avLst/>
-            </a:prstGeom>
-            <a:solidFill>
-              <a:schemeClr val="accent2"/>
-            </a:solidFill>
-          </p:spPr>
-          <p:style>
-            <a:lnRef idx="2">
-              <a:schemeClr val="accent1">
-                <a:shade val="50000"/>
-              </a:schemeClr>
-            </a:lnRef>
-            <a:fillRef idx="1">
-              <a:schemeClr val="accent1"/>
-            </a:fillRef>
-            <a:effectRef idx="0">
-              <a:schemeClr val="accent1"/>
-            </a:effectRef>
-            <a:fontRef idx="minor">
-              <a:schemeClr val="lt1"/>
-            </a:fontRef>
-          </p:style>
-          <p:txBody>
-            <a:bodyPr rtlCol="0" anchor="ctr"/>
-            <a:lstStyle/>
-            <a:p>
-              <a:pPr algn="ctr"/>
-              <a:r>
-                <a:rPr lang="en-US" sz="600" dirty="0" err="1"/>
-                <a:t>Armario</a:t>
-              </a:r>
-              <a:r>
-                <a:rPr lang="en-US" sz="600" dirty="0"/>
-                <a:t> </a:t>
-              </a:r>
-            </a:p>
-            <a:p>
-              <a:pPr algn="ctr"/>
-              <a:r>
-                <a:rPr lang="en-US" sz="600" dirty="0"/>
-                <a:t>Tec #1</a:t>
-              </a:r>
-            </a:p>
-            <a:p>
-              <a:pPr algn="ctr"/>
-              <a:r>
-                <a:rPr lang="en-US" sz="600" dirty="0"/>
-                <a:t>0,5m x 1m</a:t>
-              </a:r>
-            </a:p>
-          </p:txBody>
-        </p:sp>
-        <p:sp>
-          <p:nvSpPr>
-            <p:cNvPr id="178" name="Rectángulo 177">
-              <a:extLst>
-                <a:ext uri="{FF2B5EF4-FFF2-40B4-BE49-F238E27FC236}">
-                  <a16:creationId xmlns:a16="http://schemas.microsoft.com/office/drawing/2014/main" id="{25A62BD4-9416-4EA2-ABFD-B442A5A0434C}"/>
-                </a:ext>
-              </a:extLst>
-            </p:cNvPr>
-            <p:cNvSpPr/>
-            <p:nvPr/>
-          </p:nvSpPr>
-          <p:spPr>
-            <a:xfrm>
-              <a:off x="4685161" y="231801"/>
-              <a:ext cx="718784" cy="329037"/>
-            </a:xfrm>
-            <a:prstGeom prst="rect">
-              <a:avLst/>
-            </a:prstGeom>
-            <a:solidFill>
-              <a:schemeClr val="accent4">
-                <a:lumMod val="20000"/>
-                <a:lumOff val="80000"/>
-              </a:schemeClr>
-            </a:solidFill>
-          </p:spPr>
-          <p:style>
-            <a:lnRef idx="2">
-              <a:schemeClr val="accent1">
-                <a:shade val="50000"/>
-              </a:schemeClr>
-            </a:lnRef>
-            <a:fillRef idx="1">
-              <a:schemeClr val="accent1"/>
-            </a:fillRef>
-            <a:effectRef idx="0">
-              <a:schemeClr val="accent1"/>
-            </a:effectRef>
-            <a:fontRef idx="minor">
-              <a:schemeClr val="lt1"/>
-            </a:fontRef>
-          </p:style>
-          <p:txBody>
-            <a:bodyPr rtlCol="0" anchor="ctr"/>
-            <a:lstStyle/>
-            <a:p>
-              <a:pPr algn="ctr"/>
-              <a:r>
-                <a:rPr lang="en-US" sz="600" dirty="0">
-                  <a:solidFill>
-                    <a:srgbClr val="0070C0"/>
-                  </a:solidFill>
-                </a:rPr>
-                <a:t>Espacio Puerta </a:t>
-              </a:r>
-              <a:r>
-                <a:rPr lang="en-US" sz="600" dirty="0" err="1">
-                  <a:solidFill>
-                    <a:srgbClr val="0070C0"/>
-                  </a:solidFill>
-                </a:rPr>
-                <a:t>Armario</a:t>
-              </a:r>
-              <a:r>
-                <a:rPr lang="en-US" sz="600" dirty="0">
-                  <a:solidFill>
-                    <a:srgbClr val="0070C0"/>
-                  </a:solidFill>
-                </a:rPr>
-                <a:t>  </a:t>
-              </a:r>
-            </a:p>
-            <a:p>
-              <a:pPr algn="ctr"/>
-              <a:r>
-                <a:rPr lang="en-US" sz="600" dirty="0">
-                  <a:solidFill>
-                    <a:srgbClr val="0070C0"/>
-                  </a:solidFill>
-                </a:rPr>
-                <a:t>0,5m x 1m</a:t>
-              </a:r>
-            </a:p>
-          </p:txBody>
-        </p:sp>
-      </p:grpSp>
-      <p:grpSp>
-        <p:nvGrpSpPr>
-          <p:cNvPr id="179" name="Grupo 178">
-            <a:extLst>
-              <a:ext uri="{FF2B5EF4-FFF2-40B4-BE49-F238E27FC236}">
-                <a16:creationId xmlns:a16="http://schemas.microsoft.com/office/drawing/2014/main" id="{25A11B23-6928-45DD-9715-268948A3A3A6}"/>
-              </a:ext>
-            </a:extLst>
-          </p:cNvPr>
-          <p:cNvGrpSpPr/>
-          <p:nvPr/>
-        </p:nvGrpSpPr>
-        <p:grpSpPr>
-          <a:xfrm>
-            <a:off x="1772239" y="1991327"/>
-            <a:ext cx="724643" cy="1430213"/>
-            <a:chOff x="1057692" y="512069"/>
-            <a:chExt cx="724643" cy="1430213"/>
-          </a:xfrm>
-        </p:grpSpPr>
-        <p:sp>
-          <p:nvSpPr>
-            <p:cNvPr id="180" name="Rectángulo 179">
-              <a:extLst>
-                <a:ext uri="{FF2B5EF4-FFF2-40B4-BE49-F238E27FC236}">
-                  <a16:creationId xmlns:a16="http://schemas.microsoft.com/office/drawing/2014/main" id="{06EA9B62-000F-4F5B-8DC3-C0EB7162F783}"/>
-                </a:ext>
-              </a:extLst>
-            </p:cNvPr>
-            <p:cNvSpPr/>
-            <p:nvPr/>
-          </p:nvSpPr>
-          <p:spPr>
-            <a:xfrm>
-              <a:off x="1063552" y="1242334"/>
-              <a:ext cx="718783" cy="699948"/>
-            </a:xfrm>
-            <a:prstGeom prst="rect">
-              <a:avLst/>
-            </a:prstGeom>
-            <a:solidFill>
-              <a:schemeClr val="accent5">
-                <a:lumMod val="50000"/>
-              </a:schemeClr>
-            </a:solidFill>
-            <a:ln>
-              <a:solidFill>
-                <a:srgbClr val="0070C0"/>
-              </a:solidFill>
-            </a:ln>
-          </p:spPr>
-          <p:style>
-            <a:lnRef idx="2">
-              <a:schemeClr val="accent1">
-                <a:shade val="50000"/>
-              </a:schemeClr>
-            </a:lnRef>
-            <a:fillRef idx="1">
-              <a:schemeClr val="accent1"/>
-            </a:fillRef>
-            <a:effectRef idx="0">
-              <a:schemeClr val="accent1"/>
-            </a:effectRef>
-            <a:fontRef idx="minor">
-              <a:schemeClr val="lt1"/>
-            </a:fontRef>
-          </p:style>
-          <p:txBody>
-            <a:bodyPr rtlCol="0" anchor="ctr"/>
-            <a:lstStyle/>
-            <a:p>
-              <a:pPr algn="ctr"/>
-              <a:r>
-                <a:rPr lang="en-US" sz="600" dirty="0" err="1"/>
-                <a:t>Escritorio</a:t>
-              </a:r>
-              <a:endParaRPr lang="en-US" sz="600" dirty="0"/>
-            </a:p>
-            <a:p>
-              <a:pPr algn="ctr"/>
-              <a:r>
-                <a:rPr lang="en-US" sz="600" dirty="0"/>
-                <a:t> Retail  #1</a:t>
-              </a:r>
-            </a:p>
-            <a:p>
-              <a:pPr algn="ctr"/>
-              <a:r>
-                <a:rPr lang="en-US" sz="600" dirty="0"/>
-                <a:t>1m x 1m</a:t>
-              </a:r>
-            </a:p>
-            <a:p>
-              <a:pPr algn="ctr"/>
-              <a:r>
-                <a:rPr lang="en-US" sz="600" dirty="0"/>
-                <a:t>0,5 Kw</a:t>
-              </a:r>
-            </a:p>
-          </p:txBody>
-        </p:sp>
-        <p:sp>
-          <p:nvSpPr>
-            <p:cNvPr id="181" name="Rectángulo 180">
-              <a:extLst>
-                <a:ext uri="{FF2B5EF4-FFF2-40B4-BE49-F238E27FC236}">
-                  <a16:creationId xmlns:a16="http://schemas.microsoft.com/office/drawing/2014/main" id="{5D2C1EE1-1D15-42E6-A0B5-1134A6FD59C7}"/>
-                </a:ext>
-              </a:extLst>
-            </p:cNvPr>
-            <p:cNvSpPr/>
-            <p:nvPr/>
-          </p:nvSpPr>
-          <p:spPr>
-            <a:xfrm>
-              <a:off x="1057692" y="512069"/>
-              <a:ext cx="718783" cy="737211"/>
-            </a:xfrm>
-            <a:prstGeom prst="rect">
-              <a:avLst/>
-            </a:prstGeom>
-            <a:solidFill>
-              <a:schemeClr val="accent4">
-                <a:lumMod val="20000"/>
-                <a:lumOff val="80000"/>
-              </a:schemeClr>
-            </a:solidFill>
-            <a:ln>
-              <a:solidFill>
-                <a:srgbClr val="0070C0"/>
-              </a:solidFill>
-            </a:ln>
-          </p:spPr>
-          <p:style>
-            <a:lnRef idx="2">
-              <a:schemeClr val="accent1">
-                <a:shade val="50000"/>
-              </a:schemeClr>
-            </a:lnRef>
-            <a:fillRef idx="1">
-              <a:schemeClr val="accent1"/>
-            </a:fillRef>
-            <a:effectRef idx="0">
-              <a:schemeClr val="accent1"/>
-            </a:effectRef>
-            <a:fontRef idx="minor">
-              <a:schemeClr val="lt1"/>
-            </a:fontRef>
-          </p:style>
-          <p:txBody>
-            <a:bodyPr rtlCol="0" anchor="ctr"/>
-            <a:lstStyle/>
-            <a:p>
-              <a:pPr algn="ctr"/>
-              <a:r>
-                <a:rPr lang="en-US" sz="600" dirty="0">
-                  <a:solidFill>
-                    <a:srgbClr val="0070C0"/>
-                  </a:solidFill>
-                </a:rPr>
-                <a:t>Espacio </a:t>
-              </a:r>
-            </a:p>
-            <a:p>
-              <a:pPr algn="ctr"/>
-              <a:r>
-                <a:rPr lang="en-US" sz="600" dirty="0">
-                  <a:solidFill>
-                    <a:srgbClr val="0070C0"/>
-                  </a:solidFill>
-                </a:rPr>
-                <a:t>Silla Retail #1</a:t>
-              </a:r>
-            </a:p>
-            <a:p>
-              <a:pPr algn="ctr"/>
-              <a:r>
-                <a:rPr lang="en-US" sz="600" dirty="0">
-                  <a:solidFill>
-                    <a:srgbClr val="0070C0"/>
-                  </a:solidFill>
-                </a:rPr>
-                <a:t>1m x 1m</a:t>
-              </a:r>
-            </a:p>
-          </p:txBody>
-        </p:sp>
-      </p:grpSp>
-      <p:grpSp>
-        <p:nvGrpSpPr>
-          <p:cNvPr id="182" name="Grupo 181">
-            <a:extLst>
-              <a:ext uri="{FF2B5EF4-FFF2-40B4-BE49-F238E27FC236}">
-                <a16:creationId xmlns:a16="http://schemas.microsoft.com/office/drawing/2014/main" id="{DED1706A-5181-4344-8B88-B2E32322DBD0}"/>
-              </a:ext>
-            </a:extLst>
-          </p:cNvPr>
-          <p:cNvGrpSpPr/>
-          <p:nvPr/>
-        </p:nvGrpSpPr>
-        <p:grpSpPr>
-          <a:xfrm>
-            <a:off x="2488536" y="1984784"/>
-            <a:ext cx="724643" cy="1430213"/>
-            <a:chOff x="1057692" y="512069"/>
-            <a:chExt cx="724643" cy="1430213"/>
-          </a:xfrm>
-        </p:grpSpPr>
-        <p:sp>
-          <p:nvSpPr>
-            <p:cNvPr id="183" name="Rectángulo 182">
-              <a:extLst>
-                <a:ext uri="{FF2B5EF4-FFF2-40B4-BE49-F238E27FC236}">
-                  <a16:creationId xmlns:a16="http://schemas.microsoft.com/office/drawing/2014/main" id="{67B479EB-18BD-44D5-A61A-2DD73422CF1D}"/>
-                </a:ext>
-              </a:extLst>
-            </p:cNvPr>
-            <p:cNvSpPr/>
-            <p:nvPr/>
-          </p:nvSpPr>
-          <p:spPr>
-            <a:xfrm>
-              <a:off x="1063552" y="1242334"/>
-              <a:ext cx="718783" cy="699948"/>
-            </a:xfrm>
-            <a:prstGeom prst="rect">
-              <a:avLst/>
-            </a:prstGeom>
-            <a:solidFill>
-              <a:schemeClr val="accent5">
-                <a:lumMod val="50000"/>
-              </a:schemeClr>
-            </a:solidFill>
-            <a:ln>
-              <a:solidFill>
-                <a:srgbClr val="0070C0"/>
-              </a:solidFill>
-            </a:ln>
-          </p:spPr>
-          <p:style>
-            <a:lnRef idx="2">
-              <a:schemeClr val="accent1">
-                <a:shade val="50000"/>
-              </a:schemeClr>
-            </a:lnRef>
-            <a:fillRef idx="1">
-              <a:schemeClr val="accent1"/>
-            </a:fillRef>
-            <a:effectRef idx="0">
-              <a:schemeClr val="accent1"/>
-            </a:effectRef>
-            <a:fontRef idx="minor">
-              <a:schemeClr val="lt1"/>
-            </a:fontRef>
-          </p:style>
-          <p:txBody>
-            <a:bodyPr rtlCol="0" anchor="ctr"/>
-            <a:lstStyle/>
-            <a:p>
-              <a:pPr algn="ctr"/>
-              <a:r>
-                <a:rPr lang="en-US" sz="600" dirty="0" err="1"/>
-                <a:t>Escritorio</a:t>
-              </a:r>
-              <a:endParaRPr lang="en-US" sz="600" dirty="0"/>
-            </a:p>
-            <a:p>
-              <a:pPr algn="ctr"/>
-              <a:r>
-                <a:rPr lang="en-US" sz="600" dirty="0"/>
-                <a:t> Retail  #1</a:t>
-              </a:r>
-            </a:p>
-            <a:p>
-              <a:pPr algn="ctr"/>
-              <a:r>
-                <a:rPr lang="en-US" sz="600" dirty="0"/>
-                <a:t>1m x 1m</a:t>
-              </a:r>
-            </a:p>
-            <a:p>
-              <a:pPr algn="ctr"/>
-              <a:r>
-                <a:rPr lang="en-US" sz="600" dirty="0"/>
-                <a:t>0,5 Kw</a:t>
-              </a:r>
-            </a:p>
-          </p:txBody>
-        </p:sp>
-        <p:sp>
-          <p:nvSpPr>
-            <p:cNvPr id="184" name="Rectángulo 183">
-              <a:extLst>
-                <a:ext uri="{FF2B5EF4-FFF2-40B4-BE49-F238E27FC236}">
-                  <a16:creationId xmlns:a16="http://schemas.microsoft.com/office/drawing/2014/main" id="{636ABE10-041E-49F3-BDF5-A3191895C599}"/>
-                </a:ext>
-              </a:extLst>
-            </p:cNvPr>
-            <p:cNvSpPr/>
-            <p:nvPr/>
-          </p:nvSpPr>
-          <p:spPr>
-            <a:xfrm>
-              <a:off x="1057692" y="512069"/>
-              <a:ext cx="718783" cy="737211"/>
-            </a:xfrm>
-            <a:prstGeom prst="rect">
-              <a:avLst/>
-            </a:prstGeom>
-            <a:solidFill>
-              <a:schemeClr val="accent4">
-                <a:lumMod val="20000"/>
-                <a:lumOff val="80000"/>
-              </a:schemeClr>
-            </a:solidFill>
-            <a:ln>
-              <a:solidFill>
-                <a:srgbClr val="0070C0"/>
-              </a:solidFill>
-            </a:ln>
-          </p:spPr>
-          <p:style>
-            <a:lnRef idx="2">
-              <a:schemeClr val="accent1">
-                <a:shade val="50000"/>
-              </a:schemeClr>
-            </a:lnRef>
-            <a:fillRef idx="1">
-              <a:schemeClr val="accent1"/>
-            </a:fillRef>
-            <a:effectRef idx="0">
-              <a:schemeClr val="accent1"/>
-            </a:effectRef>
-            <a:fontRef idx="minor">
-              <a:schemeClr val="lt1"/>
-            </a:fontRef>
-          </p:style>
-          <p:txBody>
-            <a:bodyPr rtlCol="0" anchor="ctr"/>
-            <a:lstStyle/>
-            <a:p>
-              <a:pPr algn="ctr"/>
-              <a:r>
-                <a:rPr lang="en-US" sz="600" dirty="0">
-                  <a:solidFill>
-                    <a:srgbClr val="0070C0"/>
-                  </a:solidFill>
-                </a:rPr>
-                <a:t>Espacio </a:t>
-              </a:r>
-            </a:p>
-            <a:p>
-              <a:pPr algn="ctr"/>
-              <a:r>
-                <a:rPr lang="en-US" sz="600" dirty="0">
-                  <a:solidFill>
-                    <a:srgbClr val="0070C0"/>
-                  </a:solidFill>
-                </a:rPr>
-                <a:t>Silla Retail #1</a:t>
-              </a:r>
-            </a:p>
-            <a:p>
-              <a:pPr algn="ctr"/>
-              <a:r>
-                <a:rPr lang="en-US" sz="600" dirty="0">
-                  <a:solidFill>
-                    <a:srgbClr val="0070C0"/>
-                  </a:solidFill>
-                </a:rPr>
-                <a:t>1m x 1m</a:t>
-              </a:r>
-            </a:p>
-          </p:txBody>
-        </p:sp>
-      </p:grpSp>
-      <p:grpSp>
-        <p:nvGrpSpPr>
-          <p:cNvPr id="185" name="Grupo 184">
-            <a:extLst>
-              <a:ext uri="{FF2B5EF4-FFF2-40B4-BE49-F238E27FC236}">
-                <a16:creationId xmlns:a16="http://schemas.microsoft.com/office/drawing/2014/main" id="{EF94A4A6-F904-45AC-B454-4A42E7AFF5F6}"/>
-              </a:ext>
-            </a:extLst>
-          </p:cNvPr>
-          <p:cNvGrpSpPr/>
-          <p:nvPr/>
-        </p:nvGrpSpPr>
-        <p:grpSpPr>
-          <a:xfrm>
-            <a:off x="3212150" y="1992680"/>
-            <a:ext cx="724643" cy="1430213"/>
-            <a:chOff x="1057692" y="512069"/>
-            <a:chExt cx="724643" cy="1430213"/>
-          </a:xfrm>
-        </p:grpSpPr>
-        <p:sp>
-          <p:nvSpPr>
-            <p:cNvPr id="186" name="Rectángulo 185">
-              <a:extLst>
-                <a:ext uri="{FF2B5EF4-FFF2-40B4-BE49-F238E27FC236}">
-                  <a16:creationId xmlns:a16="http://schemas.microsoft.com/office/drawing/2014/main" id="{927A8202-D14B-4753-A57C-7EF14B1DD178}"/>
-                </a:ext>
-              </a:extLst>
-            </p:cNvPr>
-            <p:cNvSpPr/>
-            <p:nvPr/>
-          </p:nvSpPr>
-          <p:spPr>
-            <a:xfrm>
-              <a:off x="1063552" y="1242334"/>
-              <a:ext cx="718783" cy="699948"/>
-            </a:xfrm>
-            <a:prstGeom prst="rect">
-              <a:avLst/>
-            </a:prstGeom>
-            <a:solidFill>
-              <a:schemeClr val="accent5">
-                <a:lumMod val="50000"/>
-              </a:schemeClr>
-            </a:solidFill>
-            <a:ln>
-              <a:solidFill>
-                <a:srgbClr val="0070C0"/>
-              </a:solidFill>
-            </a:ln>
-          </p:spPr>
-          <p:style>
-            <a:lnRef idx="2">
-              <a:schemeClr val="accent1">
-                <a:shade val="50000"/>
-              </a:schemeClr>
-            </a:lnRef>
-            <a:fillRef idx="1">
-              <a:schemeClr val="accent1"/>
-            </a:fillRef>
-            <a:effectRef idx="0">
-              <a:schemeClr val="accent1"/>
-            </a:effectRef>
-            <a:fontRef idx="minor">
-              <a:schemeClr val="lt1"/>
-            </a:fontRef>
-          </p:style>
-          <p:txBody>
-            <a:bodyPr rtlCol="0" anchor="ctr"/>
-            <a:lstStyle/>
-            <a:p>
-              <a:pPr algn="ctr"/>
-              <a:r>
-                <a:rPr lang="en-US" sz="600" dirty="0" err="1"/>
-                <a:t>Escritorio</a:t>
-              </a:r>
-              <a:endParaRPr lang="en-US" sz="600" dirty="0"/>
-            </a:p>
-            <a:p>
-              <a:pPr algn="ctr"/>
-              <a:r>
-                <a:rPr lang="en-US" sz="600" dirty="0"/>
-                <a:t> Retail  #1</a:t>
-              </a:r>
-            </a:p>
-            <a:p>
-              <a:pPr algn="ctr"/>
-              <a:r>
-                <a:rPr lang="en-US" sz="600" dirty="0"/>
-                <a:t>1m x 1m</a:t>
-              </a:r>
-            </a:p>
-            <a:p>
-              <a:pPr algn="ctr"/>
-              <a:r>
-                <a:rPr lang="en-US" sz="600" dirty="0"/>
-                <a:t>0,5 Kw</a:t>
-              </a:r>
-            </a:p>
-          </p:txBody>
-        </p:sp>
-        <p:sp>
-          <p:nvSpPr>
-            <p:cNvPr id="187" name="Rectángulo 186">
-              <a:extLst>
-                <a:ext uri="{FF2B5EF4-FFF2-40B4-BE49-F238E27FC236}">
-                  <a16:creationId xmlns:a16="http://schemas.microsoft.com/office/drawing/2014/main" id="{2C3C64CD-FFBC-4B3C-97BA-0F20FF250433}"/>
-                </a:ext>
-              </a:extLst>
-            </p:cNvPr>
-            <p:cNvSpPr/>
-            <p:nvPr/>
-          </p:nvSpPr>
-          <p:spPr>
-            <a:xfrm>
-              <a:off x="1057692" y="512069"/>
-              <a:ext cx="718783" cy="737211"/>
-            </a:xfrm>
-            <a:prstGeom prst="rect">
-              <a:avLst/>
-            </a:prstGeom>
-            <a:solidFill>
-              <a:schemeClr val="accent4">
-                <a:lumMod val="20000"/>
-                <a:lumOff val="80000"/>
-              </a:schemeClr>
-            </a:solidFill>
-            <a:ln>
-              <a:solidFill>
-                <a:srgbClr val="0070C0"/>
-              </a:solidFill>
-            </a:ln>
-          </p:spPr>
-          <p:style>
-            <a:lnRef idx="2">
-              <a:schemeClr val="accent1">
-                <a:shade val="50000"/>
-              </a:schemeClr>
-            </a:lnRef>
-            <a:fillRef idx="1">
-              <a:schemeClr val="accent1"/>
-            </a:fillRef>
-            <a:effectRef idx="0">
-              <a:schemeClr val="accent1"/>
-            </a:effectRef>
-            <a:fontRef idx="minor">
-              <a:schemeClr val="lt1"/>
-            </a:fontRef>
-          </p:style>
-          <p:txBody>
-            <a:bodyPr rtlCol="0" anchor="ctr"/>
-            <a:lstStyle/>
-            <a:p>
-              <a:pPr algn="ctr"/>
-              <a:r>
-                <a:rPr lang="en-US" sz="600" dirty="0">
-                  <a:solidFill>
-                    <a:srgbClr val="0070C0"/>
-                  </a:solidFill>
-                </a:rPr>
-                <a:t>Espacio </a:t>
-              </a:r>
-            </a:p>
-            <a:p>
-              <a:pPr algn="ctr"/>
-              <a:r>
-                <a:rPr lang="en-US" sz="600" dirty="0">
-                  <a:solidFill>
-                    <a:srgbClr val="0070C0"/>
-                  </a:solidFill>
-                </a:rPr>
-                <a:t>Silla Retail #1</a:t>
-              </a:r>
-            </a:p>
-            <a:p>
-              <a:pPr algn="ctr"/>
-              <a:r>
-                <a:rPr lang="en-US" sz="600" dirty="0">
-                  <a:solidFill>
-                    <a:srgbClr val="0070C0"/>
-                  </a:solidFill>
-                </a:rPr>
-                <a:t>1m x 1m</a:t>
-              </a:r>
-            </a:p>
-          </p:txBody>
-        </p:sp>
-      </p:grpSp>
-      <p:grpSp>
-        <p:nvGrpSpPr>
-          <p:cNvPr id="188" name="Grupo 187">
-            <a:extLst>
-              <a:ext uri="{FF2B5EF4-FFF2-40B4-BE49-F238E27FC236}">
-                <a16:creationId xmlns:a16="http://schemas.microsoft.com/office/drawing/2014/main" id="{0EFEC3FA-12EA-496C-A205-C61EF557007E}"/>
-              </a:ext>
-            </a:extLst>
-          </p:cNvPr>
-          <p:cNvGrpSpPr/>
-          <p:nvPr/>
-        </p:nvGrpSpPr>
-        <p:grpSpPr>
-          <a:xfrm>
-            <a:off x="4656962" y="1984784"/>
-            <a:ext cx="722905" cy="1437159"/>
-            <a:chOff x="-5095312" y="1995566"/>
-            <a:chExt cx="722905" cy="1437159"/>
-          </a:xfrm>
-        </p:grpSpPr>
-        <p:sp>
-          <p:nvSpPr>
-            <p:cNvPr id="189" name="Rectángulo 188">
-              <a:extLst>
-                <a:ext uri="{FF2B5EF4-FFF2-40B4-BE49-F238E27FC236}">
-                  <a16:creationId xmlns:a16="http://schemas.microsoft.com/office/drawing/2014/main" id="{300BD13B-B7A9-41AE-8A41-2B566570A5B0}"/>
-                </a:ext>
-              </a:extLst>
-            </p:cNvPr>
-            <p:cNvSpPr/>
-            <p:nvPr/>
-          </p:nvSpPr>
-          <p:spPr>
-            <a:xfrm>
-              <a:off x="-5091190" y="2732777"/>
-              <a:ext cx="718783" cy="699948"/>
-            </a:xfrm>
-            <a:prstGeom prst="rect">
-              <a:avLst/>
-            </a:prstGeom>
-            <a:solidFill>
-              <a:srgbClr val="0070C0"/>
-            </a:solidFill>
-            <a:ln>
-              <a:solidFill>
-                <a:srgbClr val="0070C0"/>
-              </a:solidFill>
-            </a:ln>
-          </p:spPr>
-          <p:style>
-            <a:lnRef idx="2">
-              <a:schemeClr val="accent1">
-                <a:shade val="50000"/>
-              </a:schemeClr>
-            </a:lnRef>
-            <a:fillRef idx="1">
-              <a:schemeClr val="accent1"/>
-            </a:fillRef>
-            <a:effectRef idx="0">
-              <a:schemeClr val="accent1"/>
-            </a:effectRef>
-            <a:fontRef idx="minor">
-              <a:schemeClr val="lt1"/>
-            </a:fontRef>
-          </p:style>
-          <p:txBody>
-            <a:bodyPr rtlCol="0" anchor="ctr"/>
-            <a:lstStyle/>
-            <a:p>
-              <a:pPr algn="ctr"/>
-              <a:r>
-                <a:rPr lang="en-US" sz="600" dirty="0" err="1"/>
-                <a:t>Escritorio</a:t>
-              </a:r>
-              <a:r>
-                <a:rPr lang="en-US" sz="600" dirty="0"/>
-                <a:t> Tec #2</a:t>
-              </a:r>
-            </a:p>
-            <a:p>
-              <a:pPr algn="ctr"/>
-              <a:r>
-                <a:rPr lang="en-US" sz="600" dirty="0"/>
-                <a:t>1m x 1m</a:t>
-              </a:r>
-            </a:p>
-            <a:p>
-              <a:pPr algn="ctr"/>
-              <a:r>
-                <a:rPr lang="en-US" sz="600" dirty="0"/>
-                <a:t>0,25 Kw</a:t>
-              </a:r>
-            </a:p>
-          </p:txBody>
-        </p:sp>
-        <p:sp>
-          <p:nvSpPr>
-            <p:cNvPr id="190" name="Rectángulo 189">
-              <a:extLst>
-                <a:ext uri="{FF2B5EF4-FFF2-40B4-BE49-F238E27FC236}">
-                  <a16:creationId xmlns:a16="http://schemas.microsoft.com/office/drawing/2014/main" id="{9E21D21E-AFA3-4A86-BDBB-4042046BBBE3}"/>
-                </a:ext>
-              </a:extLst>
-            </p:cNvPr>
-            <p:cNvSpPr/>
-            <p:nvPr/>
-          </p:nvSpPr>
-          <p:spPr>
-            <a:xfrm>
-              <a:off x="-5095312" y="1995566"/>
-              <a:ext cx="718783" cy="737211"/>
-            </a:xfrm>
-            <a:prstGeom prst="rect">
-              <a:avLst/>
-            </a:prstGeom>
-            <a:solidFill>
-              <a:schemeClr val="accent4">
-                <a:lumMod val="20000"/>
-                <a:lumOff val="80000"/>
-              </a:schemeClr>
-            </a:solidFill>
-            <a:ln>
-              <a:solidFill>
-                <a:srgbClr val="0070C0"/>
-              </a:solidFill>
-            </a:ln>
-          </p:spPr>
-          <p:style>
-            <a:lnRef idx="2">
-              <a:schemeClr val="accent1">
-                <a:shade val="50000"/>
-              </a:schemeClr>
-            </a:lnRef>
-            <a:fillRef idx="1">
-              <a:schemeClr val="accent1"/>
-            </a:fillRef>
-            <a:effectRef idx="0">
-              <a:schemeClr val="accent1"/>
-            </a:effectRef>
-            <a:fontRef idx="minor">
-              <a:schemeClr val="lt1"/>
-            </a:fontRef>
-          </p:style>
-          <p:txBody>
-            <a:bodyPr rtlCol="0" anchor="ctr"/>
-            <a:lstStyle/>
-            <a:p>
-              <a:pPr algn="ctr"/>
-              <a:r>
-                <a:rPr lang="en-US" sz="600" dirty="0">
-                  <a:solidFill>
-                    <a:srgbClr val="0070C0"/>
-                  </a:solidFill>
-                </a:rPr>
-                <a:t>Espacio </a:t>
-              </a:r>
-            </a:p>
-            <a:p>
-              <a:pPr algn="ctr"/>
-              <a:r>
-                <a:rPr lang="en-US" sz="600" dirty="0">
-                  <a:solidFill>
-                    <a:srgbClr val="0070C0"/>
-                  </a:solidFill>
-                </a:rPr>
-                <a:t>Silla Tec #2</a:t>
-              </a:r>
-            </a:p>
-            <a:p>
-              <a:pPr algn="ctr"/>
-              <a:r>
-                <a:rPr lang="en-US" sz="600" dirty="0">
-                  <a:solidFill>
-                    <a:srgbClr val="0070C0"/>
-                  </a:solidFill>
-                </a:rPr>
-                <a:t>1m x 1m</a:t>
-              </a:r>
-            </a:p>
-          </p:txBody>
-        </p:sp>
-      </p:grpSp>
-      <p:grpSp>
-        <p:nvGrpSpPr>
-          <p:cNvPr id="191" name="Grupo 190">
-            <a:extLst>
-              <a:ext uri="{FF2B5EF4-FFF2-40B4-BE49-F238E27FC236}">
-                <a16:creationId xmlns:a16="http://schemas.microsoft.com/office/drawing/2014/main" id="{C230C706-B3AD-45EE-AB4F-E706EE85142F}"/>
-              </a:ext>
-            </a:extLst>
-          </p:cNvPr>
-          <p:cNvGrpSpPr/>
-          <p:nvPr/>
-        </p:nvGrpSpPr>
-        <p:grpSpPr>
-          <a:xfrm>
-            <a:off x="6108160" y="1998497"/>
-            <a:ext cx="721922" cy="700962"/>
-            <a:chOff x="5403606" y="178520"/>
-            <a:chExt cx="721922" cy="700962"/>
-          </a:xfrm>
-        </p:grpSpPr>
-        <p:sp>
-          <p:nvSpPr>
-            <p:cNvPr id="192" name="Rectángulo 191">
-              <a:extLst>
-                <a:ext uri="{FF2B5EF4-FFF2-40B4-BE49-F238E27FC236}">
-                  <a16:creationId xmlns:a16="http://schemas.microsoft.com/office/drawing/2014/main" id="{A04A5829-44F4-47C6-AB17-B2E19830DC71}"/>
-                </a:ext>
-              </a:extLst>
-            </p:cNvPr>
-            <p:cNvSpPr/>
-            <p:nvPr/>
-          </p:nvSpPr>
-          <p:spPr>
-            <a:xfrm>
-              <a:off x="5406744" y="178520"/>
-              <a:ext cx="718784" cy="369332"/>
-            </a:xfrm>
-            <a:prstGeom prst="rect">
-              <a:avLst/>
-            </a:prstGeom>
-            <a:solidFill>
-              <a:schemeClr val="accent2">
-                <a:lumMod val="75000"/>
-              </a:schemeClr>
-            </a:solidFill>
-          </p:spPr>
-          <p:style>
-            <a:lnRef idx="2">
-              <a:schemeClr val="accent1">
-                <a:shade val="50000"/>
-              </a:schemeClr>
-            </a:lnRef>
-            <a:fillRef idx="1">
-              <a:schemeClr val="accent1"/>
-            </a:fillRef>
-            <a:effectRef idx="0">
-              <a:schemeClr val="accent1"/>
-            </a:effectRef>
-            <a:fontRef idx="minor">
-              <a:schemeClr val="lt1"/>
-            </a:fontRef>
-          </p:style>
-          <p:txBody>
-            <a:bodyPr rtlCol="0" anchor="ctr"/>
-            <a:lstStyle/>
-            <a:p>
-              <a:pPr algn="ctr"/>
-              <a:r>
-                <a:rPr lang="en-US" sz="600" dirty="0" err="1"/>
-                <a:t>Armario</a:t>
-              </a:r>
-              <a:r>
-                <a:rPr lang="en-US" sz="600" dirty="0"/>
-                <a:t> </a:t>
-              </a:r>
-            </a:p>
-            <a:p>
-              <a:pPr algn="ctr"/>
-              <a:r>
-                <a:rPr lang="en-US" sz="600" dirty="0"/>
-                <a:t>Retail #3</a:t>
-              </a:r>
-            </a:p>
-            <a:p>
-              <a:pPr algn="ctr"/>
-              <a:r>
-                <a:rPr lang="en-US" sz="600" dirty="0"/>
-                <a:t>0,5m x 1m</a:t>
-              </a:r>
-            </a:p>
-          </p:txBody>
-        </p:sp>
-        <p:sp>
-          <p:nvSpPr>
-            <p:cNvPr id="193" name="Rectángulo 192">
-              <a:extLst>
-                <a:ext uri="{FF2B5EF4-FFF2-40B4-BE49-F238E27FC236}">
-                  <a16:creationId xmlns:a16="http://schemas.microsoft.com/office/drawing/2014/main" id="{0FC31891-2347-4246-A641-EB163263A313}"/>
-                </a:ext>
-              </a:extLst>
-            </p:cNvPr>
-            <p:cNvSpPr/>
-            <p:nvPr/>
-          </p:nvSpPr>
-          <p:spPr>
-            <a:xfrm>
-              <a:off x="5403606" y="550445"/>
-              <a:ext cx="718784" cy="329037"/>
-            </a:xfrm>
-            <a:prstGeom prst="rect">
-              <a:avLst/>
-            </a:prstGeom>
-            <a:solidFill>
-              <a:schemeClr val="accent4">
-                <a:lumMod val="20000"/>
-                <a:lumOff val="80000"/>
-              </a:schemeClr>
-            </a:solidFill>
-          </p:spPr>
-          <p:style>
-            <a:lnRef idx="2">
-              <a:schemeClr val="accent1">
-                <a:shade val="50000"/>
-              </a:schemeClr>
-            </a:lnRef>
-            <a:fillRef idx="1">
-              <a:schemeClr val="accent1"/>
-            </a:fillRef>
-            <a:effectRef idx="0">
-              <a:schemeClr val="accent1"/>
-            </a:effectRef>
-            <a:fontRef idx="minor">
-              <a:schemeClr val="lt1"/>
-            </a:fontRef>
-          </p:style>
-          <p:txBody>
-            <a:bodyPr rtlCol="0" anchor="ctr"/>
-            <a:lstStyle/>
-            <a:p>
-              <a:pPr algn="ctr"/>
-              <a:r>
-                <a:rPr lang="en-US" sz="600" dirty="0">
-                  <a:solidFill>
-                    <a:srgbClr val="0070C0"/>
-                  </a:solidFill>
-                </a:rPr>
-                <a:t>Espacio Puerta </a:t>
-              </a:r>
-              <a:r>
-                <a:rPr lang="en-US" sz="600" dirty="0" err="1">
-                  <a:solidFill>
-                    <a:srgbClr val="0070C0"/>
-                  </a:solidFill>
-                </a:rPr>
-                <a:t>Armario</a:t>
-              </a:r>
-              <a:r>
-                <a:rPr lang="en-US" sz="600" dirty="0">
-                  <a:solidFill>
-                    <a:srgbClr val="0070C0"/>
-                  </a:solidFill>
-                </a:rPr>
-                <a:t> #3</a:t>
-              </a:r>
-            </a:p>
-            <a:p>
-              <a:pPr algn="ctr"/>
-              <a:r>
-                <a:rPr lang="en-US" sz="600" dirty="0">
-                  <a:solidFill>
-                    <a:srgbClr val="0070C0"/>
-                  </a:solidFill>
-                </a:rPr>
-                <a:t>0,5m x 1m</a:t>
-              </a:r>
-            </a:p>
-          </p:txBody>
-        </p:sp>
-      </p:grpSp>
-      <p:sp>
-        <p:nvSpPr>
           <p:cNvPr id="2" name="Rectángulo 1">
             <a:extLst>
               <a:ext uri="{FF2B5EF4-FFF2-40B4-BE49-F238E27FC236}">
